--- a/Tutorials/whatiswot/7-JSON_Schema_in_Practice_2/7-JSON_Schema_in_Practice_2.pptx
+++ b/Tutorials/whatiswot/7-JSON_Schema_in_Practice_2/7-JSON_Schema_in_Practice_2.pptx
@@ -221,7 +221,7 @@
           <a:p>
             <a:fld id="{13D04914-C2D3-4F6E-9724-F68824787271}" type="datetimeFigureOut">
               <a:rPr lang="en-US" smtClean="0"/>
-              <a:t>8/31/23</a:t>
+              <a:t>9/4/23</a:t>
             </a:fld>
             <a:endParaRPr lang="en-US"/>
           </a:p>
@@ -1072,7 +1072,10 @@
           <a:bodyPr/>
           <a:lstStyle/>
           <a:p>
-            <a:endParaRPr lang="en-US" dirty="0"/>
+            <a:r>
+              <a:rPr lang="en-US" dirty="0"/>
+              <a:t>Let us explain Advanced Topic</a:t>
+            </a:r>
           </a:p>
         </p:txBody>
       </p:sp>
@@ -1489,7 +1492,27 @@
                 <a:effectLst/>
                 <a:latin typeface="Helvetica Neue"/>
               </a:rPr>
-              <a:t>All of these keywords must be set to an array, where each item is a Schema.</a:t>
+              <a:t>All of these keywords must be set to an array, </a:t>
+            </a:r>
+            <a:r>
+              <a:rPr lang="en-GB" b="0" i="0" u="none" strike="noStrike" dirty="0">
+                <a:solidFill>
+                  <a:srgbClr val="E6EDF3"/>
+                </a:solidFill>
+                <a:effectLst/>
+                <a:latin typeface="-apple-system"/>
+              </a:rPr>
+              <a:t>where each item is a Schema, referred to as </a:t>
+            </a:r>
+            <a:r>
+              <a:rPr lang="en-GB" b="0" i="0" u="none" strike="noStrike">
+                <a:solidFill>
+                  <a:srgbClr val="E6EDF3"/>
+                </a:solidFill>
+                <a:effectLst/>
+                <a:latin typeface="-apple-system"/>
+              </a:rPr>
+              <a:t>a subschema.</a:t>
             </a:r>
             <a:endParaRPr lang="tr-TR" b="0" i="0" dirty="0">
               <a:solidFill>
@@ -2091,7 +2114,7 @@
           <a:p>
             <a:fld id="{E81D2DD5-AB34-4770-8994-7B1025545EF3}" type="datetimeFigureOut">
               <a:rPr lang="en-US" smtClean="0"/>
-              <a:t>8/31/23</a:t>
+              <a:t>9/4/23</a:t>
             </a:fld>
             <a:endParaRPr lang="en-US"/>
           </a:p>
@@ -2261,7 +2284,7 @@
           <a:p>
             <a:fld id="{E81D2DD5-AB34-4770-8994-7B1025545EF3}" type="datetimeFigureOut">
               <a:rPr lang="en-US" smtClean="0"/>
-              <a:t>8/31/23</a:t>
+              <a:t>9/4/23</a:t>
             </a:fld>
             <a:endParaRPr lang="en-US"/>
           </a:p>
@@ -2441,7 +2464,7 @@
           <a:p>
             <a:fld id="{E81D2DD5-AB34-4770-8994-7B1025545EF3}" type="datetimeFigureOut">
               <a:rPr lang="en-US" smtClean="0"/>
-              <a:t>8/31/23</a:t>
+              <a:t>9/4/23</a:t>
             </a:fld>
             <a:endParaRPr lang="en-US"/>
           </a:p>
@@ -2611,7 +2634,7 @@
           <a:p>
             <a:fld id="{E81D2DD5-AB34-4770-8994-7B1025545EF3}" type="datetimeFigureOut">
               <a:rPr lang="en-US" smtClean="0"/>
-              <a:t>8/31/23</a:t>
+              <a:t>9/4/23</a:t>
             </a:fld>
             <a:endParaRPr lang="en-US"/>
           </a:p>
@@ -2857,7 +2880,7 @@
           <a:p>
             <a:fld id="{E81D2DD5-AB34-4770-8994-7B1025545EF3}" type="datetimeFigureOut">
               <a:rPr lang="en-US" smtClean="0"/>
-              <a:t>8/31/23</a:t>
+              <a:t>9/4/23</a:t>
             </a:fld>
             <a:endParaRPr lang="en-US"/>
           </a:p>
@@ -3089,7 +3112,7 @@
           <a:p>
             <a:fld id="{E81D2DD5-AB34-4770-8994-7B1025545EF3}" type="datetimeFigureOut">
               <a:rPr lang="en-US" smtClean="0"/>
-              <a:t>8/31/23</a:t>
+              <a:t>9/4/23</a:t>
             </a:fld>
             <a:endParaRPr lang="en-US"/>
           </a:p>
@@ -3456,7 +3479,7 @@
           <a:p>
             <a:fld id="{E81D2DD5-AB34-4770-8994-7B1025545EF3}" type="datetimeFigureOut">
               <a:rPr lang="en-US" smtClean="0"/>
-              <a:t>8/31/23</a:t>
+              <a:t>9/4/23</a:t>
             </a:fld>
             <a:endParaRPr lang="en-US"/>
           </a:p>
@@ -3574,7 +3597,7 @@
           <a:p>
             <a:fld id="{E81D2DD5-AB34-4770-8994-7B1025545EF3}" type="datetimeFigureOut">
               <a:rPr lang="en-US" smtClean="0"/>
-              <a:t>8/31/23</a:t>
+              <a:t>9/4/23</a:t>
             </a:fld>
             <a:endParaRPr lang="en-US"/>
           </a:p>
@@ -3669,7 +3692,7 @@
           <a:p>
             <a:fld id="{E81D2DD5-AB34-4770-8994-7B1025545EF3}" type="datetimeFigureOut">
               <a:rPr lang="en-US" smtClean="0"/>
-              <a:t>8/31/23</a:t>
+              <a:t>9/4/23</a:t>
             </a:fld>
             <a:endParaRPr lang="en-US"/>
           </a:p>
@@ -3946,7 +3969,7 @@
           <a:p>
             <a:fld id="{E81D2DD5-AB34-4770-8994-7B1025545EF3}" type="datetimeFigureOut">
               <a:rPr lang="en-US" smtClean="0"/>
-              <a:t>8/31/23</a:t>
+              <a:t>9/4/23</a:t>
             </a:fld>
             <a:endParaRPr lang="en-US"/>
           </a:p>
@@ -4203,7 +4226,7 @@
           <a:p>
             <a:fld id="{E81D2DD5-AB34-4770-8994-7B1025545EF3}" type="datetimeFigureOut">
               <a:rPr lang="en-US" smtClean="0"/>
-              <a:t>8/31/23</a:t>
+              <a:t>9/4/23</a:t>
             </a:fld>
             <a:endParaRPr lang="en-US"/>
           </a:p>
@@ -4421,7 +4444,7 @@
           <a:p>
             <a:fld id="{E81D2DD5-AB34-4770-8994-7B1025545EF3}" type="datetimeFigureOut">
               <a:rPr lang="en-US" smtClean="0"/>
-              <a:t>8/31/23</a:t>
+              <a:t>9/4/23</a:t>
             </a:fld>
             <a:endParaRPr lang="en-US"/>
           </a:p>
@@ -12692,13 +12715,13 @@
   <p:clrMapOvr>
     <a:masterClrMapping/>
   </p:clrMapOvr>
-  <mc:AlternateContent xmlns:mc="http://schemas.openxmlformats.org/markup-compatibility/2006">
-    <mc:Choice xmlns:p159="http://schemas.microsoft.com/office/powerpoint/2015/09/main" Requires="p159">
+  <mc:AlternateContent xmlns:mc="http://schemas.openxmlformats.org/markup-compatibility/2006" xmlns:p159="http://schemas.microsoft.com/office/powerpoint/2015/09/main">
+    <mc:Choice Requires="p159">
       <p:transition xmlns:p14="http://schemas.microsoft.com/office/powerpoint/2010/main" spd="slow" p14:dur="2000">
         <p159:morph option="byObject"/>
       </p:transition>
     </mc:Choice>
-    <mc:Fallback>
+    <mc:Fallback xmlns="">
       <p:transition spd="slow">
         <p:fade/>
       </p:transition>
@@ -18026,9 +18049,9 @@
         <p:grpSpPr>
           <a:xfrm>
             <a:off x="863477" y="2548552"/>
-            <a:ext cx="10465046" cy="2413688"/>
+            <a:ext cx="10393566" cy="2413688"/>
             <a:chOff x="216355" y="2402780"/>
-            <a:chExt cx="10465046" cy="2413688"/>
+            <a:chExt cx="10393566" cy="2413688"/>
           </a:xfrm>
         </p:grpSpPr>
         <p:sp>
@@ -18047,7 +18070,7 @@
           </p:nvSpPr>
           <p:spPr bwMode="auto">
             <a:xfrm>
-              <a:off x="1582435" y="4200177"/>
+              <a:off x="1510955" y="4200177"/>
               <a:ext cx="9098966" cy="575863"/>
             </a:xfrm>
             <a:prstGeom prst="rect">
@@ -18287,7 +18310,7 @@
           </p:nvSpPr>
           <p:spPr bwMode="auto">
             <a:xfrm>
-              <a:off x="1285325" y="2443207"/>
+              <a:off x="1510955" y="2443207"/>
               <a:ext cx="7712368" cy="575863"/>
             </a:xfrm>
             <a:prstGeom prst="rect">
@@ -18500,7 +18523,7 @@
           </p:nvSpPr>
           <p:spPr bwMode="auto">
             <a:xfrm>
-              <a:off x="1510849" y="3304761"/>
+              <a:off x="1510955" y="3304761"/>
               <a:ext cx="7697941" cy="575863"/>
             </a:xfrm>
             <a:prstGeom prst="rect">

--- a/Tutorials/whatiswot/7-JSON_Schema_in_Practice_2/7-JSON_Schema_in_Practice_2.pptx
+++ b/Tutorials/whatiswot/7-JSON_Schema_in_Practice_2/7-JSON_Schema_in_Practice_2.pptx
@@ -221,7 +221,7 @@
           <a:p>
             <a:fld id="{13D04914-C2D3-4F6E-9724-F68824787271}" type="datetimeFigureOut">
               <a:rPr lang="en-US" smtClean="0"/>
-              <a:t>9/4/23</a:t>
+              <a:t>11/3/23</a:t>
             </a:fld>
             <a:endParaRPr lang="en-US"/>
           </a:p>
@@ -650,27 +650,7 @@
                 <a:effectLst/>
                 <a:latin typeface="Helvetica Neue"/>
               </a:rPr>
-              <a:t> keyword declares that an instance validates if it doesn’t validate against the given </a:t>
-            </a:r>
-            <a:r>
-              <a:rPr lang="en-US" b="0" i="0" dirty="0" err="1">
-                <a:solidFill>
-                  <a:srgbClr val="333333"/>
-                </a:solidFill>
-                <a:effectLst/>
-                <a:latin typeface="Helvetica Neue"/>
-              </a:rPr>
-              <a:t>subSchema</a:t>
-            </a:r>
-            <a:r>
-              <a:rPr lang="en-US" b="0" i="0" dirty="0">
-                <a:solidFill>
-                  <a:srgbClr val="333333"/>
-                </a:solidFill>
-                <a:effectLst/>
-                <a:latin typeface="Helvetica Neue"/>
-              </a:rPr>
-              <a:t>.</a:t>
+              <a:t> keyword declares that an instance validates if it doesn’t validate against the given sub schema.</a:t>
             </a:r>
             <a:endParaRPr lang="en-US" dirty="0"/>
           </a:p>
@@ -764,27 +744,7 @@
                 <a:effectLst/>
                 <a:latin typeface="Helvetica Neue"/>
               </a:rPr>
-              <a:t>The if, then and else keywords allow the application of a </a:t>
-            </a:r>
-            <a:r>
-              <a:rPr lang="en-US" b="0" i="0" dirty="0" err="1">
-                <a:solidFill>
-                  <a:srgbClr val="333333"/>
-                </a:solidFill>
-                <a:effectLst/>
-                <a:latin typeface="Helvetica Neue"/>
-              </a:rPr>
-              <a:t>subSchema</a:t>
-            </a:r>
-            <a:r>
-              <a:rPr lang="en-US" b="0" i="0" dirty="0">
-                <a:solidFill>
-                  <a:srgbClr val="333333"/>
-                </a:solidFill>
-                <a:effectLst/>
-                <a:latin typeface="Helvetica Neue"/>
-              </a:rPr>
-              <a:t> based on the outcome of another Schema, as it is in other programming languages. If it is valid, then must also be valid and else is ignored. If it is invalid, else must be valid and then ignored.</a:t>
+              <a:t>The if, then and else keywords allow the application of a sub schema based on the outcome of another Schema, as it is in other programming languages. If it is valid, then must also be valid and else is ignored. If it is invalid, else must be valid and then ignored.</a:t>
             </a:r>
             <a:endParaRPr lang="en-US" dirty="0"/>
           </a:p>
@@ -984,7 +944,7 @@
               <a:t> </a:t>
             </a:r>
             <a:r>
-              <a:rPr lang="tr-TR"/>
+              <a:rPr lang="tr-TR" dirty="0" err="1"/>
               <a:t>environment</a:t>
             </a:r>
             <a:endParaRPr lang="en-US" dirty="0"/>
@@ -1502,17 +1462,7 @@
                 <a:effectLst/>
                 <a:latin typeface="-apple-system"/>
               </a:rPr>
-              <a:t>where each item is a Schema, referred to as </a:t>
-            </a:r>
-            <a:r>
-              <a:rPr lang="en-GB" b="0" i="0" u="none" strike="noStrike">
-                <a:solidFill>
-                  <a:srgbClr val="E6EDF3"/>
-                </a:solidFill>
-                <a:effectLst/>
-                <a:latin typeface="-apple-system"/>
-              </a:rPr>
-              <a:t>a subschema.</a:t>
+              <a:t>where each item is a Schema, referred to as a sub schema.</a:t>
             </a:r>
             <a:endParaRPr lang="tr-TR" b="0" i="0" dirty="0">
               <a:solidFill>
@@ -1641,27 +1591,7 @@
                 <a:effectLst/>
                 <a:latin typeface="Helvetica Neue"/>
               </a:rPr>
-              <a:t>, the given data must be valid against all of the given </a:t>
-            </a:r>
-            <a:r>
-              <a:rPr lang="en-US" b="0" i="0" dirty="0" err="1">
-                <a:solidFill>
-                  <a:srgbClr val="333333"/>
-                </a:solidFill>
-                <a:effectLst/>
-                <a:latin typeface="Helvetica Neue"/>
-              </a:rPr>
-              <a:t>subSchemas</a:t>
-            </a:r>
-            <a:r>
-              <a:rPr lang="en-US" b="0" i="0" dirty="0">
-                <a:solidFill>
-                  <a:srgbClr val="333333"/>
-                </a:solidFill>
-                <a:effectLst/>
-                <a:latin typeface="Helvetica Neue"/>
-              </a:rPr>
-              <a:t>.</a:t>
+              <a:t>, the given data must be valid against all of the given sub schemas.</a:t>
             </a:r>
             <a:endParaRPr lang="en-US" dirty="0"/>
           </a:p>
@@ -1771,27 +1701,7 @@
                 <a:effectLst/>
                 <a:latin typeface="Helvetica Neue"/>
               </a:rPr>
-              <a:t>, the given data must be valid against any one or more of the given </a:t>
-            </a:r>
-            <a:r>
-              <a:rPr lang="en-US" b="0" i="0" dirty="0" err="1">
-                <a:solidFill>
-                  <a:srgbClr val="333333"/>
-                </a:solidFill>
-                <a:effectLst/>
-                <a:latin typeface="Helvetica Neue"/>
-              </a:rPr>
-              <a:t>subSchemas</a:t>
-            </a:r>
-            <a:r>
-              <a:rPr lang="en-US" b="0" i="0" dirty="0">
-                <a:solidFill>
-                  <a:srgbClr val="333333"/>
-                </a:solidFill>
-                <a:effectLst/>
-                <a:latin typeface="Helvetica Neue"/>
-              </a:rPr>
-              <a:t>.</a:t>
+              <a:t>, the given data must be valid against any one or more of the given sub schemas.</a:t>
             </a:r>
             <a:endParaRPr lang="en-US" dirty="0"/>
           </a:p>
@@ -1921,27 +1831,7 @@
                 <a:effectLst/>
                 <a:latin typeface="Helvetica Neue"/>
               </a:rPr>
-              <a:t>of the given </a:t>
-            </a:r>
-            <a:r>
-              <a:rPr lang="en-US" b="0" i="0" dirty="0" err="1">
-                <a:solidFill>
-                  <a:srgbClr val="333333"/>
-                </a:solidFill>
-                <a:effectLst/>
-                <a:latin typeface="Helvetica Neue"/>
-              </a:rPr>
-              <a:t>subSchemas</a:t>
-            </a:r>
-            <a:r>
-              <a:rPr lang="en-US" b="0" i="0" dirty="0">
-                <a:solidFill>
-                  <a:srgbClr val="333333"/>
-                </a:solidFill>
-                <a:effectLst/>
-                <a:latin typeface="Helvetica Neue"/>
-              </a:rPr>
-              <a:t>.</a:t>
+              <a:t>of the given sub schemas.</a:t>
             </a:r>
             <a:endParaRPr lang="en-US" dirty="0"/>
           </a:p>
@@ -2114,7 +2004,7 @@
           <a:p>
             <a:fld id="{E81D2DD5-AB34-4770-8994-7B1025545EF3}" type="datetimeFigureOut">
               <a:rPr lang="en-US" smtClean="0"/>
-              <a:t>9/4/23</a:t>
+              <a:t>11/3/23</a:t>
             </a:fld>
             <a:endParaRPr lang="en-US"/>
           </a:p>
@@ -2284,7 +2174,7 @@
           <a:p>
             <a:fld id="{E81D2DD5-AB34-4770-8994-7B1025545EF3}" type="datetimeFigureOut">
               <a:rPr lang="en-US" smtClean="0"/>
-              <a:t>9/4/23</a:t>
+              <a:t>11/3/23</a:t>
             </a:fld>
             <a:endParaRPr lang="en-US"/>
           </a:p>
@@ -2464,7 +2354,7 @@
           <a:p>
             <a:fld id="{E81D2DD5-AB34-4770-8994-7B1025545EF3}" type="datetimeFigureOut">
               <a:rPr lang="en-US" smtClean="0"/>
-              <a:t>9/4/23</a:t>
+              <a:t>11/3/23</a:t>
             </a:fld>
             <a:endParaRPr lang="en-US"/>
           </a:p>
@@ -2634,7 +2524,7 @@
           <a:p>
             <a:fld id="{E81D2DD5-AB34-4770-8994-7B1025545EF3}" type="datetimeFigureOut">
               <a:rPr lang="en-US" smtClean="0"/>
-              <a:t>9/4/23</a:t>
+              <a:t>11/3/23</a:t>
             </a:fld>
             <a:endParaRPr lang="en-US"/>
           </a:p>
@@ -2880,7 +2770,7 @@
           <a:p>
             <a:fld id="{E81D2DD5-AB34-4770-8994-7B1025545EF3}" type="datetimeFigureOut">
               <a:rPr lang="en-US" smtClean="0"/>
-              <a:t>9/4/23</a:t>
+              <a:t>11/3/23</a:t>
             </a:fld>
             <a:endParaRPr lang="en-US"/>
           </a:p>
@@ -3112,7 +3002,7 @@
           <a:p>
             <a:fld id="{E81D2DD5-AB34-4770-8994-7B1025545EF3}" type="datetimeFigureOut">
               <a:rPr lang="en-US" smtClean="0"/>
-              <a:t>9/4/23</a:t>
+              <a:t>11/3/23</a:t>
             </a:fld>
             <a:endParaRPr lang="en-US"/>
           </a:p>
@@ -3479,7 +3369,7 @@
           <a:p>
             <a:fld id="{E81D2DD5-AB34-4770-8994-7B1025545EF3}" type="datetimeFigureOut">
               <a:rPr lang="en-US" smtClean="0"/>
-              <a:t>9/4/23</a:t>
+              <a:t>11/3/23</a:t>
             </a:fld>
             <a:endParaRPr lang="en-US"/>
           </a:p>
@@ -3597,7 +3487,7 @@
           <a:p>
             <a:fld id="{E81D2DD5-AB34-4770-8994-7B1025545EF3}" type="datetimeFigureOut">
               <a:rPr lang="en-US" smtClean="0"/>
-              <a:t>9/4/23</a:t>
+              <a:t>11/3/23</a:t>
             </a:fld>
             <a:endParaRPr lang="en-US"/>
           </a:p>
@@ -3692,7 +3582,7 @@
           <a:p>
             <a:fld id="{E81D2DD5-AB34-4770-8994-7B1025545EF3}" type="datetimeFigureOut">
               <a:rPr lang="en-US" smtClean="0"/>
-              <a:t>9/4/23</a:t>
+              <a:t>11/3/23</a:t>
             </a:fld>
             <a:endParaRPr lang="en-US"/>
           </a:p>
@@ -3969,7 +3859,7 @@
           <a:p>
             <a:fld id="{E81D2DD5-AB34-4770-8994-7B1025545EF3}" type="datetimeFigureOut">
               <a:rPr lang="en-US" smtClean="0"/>
-              <a:t>9/4/23</a:t>
+              <a:t>11/3/23</a:t>
             </a:fld>
             <a:endParaRPr lang="en-US"/>
           </a:p>
@@ -4226,7 +4116,7 @@
           <a:p>
             <a:fld id="{E81D2DD5-AB34-4770-8994-7B1025545EF3}" type="datetimeFigureOut">
               <a:rPr lang="en-US" smtClean="0"/>
-              <a:t>9/4/23</a:t>
+              <a:t>11/3/23</a:t>
             </a:fld>
             <a:endParaRPr lang="en-US"/>
           </a:p>
@@ -4444,7 +4334,7 @@
           <a:p>
             <a:fld id="{E81D2DD5-AB34-4770-8994-7B1025545EF3}" type="datetimeFigureOut">
               <a:rPr lang="en-US" smtClean="0"/>
-              <a:t>9/4/23</a:t>
+              <a:t>11/3/23</a:t>
             </a:fld>
             <a:endParaRPr lang="en-US"/>
           </a:p>
@@ -6074,12 +5964,12 @@
   </p:clrMapOvr>
   <mc:AlternateContent xmlns:mc="http://schemas.openxmlformats.org/markup-compatibility/2006" xmlns:p159="http://schemas.microsoft.com/office/powerpoint/2015/09/main">
     <mc:Choice Requires="p159">
-      <p:transition xmlns:p14="http://schemas.microsoft.com/office/powerpoint/2010/main" spd="slow" p14:dur="2000" advClick="0" advTm="12000">
+      <p:transition xmlns:p14="http://schemas.microsoft.com/office/powerpoint/2010/main" spd="slow" p14:dur="2000" advClick="0" advTm="11000">
         <p159:morph option="byObject"/>
       </p:transition>
     </mc:Choice>
     <mc:Fallback xmlns="">
-      <p:transition spd="slow" advClick="0" advTm="12000">
+      <p:transition spd="slow" advClick="0" advTm="11000">
         <p:fade/>
       </p:transition>
     </mc:Fallback>
@@ -10525,10 +10415,10 @@
   </p:clrMapOvr>
   <mc:AlternateContent xmlns:mc="http://schemas.openxmlformats.org/markup-compatibility/2006" xmlns:p14="http://schemas.microsoft.com/office/powerpoint/2010/main">
     <mc:Choice Requires="p14">
-      <p:transition spd="slow" p14:dur="2000" advTm="24000"/>
+      <p:transition spd="slow" p14:dur="2000" advTm="20000"/>
     </mc:Choice>
     <mc:Fallback xmlns="">
-      <p:transition spd="slow" advTm="24000"/>
+      <p:transition spd="slow" advTm="20000"/>
     </mc:Fallback>
   </mc:AlternateContent>
   <p:timing>
@@ -11779,10 +11669,10 @@
   </p:clrMapOvr>
   <mc:AlternateContent xmlns:mc="http://schemas.openxmlformats.org/markup-compatibility/2006" xmlns:p14="http://schemas.microsoft.com/office/powerpoint/2010/main">
     <mc:Choice Requires="p14">
-      <p:transition spd="slow" p14:dur="2000" advClick="0" advTm="2000"/>
+      <p:transition p14:dur="10" advClick="0" advTm="2000"/>
     </mc:Choice>
     <mc:Fallback xmlns="">
-      <p:transition spd="slow" advClick="0" advTm="2000"/>
+      <p:transition advClick="0" advTm="2000"/>
     </mc:Fallback>
   </mc:AlternateContent>
   <p:timing>
@@ -12639,12 +12529,12 @@
   </p:clrMapOvr>
   <mc:AlternateContent xmlns:mc="http://schemas.openxmlformats.org/markup-compatibility/2006" xmlns:p159="http://schemas.microsoft.com/office/powerpoint/2015/09/main">
     <mc:Choice Requires="p159">
-      <p:transition xmlns:p14="http://schemas.microsoft.com/office/powerpoint/2010/main" spd="slow" p14:dur="2000" advClick="0" advTm="4000">
+      <p:transition xmlns:p14="http://schemas.microsoft.com/office/powerpoint/2010/main" spd="slow" p14:dur="2000" advClick="0" advTm="1000">
         <p159:morph option="byObject"/>
       </p:transition>
     </mc:Choice>
     <mc:Fallback xmlns="">
-      <p:transition spd="slow" advClick="0" advTm="4000">
+      <p:transition spd="slow" advClick="0" advTm="1000">
         <p:fade/>
       </p:transition>
     </mc:Fallback>
@@ -12817,10 +12707,10 @@
   </p:clrMapOvr>
   <mc:AlternateContent xmlns:mc="http://schemas.openxmlformats.org/markup-compatibility/2006" xmlns:p14="http://schemas.microsoft.com/office/powerpoint/2010/main">
     <mc:Choice Requires="p14">
-      <p:transition spd="slow" p14:dur="2000" advClick="0" advTm="3000"/>
+      <p:transition p14:dur="10" advClick="0" advTm="2000"/>
     </mc:Choice>
     <mc:Fallback xmlns="">
-      <p:transition spd="slow" advClick="0" advTm="3000"/>
+      <p:transition advClick="0" advTm="2000"/>
     </mc:Fallback>
   </mc:AlternateContent>
   <p:timing>
@@ -13670,12 +13560,16 @@
   <p:clrMapOvr>
     <a:masterClrMapping/>
   </p:clrMapOvr>
-  <mc:AlternateContent xmlns:mc="http://schemas.openxmlformats.org/markup-compatibility/2006" xmlns:p14="http://schemas.microsoft.com/office/powerpoint/2010/main">
-    <mc:Choice Requires="p14">
-      <p:transition spd="slow" p14:dur="2000" advClick="0" advTm="23000"/>
+  <mc:AlternateContent xmlns:mc="http://schemas.openxmlformats.org/markup-compatibility/2006" xmlns:p159="http://schemas.microsoft.com/office/powerpoint/2015/09/main">
+    <mc:Choice Requires="p159">
+      <p:transition spd="slow" advClick="0" advTm="16000">
+        <p159:morph option="byObject"/>
+      </p:transition>
     </mc:Choice>
     <mc:Fallback xmlns="">
-      <p:transition spd="slow" advClick="0" advTm="23000"/>
+      <p:transition spd="slow" advClick="0" advTm="16000">
+        <p:fade/>
+      </p:transition>
     </mc:Fallback>
   </mc:AlternateContent>
   <p:timing>
@@ -15031,10 +14925,10 @@
   </p:clrMapOvr>
   <mc:AlternateContent xmlns:mc="http://schemas.openxmlformats.org/markup-compatibility/2006" xmlns:p14="http://schemas.microsoft.com/office/powerpoint/2010/main">
     <mc:Choice Requires="p14">
-      <p:transition spd="slow" p14:dur="2000" advClick="0" advTm="12000"/>
+      <p:transition spd="slow" p14:dur="2000" advClick="0" advTm="11000"/>
     </mc:Choice>
     <mc:Fallback xmlns="">
-      <p:transition spd="slow" advClick="0" advTm="12000"/>
+      <p:transition spd="slow" advClick="0" advTm="11000"/>
     </mc:Fallback>
   </mc:AlternateContent>
   <p:timing>
@@ -17033,10 +16927,10 @@
   </p:clrMapOvr>
   <mc:AlternateContent xmlns:mc="http://schemas.openxmlformats.org/markup-compatibility/2006" xmlns:p14="http://schemas.microsoft.com/office/powerpoint/2010/main">
     <mc:Choice Requires="p14">
-      <p:transition spd="slow" p14:dur="2000" advTm="7100"/>
+      <p:transition spd="slow" p14:dur="2000" advTm="8000"/>
     </mc:Choice>
     <mc:Fallback xmlns="">
-      <p:transition spd="slow" advTm="7100"/>
+      <p:transition spd="slow" advTm="8000"/>
     </mc:Fallback>
   </mc:AlternateContent>
   <p:timing>
@@ -18172,25 +18066,8 @@
                   <a:effectLst/>
                   <a:latin typeface="Century Gothic" panose="020B0502020202020204" pitchFamily="34" charset="0"/>
                 </a:rPr>
-                <a:t> of the </a:t>
+                <a:t> of the sub schemas</a:t>
               </a:r>
-              <a:r>
-                <a:rPr lang="en-US" sz="2400" b="0" i="0" dirty="0" err="1">
-                  <a:solidFill>
-                    <a:schemeClr val="accent1"/>
-                  </a:solidFill>
-                  <a:effectLst/>
-                  <a:latin typeface="Century Gothic" panose="020B0502020202020204" pitchFamily="34" charset="0"/>
-                </a:rPr>
-                <a:t>subSchemas</a:t>
-              </a:r>
-              <a:endParaRPr lang="en-US" sz="2400" b="0" i="0" dirty="0">
-                <a:solidFill>
-                  <a:schemeClr val="accent1"/>
-                </a:solidFill>
-                <a:effectLst/>
-                <a:latin typeface="Century Gothic" panose="020B0502020202020204" pitchFamily="34" charset="0"/>
-              </a:endParaRPr>
             </a:p>
           </p:txBody>
         </p:sp>
@@ -18392,25 +18269,8 @@
                   <a:effectLst/>
                   <a:latin typeface="Century Gothic" panose="020B0502020202020204" pitchFamily="34" charset="0"/>
                 </a:rPr>
-                <a:t> of the </a:t>
+                <a:t> of the sub schemas</a:t>
               </a:r>
-              <a:r>
-                <a:rPr lang="en-US" sz="2400" b="0" i="0" dirty="0" err="1">
-                  <a:solidFill>
-                    <a:schemeClr val="accent1"/>
-                  </a:solidFill>
-                  <a:effectLst/>
-                  <a:latin typeface="Century Gothic" panose="020B0502020202020204" pitchFamily="34" charset="0"/>
-                </a:rPr>
-                <a:t>subSchemas</a:t>
-              </a:r>
-              <a:endParaRPr lang="en-US" sz="2400" b="0" i="0" dirty="0">
-                <a:solidFill>
-                  <a:schemeClr val="accent1"/>
-                </a:solidFill>
-                <a:effectLst/>
-                <a:latin typeface="Century Gothic" panose="020B0502020202020204" pitchFamily="34" charset="0"/>
-              </a:endParaRPr>
             </a:p>
           </p:txBody>
         </p:sp>
@@ -18605,25 +18465,8 @@
                   <a:effectLst/>
                   <a:latin typeface="Century Gothic" panose="020B0502020202020204" pitchFamily="34" charset="0"/>
                 </a:rPr>
-                <a:t> of the </a:t>
+                <a:t> of the sub schemas</a:t>
               </a:r>
-              <a:r>
-                <a:rPr lang="en-US" sz="2400" b="0" i="0" dirty="0" err="1">
-                  <a:solidFill>
-                    <a:schemeClr val="accent1"/>
-                  </a:solidFill>
-                  <a:effectLst/>
-                  <a:latin typeface="Century Gothic" panose="020B0502020202020204" pitchFamily="34" charset="0"/>
-                </a:rPr>
-                <a:t>subSchemas</a:t>
-              </a:r>
-              <a:endParaRPr lang="en-US" sz="2400" b="0" i="0" dirty="0">
-                <a:solidFill>
-                  <a:schemeClr val="accent1"/>
-                </a:solidFill>
-                <a:effectLst/>
-                <a:latin typeface="Century Gothic" panose="020B0502020202020204" pitchFamily="34" charset="0"/>
-              </a:endParaRPr>
             </a:p>
           </p:txBody>
         </p:sp>
@@ -18733,10 +18576,14 @@
   </p:clrMapOvr>
   <mc:AlternateContent xmlns:mc="http://schemas.openxmlformats.org/markup-compatibility/2006" xmlns:p14="http://schemas.microsoft.com/office/powerpoint/2010/main">
     <mc:Choice Requires="p14">
-      <p:transition spd="slow" p14:dur="2000" advClick="0" advTm="16000"/>
+      <p:transition spd="slow" p14:dur="2000" advClick="0" advTm="18000">
+        <p:push dir="u"/>
+      </p:transition>
     </mc:Choice>
     <mc:Fallback xmlns="">
-      <p:transition spd="slow" advClick="0" advTm="16000"/>
+      <p:transition spd="slow" advClick="0" advTm="18000">
+        <p:push dir="u"/>
+      </p:transition>
     </mc:Fallback>
   </mc:AlternateContent>
   <p:timing>
@@ -20046,10 +19893,10 @@
   </p:clrMapOvr>
   <mc:AlternateContent xmlns:mc="http://schemas.openxmlformats.org/markup-compatibility/2006" xmlns:p14="http://schemas.microsoft.com/office/powerpoint/2010/main">
     <mc:Choice Requires="p14">
-      <p:transition spd="slow" p14:dur="2000" advTm="9000"/>
+      <p:transition spd="slow" p14:dur="2000" advTm="8000"/>
     </mc:Choice>
     <mc:Fallback xmlns="">
-      <p:transition spd="slow" advTm="9000"/>
+      <p:transition spd="slow" advTm="8000"/>
     </mc:Fallback>
   </mc:AlternateContent>
   <p:timing>
@@ -24012,10 +23859,10 @@
   </p:clrMapOvr>
   <mc:AlternateContent xmlns:mc="http://schemas.openxmlformats.org/markup-compatibility/2006" xmlns:p14="http://schemas.microsoft.com/office/powerpoint/2010/main">
     <mc:Choice Requires="p14">
-      <p:transition spd="slow" p14:dur="2000" advClick="0" advTm="9000"/>
+      <p:transition spd="slow" p14:dur="2000" advClick="0" advTm="8000"/>
     </mc:Choice>
     <mc:Fallback xmlns="">
-      <p:transition spd="slow" advClick="0" advTm="9000"/>
+      <p:transition spd="slow" advClick="0" advTm="8000"/>
     </mc:Fallback>
   </mc:AlternateContent>
   <p:timing>

--- a/Tutorials/whatiswot/7-JSON_Schema_in_Practice_2/7-JSON_Schema_in_Practice_2.pptx
+++ b/Tutorials/whatiswot/7-JSON_Schema_in_Practice_2/7-JSON_Schema_in_Practice_2.pptx
@@ -5,7 +5,7 @@
     <p:sldMasterId id="2147483660" r:id="rId1"/>
   </p:sldMasterIdLst>
   <p:notesMasterIdLst>
-    <p:notesMasterId r:id="rId16"/>
+    <p:notesMasterId r:id="rId17"/>
   </p:notesMasterIdLst>
   <p:sldIdLst>
     <p:sldId id="293" r:id="rId2"/>
@@ -22,6 +22,7 @@
     <p:sldId id="319" r:id="rId13"/>
     <p:sldId id="320" r:id="rId14"/>
     <p:sldId id="305" r:id="rId15"/>
+    <p:sldId id="276" r:id="rId16"/>
   </p:sldIdLst>
   <p:sldSz cx="12192000" cy="6858000"/>
   <p:notesSz cx="6858000" cy="9144000"/>
@@ -221,7 +222,7 @@
           <a:p>
             <a:fld id="{13D04914-C2D3-4F6E-9724-F68824787271}" type="datetimeFigureOut">
               <a:rPr lang="en-US" smtClean="0"/>
-              <a:t>11/3/23</a:t>
+              <a:t>11/21/23</a:t>
             </a:fld>
             <a:endParaRPr lang="en-US"/>
           </a:p>
@@ -988,6 +989,100 @@
 </p:notes>
 </file>
 
+<file path=ppt/notesSlides/notesSlide14.xml><?xml version="1.0" encoding="utf-8"?>
+<p:notes xmlns:a="http://schemas.openxmlformats.org/drawingml/2006/main" xmlns:r="http://schemas.openxmlformats.org/officeDocument/2006/relationships" xmlns:p="http://schemas.openxmlformats.org/presentationml/2006/main">
+  <p:cSld>
+    <p:spTree>
+      <p:nvGrpSpPr>
+        <p:cNvPr id="1" name=""/>
+        <p:cNvGrpSpPr/>
+        <p:nvPr/>
+      </p:nvGrpSpPr>
+      <p:grpSpPr>
+        <a:xfrm>
+          <a:off x="0" y="0"/>
+          <a:ext cx="0" cy="0"/>
+          <a:chOff x="0" y="0"/>
+          <a:chExt cx="0" cy="0"/>
+        </a:xfrm>
+      </p:grpSpPr>
+      <p:sp>
+        <p:nvSpPr>
+          <p:cNvPr id="2" name="Slide Image Placeholder 1"/>
+          <p:cNvSpPr>
+            <a:spLocks noGrp="1" noRot="1" noChangeAspect="1"/>
+          </p:cNvSpPr>
+          <p:nvPr>
+            <p:ph type="sldImg"/>
+          </p:nvPr>
+        </p:nvSpPr>
+        <p:spPr/>
+      </p:sp>
+      <p:sp>
+        <p:nvSpPr>
+          <p:cNvPr id="3" name="Notes Placeholder 2"/>
+          <p:cNvSpPr>
+            <a:spLocks noGrp="1"/>
+          </p:cNvSpPr>
+          <p:nvPr>
+            <p:ph type="body" idx="1"/>
+          </p:nvPr>
+        </p:nvSpPr>
+        <p:spPr/>
+        <p:txBody>
+          <a:bodyPr/>
+          <a:lstStyle/>
+          <a:p>
+            <a:r>
+              <a:rPr lang="en-US" b="0" i="0">
+                <a:solidFill>
+                  <a:srgbClr val="E6EDF3"/>
+                </a:solidFill>
+                <a:effectLst/>
+                <a:latin typeface="-apple-system"/>
+              </a:rPr>
+              <a:t>You can proceed to the next tutorial by clicking on the card or the video description</a:t>
+            </a:r>
+            <a:endParaRPr lang="tr-TR" dirty="0"/>
+          </a:p>
+        </p:txBody>
+      </p:sp>
+      <p:sp>
+        <p:nvSpPr>
+          <p:cNvPr id="4" name="Slide Number Placeholder 3"/>
+          <p:cNvSpPr>
+            <a:spLocks noGrp="1"/>
+          </p:cNvSpPr>
+          <p:nvPr>
+            <p:ph type="sldNum" sz="quarter" idx="5"/>
+          </p:nvPr>
+        </p:nvSpPr>
+        <p:spPr/>
+        <p:txBody>
+          <a:bodyPr/>
+          <a:lstStyle/>
+          <a:p>
+            <a:fld id="{838D45EA-097A-449E-8E80-C10F8140ABDB}" type="slidenum">
+              <a:rPr lang="en-US" smtClean="0"/>
+              <a:t>15</a:t>
+            </a:fld>
+            <a:endParaRPr lang="en-US"/>
+          </a:p>
+        </p:txBody>
+      </p:sp>
+    </p:spTree>
+    <p:extLst>
+      <p:ext uri="{BB962C8B-B14F-4D97-AF65-F5344CB8AC3E}">
+        <p14:creationId xmlns:p14="http://schemas.microsoft.com/office/powerpoint/2010/main" val="1820635812"/>
+      </p:ext>
+    </p:extLst>
+  </p:cSld>
+  <p:clrMapOvr>
+    <a:masterClrMapping/>
+  </p:clrMapOvr>
+</p:notes>
+</file>
+
 <file path=ppt/notesSlides/notesSlide2.xml><?xml version="1.0" encoding="utf-8"?>
 <p:notes xmlns:a="http://schemas.openxmlformats.org/drawingml/2006/main" xmlns:r="http://schemas.openxmlformats.org/officeDocument/2006/relationships" xmlns:p="http://schemas.openxmlformats.org/presentationml/2006/main">
   <p:cSld>
@@ -2004,7 +2099,7 @@
           <a:p>
             <a:fld id="{E81D2DD5-AB34-4770-8994-7B1025545EF3}" type="datetimeFigureOut">
               <a:rPr lang="en-US" smtClean="0"/>
-              <a:t>11/3/23</a:t>
+              <a:t>11/21/23</a:t>
             </a:fld>
             <a:endParaRPr lang="en-US"/>
           </a:p>
@@ -2174,7 +2269,7 @@
           <a:p>
             <a:fld id="{E81D2DD5-AB34-4770-8994-7B1025545EF3}" type="datetimeFigureOut">
               <a:rPr lang="en-US" smtClean="0"/>
-              <a:t>11/3/23</a:t>
+              <a:t>11/21/23</a:t>
             </a:fld>
             <a:endParaRPr lang="en-US"/>
           </a:p>
@@ -2354,7 +2449,7 @@
           <a:p>
             <a:fld id="{E81D2DD5-AB34-4770-8994-7B1025545EF3}" type="datetimeFigureOut">
               <a:rPr lang="en-US" smtClean="0"/>
-              <a:t>11/3/23</a:t>
+              <a:t>11/21/23</a:t>
             </a:fld>
             <a:endParaRPr lang="en-US"/>
           </a:p>
@@ -2524,7 +2619,7 @@
           <a:p>
             <a:fld id="{E81D2DD5-AB34-4770-8994-7B1025545EF3}" type="datetimeFigureOut">
               <a:rPr lang="en-US" smtClean="0"/>
-              <a:t>11/3/23</a:t>
+              <a:t>11/21/23</a:t>
             </a:fld>
             <a:endParaRPr lang="en-US"/>
           </a:p>
@@ -2770,7 +2865,7 @@
           <a:p>
             <a:fld id="{E81D2DD5-AB34-4770-8994-7B1025545EF3}" type="datetimeFigureOut">
               <a:rPr lang="en-US" smtClean="0"/>
-              <a:t>11/3/23</a:t>
+              <a:t>11/21/23</a:t>
             </a:fld>
             <a:endParaRPr lang="en-US"/>
           </a:p>
@@ -3002,7 +3097,7 @@
           <a:p>
             <a:fld id="{E81D2DD5-AB34-4770-8994-7B1025545EF3}" type="datetimeFigureOut">
               <a:rPr lang="en-US" smtClean="0"/>
-              <a:t>11/3/23</a:t>
+              <a:t>11/21/23</a:t>
             </a:fld>
             <a:endParaRPr lang="en-US"/>
           </a:p>
@@ -3369,7 +3464,7 @@
           <a:p>
             <a:fld id="{E81D2DD5-AB34-4770-8994-7B1025545EF3}" type="datetimeFigureOut">
               <a:rPr lang="en-US" smtClean="0"/>
-              <a:t>11/3/23</a:t>
+              <a:t>11/21/23</a:t>
             </a:fld>
             <a:endParaRPr lang="en-US"/>
           </a:p>
@@ -3487,7 +3582,7 @@
           <a:p>
             <a:fld id="{E81D2DD5-AB34-4770-8994-7B1025545EF3}" type="datetimeFigureOut">
               <a:rPr lang="en-US" smtClean="0"/>
-              <a:t>11/3/23</a:t>
+              <a:t>11/21/23</a:t>
             </a:fld>
             <a:endParaRPr lang="en-US"/>
           </a:p>
@@ -3582,7 +3677,7 @@
           <a:p>
             <a:fld id="{E81D2DD5-AB34-4770-8994-7B1025545EF3}" type="datetimeFigureOut">
               <a:rPr lang="en-US" smtClean="0"/>
-              <a:t>11/3/23</a:t>
+              <a:t>11/21/23</a:t>
             </a:fld>
             <a:endParaRPr lang="en-US"/>
           </a:p>
@@ -3859,7 +3954,7 @@
           <a:p>
             <a:fld id="{E81D2DD5-AB34-4770-8994-7B1025545EF3}" type="datetimeFigureOut">
               <a:rPr lang="en-US" smtClean="0"/>
-              <a:t>11/3/23</a:t>
+              <a:t>11/21/23</a:t>
             </a:fld>
             <a:endParaRPr lang="en-US"/>
           </a:p>
@@ -4116,7 +4211,7 @@
           <a:p>
             <a:fld id="{E81D2DD5-AB34-4770-8994-7B1025545EF3}" type="datetimeFigureOut">
               <a:rPr lang="en-US" smtClean="0"/>
-              <a:t>11/3/23</a:t>
+              <a:t>11/21/23</a:t>
             </a:fld>
             <a:endParaRPr lang="en-US"/>
           </a:p>
@@ -4334,7 +4429,7 @@
           <a:p>
             <a:fld id="{E81D2DD5-AB34-4770-8994-7B1025545EF3}" type="datetimeFigureOut">
               <a:rPr lang="en-US" smtClean="0"/>
-              <a:t>11/3/23</a:t>
+              <a:t>11/21/23</a:t>
             </a:fld>
             <a:endParaRPr lang="en-US"/>
           </a:p>
@@ -10979,7 +11074,7 @@
 </file>
 
 <file path=ppt/slides/slide12.xml><?xml version="1.0" encoding="utf-8"?>
-<p:sld xmlns:a="http://schemas.openxmlformats.org/drawingml/2006/main" xmlns:r="http://schemas.openxmlformats.org/officeDocument/2006/relationships" xmlns:p="http://schemas.openxmlformats.org/presentationml/2006/main">
+<p:sld xmlns:a="http://schemas.openxmlformats.org/drawingml/2006/main" xmlns:r="http://schemas.openxmlformats.org/officeDocument/2006/relationships" xmlns:p="http://schemas.openxmlformats.org/presentationml/2006/main" show="0">
   <p:cSld>
     <p:spTree>
       <p:nvGrpSpPr>
@@ -11667,11 +11762,11 @@
   <p:clrMapOvr>
     <a:masterClrMapping/>
   </p:clrMapOvr>
-  <mc:AlternateContent xmlns:mc="http://schemas.openxmlformats.org/markup-compatibility/2006" xmlns:p14="http://schemas.microsoft.com/office/powerpoint/2010/main">
-    <mc:Choice Requires="p14">
+  <mc:AlternateContent xmlns:mc="http://schemas.openxmlformats.org/markup-compatibility/2006">
+    <mc:Choice xmlns:p14="http://schemas.microsoft.com/office/powerpoint/2010/main" Requires="p14">
       <p:transition p14:dur="10" advClick="0" advTm="2000"/>
     </mc:Choice>
-    <mc:Fallback xmlns="">
+    <mc:Fallback>
       <p:transition advClick="0" advTm="2000"/>
     </mc:Fallback>
   </mc:AlternateContent>
@@ -11839,7 +11934,7 @@
 </file>
 
 <file path=ppt/slides/slide13.xml><?xml version="1.0" encoding="utf-8"?>
-<p:sld xmlns:a="http://schemas.openxmlformats.org/drawingml/2006/main" xmlns:r="http://schemas.openxmlformats.org/officeDocument/2006/relationships" xmlns:p="http://schemas.openxmlformats.org/presentationml/2006/main">
+<p:sld xmlns:a="http://schemas.openxmlformats.org/drawingml/2006/main" xmlns:r="http://schemas.openxmlformats.org/officeDocument/2006/relationships" xmlns:p="http://schemas.openxmlformats.org/presentationml/2006/main" show="0">
   <p:cSld>
     <p:spTree>
       <p:nvGrpSpPr>
@@ -12527,13 +12622,13 @@
   <p:clrMapOvr>
     <a:masterClrMapping/>
   </p:clrMapOvr>
-  <mc:AlternateContent xmlns:mc="http://schemas.openxmlformats.org/markup-compatibility/2006" xmlns:p159="http://schemas.microsoft.com/office/powerpoint/2015/09/main">
-    <mc:Choice Requires="p159">
+  <mc:AlternateContent xmlns:mc="http://schemas.openxmlformats.org/markup-compatibility/2006">
+    <mc:Choice xmlns:p159="http://schemas.microsoft.com/office/powerpoint/2015/09/main" Requires="p159">
       <p:transition xmlns:p14="http://schemas.microsoft.com/office/powerpoint/2010/main" spd="slow" p14:dur="2000" advClick="0" advTm="1000">
         <p159:morph option="byObject"/>
       </p:transition>
     </mc:Choice>
-    <mc:Fallback xmlns="">
+    <mc:Fallback>
       <p:transition spd="slow" advClick="0" advTm="1000">
         <p:fade/>
       </p:transition>
@@ -12543,7 +12638,7 @@
 </file>
 
 <file path=ppt/slides/slide14.xml><?xml version="1.0" encoding="utf-8"?>
-<p:sld xmlns:a="http://schemas.openxmlformats.org/drawingml/2006/main" xmlns:r="http://schemas.openxmlformats.org/officeDocument/2006/relationships" xmlns:p="http://schemas.openxmlformats.org/presentationml/2006/main">
+<p:sld xmlns:a="http://schemas.openxmlformats.org/drawingml/2006/main" xmlns:r="http://schemas.openxmlformats.org/officeDocument/2006/relationships" xmlns:p="http://schemas.openxmlformats.org/presentationml/2006/main" show="0">
   <p:cSld>
     <p:spTree>
       <p:nvGrpSpPr>
@@ -12605,14 +12700,384 @@
   <p:clrMapOvr>
     <a:masterClrMapping/>
   </p:clrMapOvr>
-  <mc:AlternateContent xmlns:mc="http://schemas.openxmlformats.org/markup-compatibility/2006" xmlns:p159="http://schemas.microsoft.com/office/powerpoint/2015/09/main">
-    <mc:Choice Requires="p159">
+  <mc:AlternateContent xmlns:mc="http://schemas.openxmlformats.org/markup-compatibility/2006">
+    <mc:Choice xmlns:p159="http://schemas.microsoft.com/office/powerpoint/2015/09/main" Requires="p159">
       <p:transition xmlns:p14="http://schemas.microsoft.com/office/powerpoint/2010/main" spd="slow" p14:dur="2000">
         <p159:morph option="byObject"/>
       </p:transition>
     </mc:Choice>
-    <mc:Fallback xmlns="">
+    <mc:Fallback>
       <p:transition spd="slow">
+        <p:fade/>
+      </p:transition>
+    </mc:Fallback>
+  </mc:AlternateContent>
+</p:sld>
+</file>
+
+<file path=ppt/slides/slide15.xml><?xml version="1.0" encoding="utf-8"?>
+<p:sld xmlns:a="http://schemas.openxmlformats.org/drawingml/2006/main" xmlns:r="http://schemas.openxmlformats.org/officeDocument/2006/relationships" xmlns:p="http://schemas.openxmlformats.org/presentationml/2006/main">
+  <p:cSld>
+    <p:spTree>
+      <p:nvGrpSpPr>
+        <p:cNvPr id="1" name=""/>
+        <p:cNvGrpSpPr/>
+        <p:nvPr/>
+      </p:nvGrpSpPr>
+      <p:grpSpPr>
+        <a:xfrm>
+          <a:off x="0" y="0"/>
+          <a:ext cx="0" cy="0"/>
+          <a:chOff x="0" y="0"/>
+          <a:chExt cx="0" cy="0"/>
+        </a:xfrm>
+      </p:grpSpPr>
+      <p:sp>
+        <p:nvSpPr>
+          <p:cNvPr id="6" name="Rounded Rectangle 5">
+            <a:extLst>
+              <a:ext uri="{FF2B5EF4-FFF2-40B4-BE49-F238E27FC236}">
+                <a16:creationId xmlns:a16="http://schemas.microsoft.com/office/drawing/2014/main" id="{079D50C5-FAF9-69C9-E581-B5318807CD15}"/>
+              </a:ext>
+            </a:extLst>
+          </p:cNvPr>
+          <p:cNvSpPr/>
+          <p:nvPr/>
+        </p:nvSpPr>
+        <p:spPr>
+          <a:xfrm>
+            <a:off x="1032256" y="3291829"/>
+            <a:ext cx="4547616" cy="2818177"/>
+          </a:xfrm>
+          <a:prstGeom prst="roundRect">
+            <a:avLst>
+              <a:gd name="adj" fmla="val 8522"/>
+            </a:avLst>
+          </a:prstGeom>
+          <a:noFill/>
+          <a:ln w="57150">
+            <a:solidFill>
+              <a:schemeClr val="accent2"/>
+            </a:solidFill>
+          </a:ln>
+        </p:spPr>
+        <p:style>
+          <a:lnRef idx="2">
+            <a:schemeClr val="accent1">
+              <a:shade val="15000"/>
+            </a:schemeClr>
+          </a:lnRef>
+          <a:fillRef idx="1">
+            <a:schemeClr val="accent1"/>
+          </a:fillRef>
+          <a:effectRef idx="0">
+            <a:schemeClr val="accent1"/>
+          </a:effectRef>
+          <a:fontRef idx="minor">
+            <a:schemeClr val="lt1"/>
+          </a:fontRef>
+        </p:style>
+        <p:txBody>
+          <a:bodyPr rtlCol="0" anchor="ctr"/>
+          <a:lstStyle/>
+          <a:p>
+            <a:pPr algn="ctr"/>
+            <a:endParaRPr lang="en-US"/>
+          </a:p>
+        </p:txBody>
+      </p:sp>
+      <p:sp>
+        <p:nvSpPr>
+          <p:cNvPr id="8" name="TextBox 7">
+            <a:extLst>
+              <a:ext uri="{FF2B5EF4-FFF2-40B4-BE49-F238E27FC236}">
+                <a16:creationId xmlns:a16="http://schemas.microsoft.com/office/drawing/2014/main" id="{17B2EE81-90D0-AEF5-195E-CD3BBEC1AAC8}"/>
+              </a:ext>
+            </a:extLst>
+          </p:cNvPr>
+          <p:cNvSpPr txBox="1"/>
+          <p:nvPr/>
+        </p:nvSpPr>
+        <p:spPr>
+          <a:xfrm>
+            <a:off x="2731008" y="585216"/>
+            <a:ext cx="184731" cy="369332"/>
+          </a:xfrm>
+          <a:prstGeom prst="rect">
+            <a:avLst/>
+          </a:prstGeom>
+          <a:noFill/>
+        </p:spPr>
+        <p:txBody>
+          <a:bodyPr wrap="none" rtlCol="0">
+            <a:spAutoFit/>
+          </a:bodyPr>
+          <a:lstStyle/>
+          <a:p>
+            <a:endParaRPr lang="en-US" dirty="0"/>
+          </a:p>
+        </p:txBody>
+      </p:sp>
+      <p:sp>
+        <p:nvSpPr>
+          <p:cNvPr id="13" name="TextBox 12">
+            <a:extLst>
+              <a:ext uri="{FF2B5EF4-FFF2-40B4-BE49-F238E27FC236}">
+                <a16:creationId xmlns:a16="http://schemas.microsoft.com/office/drawing/2014/main" id="{194EC36A-72C0-5D97-08B6-18C18A96A95D}"/>
+              </a:ext>
+            </a:extLst>
+          </p:cNvPr>
+          <p:cNvSpPr txBox="1"/>
+          <p:nvPr/>
+        </p:nvSpPr>
+        <p:spPr>
+          <a:xfrm>
+            <a:off x="8769346" y="2544227"/>
+            <a:ext cx="2390398" cy="584775"/>
+          </a:xfrm>
+          <a:prstGeom prst="rect">
+            <a:avLst/>
+          </a:prstGeom>
+          <a:noFill/>
+        </p:spPr>
+        <p:txBody>
+          <a:bodyPr wrap="none" rtlCol="0">
+            <a:spAutoFit/>
+          </a:bodyPr>
+          <a:lstStyle/>
+          <a:p>
+            <a:r>
+              <a:rPr lang="en-US" sz="3200" dirty="0">
+                <a:solidFill>
+                  <a:schemeClr val="accent2"/>
+                </a:solidFill>
+                <a:latin typeface="Century Gothic" panose="020B0502020202020204" pitchFamily="34" charset="0"/>
+              </a:rPr>
+              <a:t>Next Video</a:t>
+            </a:r>
+          </a:p>
+        </p:txBody>
+      </p:sp>
+      <p:sp>
+        <p:nvSpPr>
+          <p:cNvPr id="14" name="Rectangle 13">
+            <a:extLst>
+              <a:ext uri="{FF2B5EF4-FFF2-40B4-BE49-F238E27FC236}">
+                <a16:creationId xmlns:a16="http://schemas.microsoft.com/office/drawing/2014/main" id="{30610344-5073-9351-D254-6D8408C00B10}"/>
+              </a:ext>
+            </a:extLst>
+          </p:cNvPr>
+          <p:cNvSpPr>
+            <a:spLocks/>
+          </p:cNvSpPr>
+          <p:nvPr/>
+        </p:nvSpPr>
+        <p:spPr>
+          <a:xfrm>
+            <a:off x="4507675" y="432606"/>
+            <a:ext cx="3176651" cy="3696485"/>
+          </a:xfrm>
+          <a:prstGeom prst="rect">
+            <a:avLst/>
+          </a:prstGeom>
+          <a:noFill/>
+        </p:spPr>
+        <p:txBody>
+          <a:bodyPr wrap="none" lIns="91440" tIns="45720" rIns="91440" bIns="45720">
+            <a:prstTxWarp prst="textArchUp">
+              <a:avLst>
+                <a:gd name="adj" fmla="val 11740300"/>
+              </a:avLst>
+            </a:prstTxWarp>
+            <a:spAutoFit/>
+          </a:bodyPr>
+          <a:lstStyle/>
+          <a:p>
+            <a:r>
+              <a:rPr lang="en-US" sz="3600" dirty="0">
+                <a:solidFill>
+                  <a:schemeClr val="accent1"/>
+                </a:solidFill>
+                <a:latin typeface="Century Gothic" panose="020B0502020202020204" pitchFamily="34" charset="0"/>
+              </a:rPr>
+              <a:t>Subscribe to our Channel</a:t>
+            </a:r>
+          </a:p>
+        </p:txBody>
+      </p:sp>
+      <p:sp>
+        <p:nvSpPr>
+          <p:cNvPr id="2" name="TextBox 1">
+            <a:extLst>
+              <a:ext uri="{FF2B5EF4-FFF2-40B4-BE49-F238E27FC236}">
+                <a16:creationId xmlns:a16="http://schemas.microsoft.com/office/drawing/2014/main" id="{DB648E07-0ADA-3213-F04B-B618F86FE55A}"/>
+              </a:ext>
+            </a:extLst>
+          </p:cNvPr>
+          <p:cNvSpPr txBox="1"/>
+          <p:nvPr/>
+        </p:nvSpPr>
+        <p:spPr>
+          <a:xfrm>
+            <a:off x="1032256" y="2544228"/>
+            <a:ext cx="1556836" cy="584775"/>
+          </a:xfrm>
+          <a:prstGeom prst="rect">
+            <a:avLst/>
+          </a:prstGeom>
+          <a:noFill/>
+        </p:spPr>
+        <p:txBody>
+          <a:bodyPr wrap="none" rtlCol="0">
+            <a:spAutoFit/>
+          </a:bodyPr>
+          <a:lstStyle/>
+          <a:p>
+            <a:r>
+              <a:rPr lang="en-US" sz="3200" dirty="0">
+                <a:solidFill>
+                  <a:schemeClr val="accent2"/>
+                </a:solidFill>
+                <a:latin typeface="Century Gothic" panose="020B0502020202020204" pitchFamily="34" charset="0"/>
+              </a:rPr>
+              <a:t>Playlist</a:t>
+            </a:r>
+            <a:r>
+              <a:rPr lang="en-US" sz="2400" dirty="0">
+                <a:solidFill>
+                  <a:schemeClr val="accent2"/>
+                </a:solidFill>
+                <a:latin typeface="Century Gothic" panose="020B0502020202020204" pitchFamily="34" charset="0"/>
+              </a:rPr>
+              <a:t> </a:t>
+            </a:r>
+          </a:p>
+        </p:txBody>
+      </p:sp>
+      <p:sp>
+        <p:nvSpPr>
+          <p:cNvPr id="4" name="Oval 3">
+            <a:extLst>
+              <a:ext uri="{FF2B5EF4-FFF2-40B4-BE49-F238E27FC236}">
+                <a16:creationId xmlns:a16="http://schemas.microsoft.com/office/drawing/2014/main" id="{B0419334-D010-AABC-F69E-4CE3A439194D}"/>
+              </a:ext>
+            </a:extLst>
+          </p:cNvPr>
+          <p:cNvSpPr/>
+          <p:nvPr/>
+        </p:nvSpPr>
+        <p:spPr>
+          <a:xfrm>
+            <a:off x="4899713" y="736429"/>
+            <a:ext cx="2392574" cy="2392574"/>
+          </a:xfrm>
+          <a:prstGeom prst="ellipse">
+            <a:avLst/>
+          </a:prstGeom>
+          <a:noFill/>
+          <a:ln w="57150">
+            <a:solidFill>
+              <a:schemeClr val="accent1"/>
+            </a:solidFill>
+          </a:ln>
+        </p:spPr>
+        <p:style>
+          <a:lnRef idx="2">
+            <a:schemeClr val="accent1">
+              <a:shade val="15000"/>
+            </a:schemeClr>
+          </a:lnRef>
+          <a:fillRef idx="1">
+            <a:schemeClr val="accent1"/>
+          </a:fillRef>
+          <a:effectRef idx="0">
+            <a:schemeClr val="accent1"/>
+          </a:effectRef>
+          <a:fontRef idx="minor">
+            <a:schemeClr val="lt1"/>
+          </a:fontRef>
+        </p:style>
+        <p:txBody>
+          <a:bodyPr rtlCol="0" anchor="ctr"/>
+          <a:lstStyle/>
+          <a:p>
+            <a:pPr algn="ctr"/>
+            <a:endParaRPr lang="en-US"/>
+          </a:p>
+        </p:txBody>
+      </p:sp>
+      <p:sp>
+        <p:nvSpPr>
+          <p:cNvPr id="7" name="Rounded Rectangle 6">
+            <a:extLst>
+              <a:ext uri="{FF2B5EF4-FFF2-40B4-BE49-F238E27FC236}">
+                <a16:creationId xmlns:a16="http://schemas.microsoft.com/office/drawing/2014/main" id="{17CFD8EC-DAD6-2D70-BC4C-CA8D499F942E}"/>
+              </a:ext>
+            </a:extLst>
+          </p:cNvPr>
+          <p:cNvSpPr/>
+          <p:nvPr/>
+        </p:nvSpPr>
+        <p:spPr>
+          <a:xfrm>
+            <a:off x="6612128" y="3291829"/>
+            <a:ext cx="4547616" cy="2818177"/>
+          </a:xfrm>
+          <a:prstGeom prst="roundRect">
+            <a:avLst>
+              <a:gd name="adj" fmla="val 8522"/>
+            </a:avLst>
+          </a:prstGeom>
+          <a:noFill/>
+          <a:ln w="57150">
+            <a:solidFill>
+              <a:schemeClr val="accent2"/>
+            </a:solidFill>
+          </a:ln>
+        </p:spPr>
+        <p:style>
+          <a:lnRef idx="2">
+            <a:schemeClr val="accent1">
+              <a:shade val="15000"/>
+            </a:schemeClr>
+          </a:lnRef>
+          <a:fillRef idx="1">
+            <a:schemeClr val="accent1"/>
+          </a:fillRef>
+          <a:effectRef idx="0">
+            <a:schemeClr val="accent1"/>
+          </a:effectRef>
+          <a:fontRef idx="minor">
+            <a:schemeClr val="lt1"/>
+          </a:fontRef>
+        </p:style>
+        <p:txBody>
+          <a:bodyPr rtlCol="0" anchor="ctr"/>
+          <a:lstStyle/>
+          <a:p>
+            <a:pPr algn="ctr"/>
+            <a:endParaRPr lang="en-US"/>
+          </a:p>
+        </p:txBody>
+      </p:sp>
+    </p:spTree>
+    <p:extLst>
+      <p:ext uri="{BB962C8B-B14F-4D97-AF65-F5344CB8AC3E}">
+        <p14:creationId xmlns:p14="http://schemas.microsoft.com/office/powerpoint/2010/main" val="891335981"/>
+      </p:ext>
+    </p:extLst>
+  </p:cSld>
+  <p:clrMapOvr>
+    <a:masterClrMapping/>
+  </p:clrMapOvr>
+  <mc:AlternateContent xmlns:mc="http://schemas.openxmlformats.org/markup-compatibility/2006">
+    <mc:Choice xmlns:p159="http://schemas.microsoft.com/office/powerpoint/2015/09/main" Requires="p159">
+      <p:transition xmlns:p14="http://schemas.microsoft.com/office/powerpoint/2010/main" spd="slow" p14:dur="2000" advTm="10000">
+        <p159:morph option="byObject"/>
+      </p:transition>
+    </mc:Choice>
+    <mc:Fallback>
+      <p:transition spd="slow" advTm="10000">
         <p:fade/>
       </p:transition>
     </mc:Fallback>

--- a/Tutorials/whatiswot/7-JSON_Schema_in_Practice_2/7-JSON_Schema_in_Practice_2.pptx
+++ b/Tutorials/whatiswot/7-JSON_Schema_in_Practice_2/7-JSON_Schema_in_Practice_2.pptx
@@ -5,7 +5,7 @@
     <p:sldMasterId id="2147483660" r:id="rId1"/>
   </p:sldMasterIdLst>
   <p:notesMasterIdLst>
-    <p:notesMasterId r:id="rId17"/>
+    <p:notesMasterId r:id="rId18"/>
   </p:notesMasterIdLst>
   <p:sldIdLst>
     <p:sldId id="293" r:id="rId2"/>
@@ -14,15 +14,16 @@
     <p:sldId id="270" r:id="rId5"/>
     <p:sldId id="302" r:id="rId6"/>
     <p:sldId id="300" r:id="rId7"/>
-    <p:sldId id="296" r:id="rId8"/>
-    <p:sldId id="303" r:id="rId9"/>
-    <p:sldId id="304" r:id="rId10"/>
-    <p:sldId id="299" r:id="rId11"/>
-    <p:sldId id="301" r:id="rId12"/>
-    <p:sldId id="319" r:id="rId13"/>
-    <p:sldId id="320" r:id="rId14"/>
-    <p:sldId id="305" r:id="rId15"/>
-    <p:sldId id="276" r:id="rId16"/>
+    <p:sldId id="321" r:id="rId8"/>
+    <p:sldId id="296" r:id="rId9"/>
+    <p:sldId id="303" r:id="rId10"/>
+    <p:sldId id="304" r:id="rId11"/>
+    <p:sldId id="299" r:id="rId12"/>
+    <p:sldId id="301" r:id="rId13"/>
+    <p:sldId id="319" r:id="rId14"/>
+    <p:sldId id="320" r:id="rId15"/>
+    <p:sldId id="305" r:id="rId16"/>
+    <p:sldId id="276" r:id="rId17"/>
   </p:sldIdLst>
   <p:sldSz cx="12192000" cy="6858000"/>
   <p:notesSz cx="6858000" cy="9144000"/>
@@ -222,7 +223,7 @@
           <a:p>
             <a:fld id="{13D04914-C2D3-4F6E-9724-F68824787271}" type="datetimeFigureOut">
               <a:rPr lang="en-US" smtClean="0"/>
-              <a:t>11/21/23</a:t>
+              <a:t>12/8/23</a:t>
             </a:fld>
             <a:endParaRPr lang="en-US"/>
           </a:p>
@@ -635,13 +636,13 @@
                 <a:effectLst/>
                 <a:latin typeface="Helvetica Neue"/>
               </a:rPr>
-              <a:t>The </a:t>
-            </a:r>
-            <a:r>
-              <a:rPr lang="en-US" dirty="0">
+              <a:t>To validate </a:t>
+            </a:r>
+            <a:r>
+              <a:rPr lang="en-US" dirty="0" err="1">
                 <a:effectLst/>
               </a:rPr>
-              <a:t>not</a:t>
+              <a:t>oneOf</a:t>
             </a:r>
             <a:r>
               <a:rPr lang="en-US" b="0" i="0" dirty="0">
@@ -651,7 +652,27 @@
                 <a:effectLst/>
                 <a:latin typeface="Helvetica Neue"/>
               </a:rPr>
-              <a:t> keyword declares that an instance validates if it doesn’t validate against the given sub schema.</a:t>
+              <a:t>, the given data must be valid against </a:t>
+            </a:r>
+            <a:r>
+              <a:rPr lang="en-US" b="0" i="0" u="sng" dirty="0">
+                <a:solidFill>
+                  <a:srgbClr val="333333"/>
+                </a:solidFill>
+                <a:effectLst/>
+                <a:latin typeface="Helvetica Neue"/>
+              </a:rPr>
+              <a:t>exactly one </a:t>
+            </a:r>
+            <a:r>
+              <a:rPr lang="en-US" b="0" i="0" dirty="0">
+                <a:solidFill>
+                  <a:srgbClr val="333333"/>
+                </a:solidFill>
+                <a:effectLst/>
+                <a:latin typeface="Helvetica Neue"/>
+              </a:rPr>
+              <a:t>of the given sub schemas.</a:t>
             </a:r>
             <a:endParaRPr lang="en-US" dirty="0"/>
           </a:p>
@@ -683,7 +704,7 @@
     </p:spTree>
     <p:extLst>
       <p:ext uri="{BB962C8B-B14F-4D97-AF65-F5344CB8AC3E}">
-        <p14:creationId xmlns:p14="http://schemas.microsoft.com/office/powerpoint/2010/main" val="3801671080"/>
+        <p14:creationId xmlns:p14="http://schemas.microsoft.com/office/powerpoint/2010/main" val="3389938521"/>
       </p:ext>
     </p:extLst>
   </p:cSld>
@@ -745,7 +766,23 @@
                 <a:effectLst/>
                 <a:latin typeface="Helvetica Neue"/>
               </a:rPr>
-              <a:t>The if, then and else keywords allow the application of a sub schema based on the outcome of another Schema, as it is in other programming languages. If it is valid, then must also be valid and else is ignored. If it is invalid, else must be valid and then ignored.</a:t>
+              <a:t>The </a:t>
+            </a:r>
+            <a:r>
+              <a:rPr lang="en-US" dirty="0">
+                <a:effectLst/>
+              </a:rPr>
+              <a:t>not</a:t>
+            </a:r>
+            <a:r>
+              <a:rPr lang="en-US" b="0" i="0" dirty="0">
+                <a:solidFill>
+                  <a:srgbClr val="333333"/>
+                </a:solidFill>
+                <a:effectLst/>
+                <a:latin typeface="Helvetica Neue"/>
+              </a:rPr>
+              <a:t> keyword declares that an instance validates if it doesn’t validate against the given sub schema.</a:t>
             </a:r>
             <a:endParaRPr lang="en-US" dirty="0"/>
           </a:p>
@@ -777,7 +814,7 @@
     </p:spTree>
     <p:extLst>
       <p:ext uri="{BB962C8B-B14F-4D97-AF65-F5344CB8AC3E}">
-        <p14:creationId xmlns:p14="http://schemas.microsoft.com/office/powerpoint/2010/main" val="3224907018"/>
+        <p14:creationId xmlns:p14="http://schemas.microsoft.com/office/powerpoint/2010/main" val="3801671080"/>
       </p:ext>
     </p:extLst>
   </p:cSld>
@@ -832,20 +869,14 @@
           <a:lstStyle/>
           <a:p>
             <a:r>
-              <a:rPr lang="tr-TR" dirty="0"/>
-              <a:t>In the next video, we will show JSON Schema Validation process in </a:t>
-            </a:r>
-            <a:r>
-              <a:rPr lang="tr-TR" dirty="0" err="1"/>
-              <a:t>coding</a:t>
-            </a:r>
-            <a:r>
-              <a:rPr lang="tr-TR" dirty="0"/>
-              <a:t> </a:t>
-            </a:r>
-            <a:r>
-              <a:rPr lang="tr-TR"/>
-              <a:t>environment</a:t>
+              <a:rPr lang="en-US" b="0" i="0" dirty="0">
+                <a:solidFill>
+                  <a:srgbClr val="333333"/>
+                </a:solidFill>
+                <a:effectLst/>
+                <a:latin typeface="Helvetica Neue"/>
+              </a:rPr>
+              <a:t>The if, then and else keywords allow the application of a sub schema based on the outcome of another Schema, as it is in other programming languages. If it is valid, then must also be valid and else is ignored. If it is invalid, else must be valid and then ignored.</a:t>
             </a:r>
             <a:endParaRPr lang="en-US" dirty="0"/>
           </a:p>
@@ -866,19 +897,18 @@
           <a:bodyPr/>
           <a:lstStyle/>
           <a:p>
-            <a:fld id="{838D45EA-097A-449E-8E80-C10F8140ABDB}" type="slidenum">
+            <a:fld id="{EE7F6C05-6E8F-4076-A5A8-46C613839626}" type="slidenum">
               <a:rPr lang="en-US" smtClean="0"/>
-              <a:pPr/>
               <a:t>12</a:t>
             </a:fld>
-            <a:endParaRPr lang="en-US" dirty="0"/>
+            <a:endParaRPr lang="en-US"/>
           </a:p>
         </p:txBody>
       </p:sp>
     </p:spTree>
     <p:extLst>
       <p:ext uri="{BB962C8B-B14F-4D97-AF65-F5344CB8AC3E}">
-        <p14:creationId xmlns:p14="http://schemas.microsoft.com/office/powerpoint/2010/main" val="3359729754"/>
+        <p14:creationId xmlns:p14="http://schemas.microsoft.com/office/powerpoint/2010/main" val="3224907018"/>
       </p:ext>
     </p:extLst>
   </p:cSld>
@@ -945,7 +975,7 @@
               <a:t> </a:t>
             </a:r>
             <a:r>
-              <a:rPr lang="tr-TR" dirty="0" err="1"/>
+              <a:rPr lang="tr-TR"/>
               <a:t>environment</a:t>
             </a:r>
             <a:endParaRPr lang="en-US" dirty="0"/>
@@ -979,7 +1009,7 @@
     </p:spTree>
     <p:extLst>
       <p:ext uri="{BB962C8B-B14F-4D97-AF65-F5344CB8AC3E}">
-        <p14:creationId xmlns:p14="http://schemas.microsoft.com/office/powerpoint/2010/main" val="702316254"/>
+        <p14:creationId xmlns:p14="http://schemas.microsoft.com/office/powerpoint/2010/main" val="3359729754"/>
       </p:ext>
     </p:extLst>
   </p:cSld>
@@ -1034,16 +1064,22 @@
           <a:lstStyle/>
           <a:p>
             <a:r>
-              <a:rPr lang="en-US" b="0" i="0">
-                <a:solidFill>
-                  <a:srgbClr val="E6EDF3"/>
-                </a:solidFill>
-                <a:effectLst/>
-                <a:latin typeface="-apple-system"/>
-              </a:rPr>
-              <a:t>You can proceed to the next tutorial by clicking on the card or the video description</a:t>
-            </a:r>
-            <a:endParaRPr lang="tr-TR" dirty="0"/>
+              <a:rPr lang="tr-TR" dirty="0"/>
+              <a:t>In the next video, we will show JSON Schema Validation process in </a:t>
+            </a:r>
+            <a:r>
+              <a:rPr lang="tr-TR" dirty="0" err="1"/>
+              <a:t>coding</a:t>
+            </a:r>
+            <a:r>
+              <a:rPr lang="tr-TR" dirty="0"/>
+              <a:t> </a:t>
+            </a:r>
+            <a:r>
+              <a:rPr lang="tr-TR" dirty="0" err="1"/>
+              <a:t>environment</a:t>
+            </a:r>
+            <a:endParaRPr lang="en-US" dirty="0"/>
           </a:p>
         </p:txBody>
       </p:sp>
@@ -1064,7 +1100,102 @@
           <a:p>
             <a:fld id="{838D45EA-097A-449E-8E80-C10F8140ABDB}" type="slidenum">
               <a:rPr lang="en-US" smtClean="0"/>
-              <a:t>15</a:t>
+              <a:pPr/>
+              <a:t>14</a:t>
+            </a:fld>
+            <a:endParaRPr lang="en-US" dirty="0"/>
+          </a:p>
+        </p:txBody>
+      </p:sp>
+    </p:spTree>
+    <p:extLst>
+      <p:ext uri="{BB962C8B-B14F-4D97-AF65-F5344CB8AC3E}">
+        <p14:creationId xmlns:p14="http://schemas.microsoft.com/office/powerpoint/2010/main" val="702316254"/>
+      </p:ext>
+    </p:extLst>
+  </p:cSld>
+  <p:clrMapOvr>
+    <a:masterClrMapping/>
+  </p:clrMapOvr>
+</p:notes>
+</file>
+
+<file path=ppt/notesSlides/notesSlide15.xml><?xml version="1.0" encoding="utf-8"?>
+<p:notes xmlns:a="http://schemas.openxmlformats.org/drawingml/2006/main" xmlns:r="http://schemas.openxmlformats.org/officeDocument/2006/relationships" xmlns:p="http://schemas.openxmlformats.org/presentationml/2006/main">
+  <p:cSld>
+    <p:spTree>
+      <p:nvGrpSpPr>
+        <p:cNvPr id="1" name=""/>
+        <p:cNvGrpSpPr/>
+        <p:nvPr/>
+      </p:nvGrpSpPr>
+      <p:grpSpPr>
+        <a:xfrm>
+          <a:off x="0" y="0"/>
+          <a:ext cx="0" cy="0"/>
+          <a:chOff x="0" y="0"/>
+          <a:chExt cx="0" cy="0"/>
+        </a:xfrm>
+      </p:grpSpPr>
+      <p:sp>
+        <p:nvSpPr>
+          <p:cNvPr id="2" name="Slide Image Placeholder 1"/>
+          <p:cNvSpPr>
+            <a:spLocks noGrp="1" noRot="1" noChangeAspect="1"/>
+          </p:cNvSpPr>
+          <p:nvPr>
+            <p:ph type="sldImg"/>
+          </p:nvPr>
+        </p:nvSpPr>
+        <p:spPr/>
+      </p:sp>
+      <p:sp>
+        <p:nvSpPr>
+          <p:cNvPr id="3" name="Notes Placeholder 2"/>
+          <p:cNvSpPr>
+            <a:spLocks noGrp="1"/>
+          </p:cNvSpPr>
+          <p:nvPr>
+            <p:ph type="body" idx="1"/>
+          </p:nvPr>
+        </p:nvSpPr>
+        <p:spPr/>
+        <p:txBody>
+          <a:bodyPr/>
+          <a:lstStyle/>
+          <a:p>
+            <a:r>
+              <a:rPr lang="en-US" b="0" i="0">
+                <a:solidFill>
+                  <a:srgbClr val="E6EDF3"/>
+                </a:solidFill>
+                <a:effectLst/>
+                <a:latin typeface="-apple-system"/>
+              </a:rPr>
+              <a:t>You can proceed to the next tutorial by clicking on the card or the video description</a:t>
+            </a:r>
+            <a:endParaRPr lang="tr-TR" dirty="0"/>
+          </a:p>
+        </p:txBody>
+      </p:sp>
+      <p:sp>
+        <p:nvSpPr>
+          <p:cNvPr id="4" name="Slide Number Placeholder 3"/>
+          <p:cNvSpPr>
+            <a:spLocks noGrp="1"/>
+          </p:cNvSpPr>
+          <p:nvPr>
+            <p:ph type="sldNum" sz="quarter" idx="5"/>
+          </p:nvPr>
+        </p:nvSpPr>
+        <p:spPr/>
+        <p:txBody>
+          <a:bodyPr/>
+          <a:lstStyle/>
+          <a:p>
+            <a:fld id="{838D45EA-097A-449E-8E80-C10F8140ABDB}" type="slidenum">
+              <a:rPr lang="en-US" smtClean="0"/>
+              <a:t>16</a:t>
             </a:fld>
             <a:endParaRPr lang="en-US"/>
           </a:p>
@@ -1649,15 +1780,6 @@
           <a:bodyPr/>
           <a:lstStyle/>
           <a:p>
-            <a:endParaRPr lang="en-US" b="0" i="0" dirty="0">
-              <a:solidFill>
-                <a:srgbClr val="333333"/>
-              </a:solidFill>
-              <a:effectLst/>
-              <a:latin typeface="Helvetica Neue"/>
-            </a:endParaRPr>
-          </a:p>
-          <a:p>
             <a:r>
               <a:rPr lang="en-US" b="0" i="0" dirty="0">
                 <a:solidFill>
@@ -1666,29 +1788,8 @@
                 <a:effectLst/>
                 <a:latin typeface="Helvetica Neue"/>
               </a:rPr>
-              <a:t>To validate </a:t>
-            </a:r>
-            <a:r>
-              <a:rPr lang="en-US" b="0" i="0" dirty="0" err="1">
-                <a:solidFill>
-                  <a:srgbClr val="333333"/>
-                </a:solidFill>
-                <a:effectLst/>
-                <a:latin typeface="Helvetica Neue"/>
-              </a:rPr>
-              <a:t>allOf</a:t>
-            </a:r>
-            <a:r>
-              <a:rPr lang="en-US" b="0" i="0" dirty="0">
-                <a:solidFill>
-                  <a:srgbClr val="333333"/>
-                </a:solidFill>
-                <a:effectLst/>
-                <a:latin typeface="Helvetica Neue"/>
-              </a:rPr>
-              <a:t>, the given data must be valid against all of the given sub schemas.</a:t>
-            </a:r>
-            <a:endParaRPr lang="en-US" dirty="0"/>
+              <a:t>JSON Schema includes a few keywords for combining Schemas together, the most used ones are all of, any of, and one of.</a:t>
+            </a:r>
           </a:p>
         </p:txBody>
       </p:sp>
@@ -1718,7 +1819,7 @@
     </p:spTree>
     <p:extLst>
       <p:ext uri="{BB962C8B-B14F-4D97-AF65-F5344CB8AC3E}">
-        <p14:creationId xmlns:p14="http://schemas.microsoft.com/office/powerpoint/2010/main" val="2136911466"/>
+        <p14:creationId xmlns:p14="http://schemas.microsoft.com/office/powerpoint/2010/main" val="2895757795"/>
       </p:ext>
     </p:extLst>
   </p:cSld>
@@ -1772,6 +1873,15 @@
           <a:bodyPr/>
           <a:lstStyle/>
           <a:p>
+            <a:endParaRPr lang="en-US" b="0" i="0" dirty="0">
+              <a:solidFill>
+                <a:srgbClr val="333333"/>
+              </a:solidFill>
+              <a:effectLst/>
+              <a:latin typeface="Helvetica Neue"/>
+            </a:endParaRPr>
+          </a:p>
+          <a:p>
             <a:r>
               <a:rPr lang="en-US" b="0" i="0" dirty="0">
                 <a:solidFill>
@@ -1780,23 +1890,27 @@
                 <a:effectLst/>
                 <a:latin typeface="Helvetica Neue"/>
               </a:rPr>
-              <a:t>To validate </a:t>
-            </a:r>
-            <a:r>
-              <a:rPr lang="en-US" dirty="0" err="1">
-                <a:effectLst/>
-              </a:rPr>
-              <a:t>anyOf</a:t>
-            </a:r>
-            <a:r>
-              <a:rPr lang="en-US" b="0" i="0" dirty="0">
+              <a:t>To validate </a:t>
+            </a:r>
+            <a:r>
+              <a:rPr lang="en-US" b="0" i="0" dirty="0" err="1">
                 <a:solidFill>
                   <a:srgbClr val="333333"/>
                 </a:solidFill>
                 <a:effectLst/>
                 <a:latin typeface="Helvetica Neue"/>
               </a:rPr>
-              <a:t>, the given data must be valid against any one or more of the given sub schemas.</a:t>
+              <a:t>allOf</a:t>
+            </a:r>
+            <a:r>
+              <a:rPr lang="en-US" b="0" i="0" dirty="0">
+                <a:solidFill>
+                  <a:srgbClr val="333333"/>
+                </a:solidFill>
+                <a:effectLst/>
+                <a:latin typeface="Helvetica Neue"/>
+              </a:rPr>
+              <a:t>, the given data must be valid against all of the given sub schemas.</a:t>
             </a:r>
             <a:endParaRPr lang="en-US" dirty="0"/>
           </a:p>
@@ -1828,7 +1942,7 @@
     </p:spTree>
     <p:extLst>
       <p:ext uri="{BB962C8B-B14F-4D97-AF65-F5344CB8AC3E}">
-        <p14:creationId xmlns:p14="http://schemas.microsoft.com/office/powerpoint/2010/main" val="3517670908"/>
+        <p14:creationId xmlns:p14="http://schemas.microsoft.com/office/powerpoint/2010/main" val="2136911466"/>
       </p:ext>
     </p:extLst>
   </p:cSld>
@@ -1890,13 +2004,13 @@
                 <a:effectLst/>
                 <a:latin typeface="Helvetica Neue"/>
               </a:rPr>
-              <a:t>To validate </a:t>
+              <a:t>To validate </a:t>
             </a:r>
             <a:r>
               <a:rPr lang="en-US" dirty="0" err="1">
                 <a:effectLst/>
               </a:rPr>
-              <a:t>oneOf</a:t>
+              <a:t>anyOf</a:t>
             </a:r>
             <a:r>
               <a:rPr lang="en-US" b="0" i="0" dirty="0">
@@ -1906,27 +2020,7 @@
                 <a:effectLst/>
                 <a:latin typeface="Helvetica Neue"/>
               </a:rPr>
-              <a:t>, the given data must be valid against </a:t>
-            </a:r>
-            <a:r>
-              <a:rPr lang="en-US" b="0" i="0" u="sng" dirty="0">
-                <a:solidFill>
-                  <a:srgbClr val="333333"/>
-                </a:solidFill>
-                <a:effectLst/>
-                <a:latin typeface="Helvetica Neue"/>
-              </a:rPr>
-              <a:t>exactly one </a:t>
-            </a:r>
-            <a:r>
-              <a:rPr lang="en-US" b="0" i="0" dirty="0">
-                <a:solidFill>
-                  <a:srgbClr val="333333"/>
-                </a:solidFill>
-                <a:effectLst/>
-                <a:latin typeface="Helvetica Neue"/>
-              </a:rPr>
-              <a:t>of the given sub schemas.</a:t>
+              <a:t>, the given data must be valid against any one or more of the given sub schemas.</a:t>
             </a:r>
             <a:endParaRPr lang="en-US" dirty="0"/>
           </a:p>
@@ -1958,7 +2052,7 @@
     </p:spTree>
     <p:extLst>
       <p:ext uri="{BB962C8B-B14F-4D97-AF65-F5344CB8AC3E}">
-        <p14:creationId xmlns:p14="http://schemas.microsoft.com/office/powerpoint/2010/main" val="3389938521"/>
+        <p14:creationId xmlns:p14="http://schemas.microsoft.com/office/powerpoint/2010/main" val="3517670908"/>
       </p:ext>
     </p:extLst>
   </p:cSld>
@@ -2099,7 +2193,7 @@
           <a:p>
             <a:fld id="{E81D2DD5-AB34-4770-8994-7B1025545EF3}" type="datetimeFigureOut">
               <a:rPr lang="en-US" smtClean="0"/>
-              <a:t>11/21/23</a:t>
+              <a:t>12/8/23</a:t>
             </a:fld>
             <a:endParaRPr lang="en-US"/>
           </a:p>
@@ -2269,7 +2363,7 @@
           <a:p>
             <a:fld id="{E81D2DD5-AB34-4770-8994-7B1025545EF3}" type="datetimeFigureOut">
               <a:rPr lang="en-US" smtClean="0"/>
-              <a:t>11/21/23</a:t>
+              <a:t>12/8/23</a:t>
             </a:fld>
             <a:endParaRPr lang="en-US"/>
           </a:p>
@@ -2449,7 +2543,7 @@
           <a:p>
             <a:fld id="{E81D2DD5-AB34-4770-8994-7B1025545EF3}" type="datetimeFigureOut">
               <a:rPr lang="en-US" smtClean="0"/>
-              <a:t>11/21/23</a:t>
+              <a:t>12/8/23</a:t>
             </a:fld>
             <a:endParaRPr lang="en-US"/>
           </a:p>
@@ -2619,7 +2713,7 @@
           <a:p>
             <a:fld id="{E81D2DD5-AB34-4770-8994-7B1025545EF3}" type="datetimeFigureOut">
               <a:rPr lang="en-US" smtClean="0"/>
-              <a:t>11/21/23</a:t>
+              <a:t>12/8/23</a:t>
             </a:fld>
             <a:endParaRPr lang="en-US"/>
           </a:p>
@@ -2865,7 +2959,7 @@
           <a:p>
             <a:fld id="{E81D2DD5-AB34-4770-8994-7B1025545EF3}" type="datetimeFigureOut">
               <a:rPr lang="en-US" smtClean="0"/>
-              <a:t>11/21/23</a:t>
+              <a:t>12/8/23</a:t>
             </a:fld>
             <a:endParaRPr lang="en-US"/>
           </a:p>
@@ -3097,7 +3191,7 @@
           <a:p>
             <a:fld id="{E81D2DD5-AB34-4770-8994-7B1025545EF3}" type="datetimeFigureOut">
               <a:rPr lang="en-US" smtClean="0"/>
-              <a:t>11/21/23</a:t>
+              <a:t>12/8/23</a:t>
             </a:fld>
             <a:endParaRPr lang="en-US"/>
           </a:p>
@@ -3464,7 +3558,7 @@
           <a:p>
             <a:fld id="{E81D2DD5-AB34-4770-8994-7B1025545EF3}" type="datetimeFigureOut">
               <a:rPr lang="en-US" smtClean="0"/>
-              <a:t>11/21/23</a:t>
+              <a:t>12/8/23</a:t>
             </a:fld>
             <a:endParaRPr lang="en-US"/>
           </a:p>
@@ -3582,7 +3676,7 @@
           <a:p>
             <a:fld id="{E81D2DD5-AB34-4770-8994-7B1025545EF3}" type="datetimeFigureOut">
               <a:rPr lang="en-US" smtClean="0"/>
-              <a:t>11/21/23</a:t>
+              <a:t>12/8/23</a:t>
             </a:fld>
             <a:endParaRPr lang="en-US"/>
           </a:p>
@@ -3677,7 +3771,7 @@
           <a:p>
             <a:fld id="{E81D2DD5-AB34-4770-8994-7B1025545EF3}" type="datetimeFigureOut">
               <a:rPr lang="en-US" smtClean="0"/>
-              <a:t>11/21/23</a:t>
+              <a:t>12/8/23</a:t>
             </a:fld>
             <a:endParaRPr lang="en-US"/>
           </a:p>
@@ -3954,7 +4048,7 @@
           <a:p>
             <a:fld id="{E81D2DD5-AB34-4770-8994-7B1025545EF3}" type="datetimeFigureOut">
               <a:rPr lang="en-US" smtClean="0"/>
-              <a:t>11/21/23</a:t>
+              <a:t>12/8/23</a:t>
             </a:fld>
             <a:endParaRPr lang="en-US"/>
           </a:p>
@@ -4211,7 +4305,7 @@
           <a:p>
             <a:fld id="{E81D2DD5-AB34-4770-8994-7B1025545EF3}" type="datetimeFigureOut">
               <a:rPr lang="en-US" smtClean="0"/>
-              <a:t>11/21/23</a:t>
+              <a:t>12/8/23</a:t>
             </a:fld>
             <a:endParaRPr lang="en-US"/>
           </a:p>
@@ -4429,7 +4523,7 @@
           <a:p>
             <a:fld id="{E81D2DD5-AB34-4770-8994-7B1025545EF3}" type="datetimeFigureOut">
               <a:rPr lang="en-US" smtClean="0"/>
-              <a:t>11/21/23</a:t>
+              <a:t>12/8/23</a:t>
             </a:fld>
             <a:endParaRPr lang="en-US"/>
           </a:p>
@@ -6886,6 +6980,2040 @@
       </p:grpSpPr>
       <p:sp>
         <p:nvSpPr>
+          <p:cNvPr id="7" name="Rectangle 6">
+            <a:extLst>
+              <a:ext uri="{FF2B5EF4-FFF2-40B4-BE49-F238E27FC236}">
+                <a16:creationId xmlns:a16="http://schemas.microsoft.com/office/drawing/2014/main" id="{F751D762-3745-26F0-73EB-3098DEE6A123}"/>
+              </a:ext>
+            </a:extLst>
+          </p:cNvPr>
+          <p:cNvSpPr/>
+          <p:nvPr/>
+        </p:nvSpPr>
+        <p:spPr>
+          <a:xfrm>
+            <a:off x="6833062" y="4944016"/>
+            <a:ext cx="4609926" cy="1201188"/>
+          </a:xfrm>
+          <a:prstGeom prst="rect">
+            <a:avLst/>
+          </a:prstGeom>
+          <a:solidFill>
+            <a:schemeClr val="accent3">
+              <a:lumMod val="85000"/>
+            </a:schemeClr>
+          </a:solidFill>
+          <a:ln>
+            <a:noFill/>
+          </a:ln>
+        </p:spPr>
+        <p:style>
+          <a:lnRef idx="2">
+            <a:schemeClr val="accent1">
+              <a:shade val="50000"/>
+            </a:schemeClr>
+          </a:lnRef>
+          <a:fillRef idx="1">
+            <a:schemeClr val="accent1"/>
+          </a:fillRef>
+          <a:effectRef idx="0">
+            <a:schemeClr val="accent1"/>
+          </a:effectRef>
+          <a:fontRef idx="minor">
+            <a:schemeClr val="lt1"/>
+          </a:fontRef>
+        </p:style>
+        <p:txBody>
+          <a:bodyPr rtlCol="0" anchor="ctr"/>
+          <a:lstStyle/>
+          <a:p>
+            <a:pPr algn="ctr"/>
+            <a:endParaRPr lang="en-US" dirty="0"/>
+          </a:p>
+        </p:txBody>
+      </p:sp>
+      <p:sp>
+        <p:nvSpPr>
+          <p:cNvPr id="5" name="Rectangle 4">
+            <a:extLst>
+              <a:ext uri="{FF2B5EF4-FFF2-40B4-BE49-F238E27FC236}">
+                <a16:creationId xmlns:a16="http://schemas.microsoft.com/office/drawing/2014/main" id="{0E3A49AE-C740-7CCF-C4B4-C59F72EB64E5}"/>
+              </a:ext>
+            </a:extLst>
+          </p:cNvPr>
+          <p:cNvSpPr/>
+          <p:nvPr/>
+        </p:nvSpPr>
+        <p:spPr>
+          <a:xfrm>
+            <a:off x="6833062" y="3177198"/>
+            <a:ext cx="4609926" cy="1201188"/>
+          </a:xfrm>
+          <a:prstGeom prst="rect">
+            <a:avLst/>
+          </a:prstGeom>
+          <a:solidFill>
+            <a:schemeClr val="accent3">
+              <a:lumMod val="85000"/>
+            </a:schemeClr>
+          </a:solidFill>
+          <a:ln>
+            <a:noFill/>
+          </a:ln>
+        </p:spPr>
+        <p:style>
+          <a:lnRef idx="2">
+            <a:schemeClr val="accent1">
+              <a:shade val="50000"/>
+            </a:schemeClr>
+          </a:lnRef>
+          <a:fillRef idx="1">
+            <a:schemeClr val="accent1"/>
+          </a:fillRef>
+          <a:effectRef idx="0">
+            <a:schemeClr val="accent1"/>
+          </a:effectRef>
+          <a:fontRef idx="minor">
+            <a:schemeClr val="lt1"/>
+          </a:fontRef>
+        </p:style>
+        <p:txBody>
+          <a:bodyPr rtlCol="0" anchor="ctr"/>
+          <a:lstStyle/>
+          <a:p>
+            <a:pPr algn="ctr"/>
+            <a:endParaRPr lang="en-US" dirty="0"/>
+          </a:p>
+        </p:txBody>
+      </p:sp>
+      <p:sp>
+        <p:nvSpPr>
+          <p:cNvPr id="2" name="Title 1">
+            <a:extLst>
+              <a:ext uri="{FF2B5EF4-FFF2-40B4-BE49-F238E27FC236}">
+                <a16:creationId xmlns:a16="http://schemas.microsoft.com/office/drawing/2014/main" id="{B0B81B83-BE31-2483-081D-980BC6940328}"/>
+              </a:ext>
+            </a:extLst>
+          </p:cNvPr>
+          <p:cNvSpPr>
+            <a:spLocks noGrp="1"/>
+          </p:cNvSpPr>
+          <p:nvPr>
+            <p:ph type="title"/>
+          </p:nvPr>
+        </p:nvSpPr>
+        <p:spPr>
+          <a:xfrm>
+            <a:off x="1270666" y="1460760"/>
+            <a:ext cx="3125736" cy="1325563"/>
+          </a:xfrm>
+        </p:spPr>
+        <p:txBody>
+          <a:bodyPr>
+            <a:normAutofit/>
+          </a:bodyPr>
+          <a:lstStyle/>
+          <a:p>
+            <a:pPr algn="ctr"/>
+            <a:r>
+              <a:rPr lang="tr-TR" sz="2800" dirty="0">
+                <a:solidFill>
+                  <a:schemeClr val="accent1"/>
+                </a:solidFill>
+                <a:latin typeface="Century Gothic" panose="020B0502020202020204" pitchFamily="34" charset="0"/>
+              </a:rPr>
+              <a:t>JSON Schema</a:t>
+            </a:r>
+            <a:endParaRPr lang="en-US" sz="2800" dirty="0">
+              <a:solidFill>
+                <a:schemeClr val="accent1"/>
+              </a:solidFill>
+              <a:latin typeface="Century Gothic" panose="020B0502020202020204" pitchFamily="34" charset="0"/>
+            </a:endParaRPr>
+          </a:p>
+        </p:txBody>
+      </p:sp>
+      <p:sp>
+        <p:nvSpPr>
+          <p:cNvPr id="4" name="Rectangle 3">
+            <a:extLst>
+              <a:ext uri="{FF2B5EF4-FFF2-40B4-BE49-F238E27FC236}">
+                <a16:creationId xmlns:a16="http://schemas.microsoft.com/office/drawing/2014/main" id="{A1F0D262-8456-2143-64C6-3015A7971F94}"/>
+              </a:ext>
+            </a:extLst>
+          </p:cNvPr>
+          <p:cNvSpPr/>
+          <p:nvPr/>
+        </p:nvSpPr>
+        <p:spPr>
+          <a:xfrm>
+            <a:off x="415348" y="2497377"/>
+            <a:ext cx="4836373" cy="3358377"/>
+          </a:xfrm>
+          <a:prstGeom prst="rect">
+            <a:avLst/>
+          </a:prstGeom>
+          <a:solidFill>
+            <a:schemeClr val="bg2">
+              <a:lumMod val="40000"/>
+              <a:lumOff val="60000"/>
+            </a:schemeClr>
+          </a:solidFill>
+          <a:ln>
+            <a:noFill/>
+          </a:ln>
+        </p:spPr>
+        <p:style>
+          <a:lnRef idx="2">
+            <a:schemeClr val="accent1">
+              <a:shade val="50000"/>
+            </a:schemeClr>
+          </a:lnRef>
+          <a:fillRef idx="1">
+            <a:schemeClr val="accent1"/>
+          </a:fillRef>
+          <a:effectRef idx="0">
+            <a:schemeClr val="accent1"/>
+          </a:effectRef>
+          <a:fontRef idx="minor">
+            <a:schemeClr val="lt1"/>
+          </a:fontRef>
+        </p:style>
+        <p:txBody>
+          <a:bodyPr rtlCol="0" anchor="ctr"/>
+          <a:lstStyle/>
+          <a:p>
+            <a:pPr algn="ctr"/>
+            <a:endParaRPr lang="en-US"/>
+          </a:p>
+        </p:txBody>
+      </p:sp>
+      <p:sp>
+        <p:nvSpPr>
+          <p:cNvPr id="6" name="Right Bracket 5">
+            <a:extLst>
+              <a:ext uri="{FF2B5EF4-FFF2-40B4-BE49-F238E27FC236}">
+                <a16:creationId xmlns:a16="http://schemas.microsoft.com/office/drawing/2014/main" id="{822B0B1E-98BA-8BBD-E5D5-74D580067C1B}"/>
+              </a:ext>
+            </a:extLst>
+          </p:cNvPr>
+          <p:cNvSpPr/>
+          <p:nvPr/>
+        </p:nvSpPr>
+        <p:spPr>
+          <a:xfrm>
+            <a:off x="4878235" y="1603717"/>
+            <a:ext cx="781397" cy="4671753"/>
+          </a:xfrm>
+          <a:prstGeom prst="rightBracket">
+            <a:avLst>
+              <a:gd name="adj" fmla="val 0"/>
+            </a:avLst>
+          </a:prstGeom>
+          <a:ln w="38100"/>
+        </p:spPr>
+        <p:style>
+          <a:lnRef idx="1">
+            <a:schemeClr val="accent2"/>
+          </a:lnRef>
+          <a:fillRef idx="0">
+            <a:schemeClr val="accent2"/>
+          </a:fillRef>
+          <a:effectRef idx="0">
+            <a:schemeClr val="accent2"/>
+          </a:effectRef>
+          <a:fontRef idx="minor">
+            <a:schemeClr val="tx1"/>
+          </a:fontRef>
+        </p:style>
+        <p:txBody>
+          <a:bodyPr rtlCol="0" anchor="ctr"/>
+          <a:lstStyle/>
+          <a:p>
+            <a:pPr algn="ctr"/>
+            <a:endParaRPr lang="en-US"/>
+          </a:p>
+        </p:txBody>
+      </p:sp>
+      <p:sp>
+        <p:nvSpPr>
+          <p:cNvPr id="8" name="Rectangle 7">
+            <a:extLst>
+              <a:ext uri="{FF2B5EF4-FFF2-40B4-BE49-F238E27FC236}">
+                <a16:creationId xmlns:a16="http://schemas.microsoft.com/office/drawing/2014/main" id="{18F63BCC-CA54-0E6F-87E6-2563BEF7A5EC}"/>
+              </a:ext>
+            </a:extLst>
+          </p:cNvPr>
+          <p:cNvSpPr/>
+          <p:nvPr/>
+        </p:nvSpPr>
+        <p:spPr>
+          <a:xfrm>
+            <a:off x="6833062" y="1242749"/>
+            <a:ext cx="4609926" cy="1201188"/>
+          </a:xfrm>
+          <a:prstGeom prst="rect">
+            <a:avLst/>
+          </a:prstGeom>
+          <a:solidFill>
+            <a:schemeClr val="accent3">
+              <a:lumMod val="85000"/>
+            </a:schemeClr>
+          </a:solidFill>
+          <a:ln>
+            <a:noFill/>
+          </a:ln>
+        </p:spPr>
+        <p:style>
+          <a:lnRef idx="2">
+            <a:schemeClr val="accent1">
+              <a:shade val="50000"/>
+            </a:schemeClr>
+          </a:lnRef>
+          <a:fillRef idx="1">
+            <a:schemeClr val="accent1"/>
+          </a:fillRef>
+          <a:effectRef idx="0">
+            <a:schemeClr val="accent1"/>
+          </a:effectRef>
+          <a:fontRef idx="minor">
+            <a:schemeClr val="lt1"/>
+          </a:fontRef>
+        </p:style>
+        <p:txBody>
+          <a:bodyPr rtlCol="0" anchor="ctr"/>
+          <a:lstStyle/>
+          <a:p>
+            <a:pPr algn="ctr"/>
+            <a:endParaRPr lang="en-US" dirty="0"/>
+          </a:p>
+        </p:txBody>
+      </p:sp>
+      <p:sp>
+        <p:nvSpPr>
+          <p:cNvPr id="13" name="Title 1">
+            <a:extLst>
+              <a:ext uri="{FF2B5EF4-FFF2-40B4-BE49-F238E27FC236}">
+                <a16:creationId xmlns:a16="http://schemas.microsoft.com/office/drawing/2014/main" id="{A5771413-327F-498F-5396-87AAD01F9220}"/>
+              </a:ext>
+            </a:extLst>
+          </p:cNvPr>
+          <p:cNvSpPr txBox="1">
+            <a:spLocks/>
+          </p:cNvSpPr>
+          <p:nvPr/>
+        </p:nvSpPr>
+        <p:spPr>
+          <a:xfrm>
+            <a:off x="6477000" y="4754875"/>
+            <a:ext cx="4415444" cy="1325563"/>
+          </a:xfrm>
+          <a:prstGeom prst="rect">
+            <a:avLst/>
+          </a:prstGeom>
+        </p:spPr>
+        <p:txBody>
+          <a:bodyPr vert="horz" lIns="91440" tIns="45720" rIns="91440" bIns="45720" rtlCol="0" anchor="ctr">
+            <a:normAutofit/>
+          </a:bodyPr>
+          <a:lstStyle>
+            <a:lvl1pPr algn="l" defTabSz="914400" rtl="0" eaLnBrk="1" latinLnBrk="0" hangingPunct="1">
+              <a:lnSpc>
+                <a:spcPct val="90000"/>
+              </a:lnSpc>
+              <a:spcBef>
+                <a:spcPct val="0"/>
+              </a:spcBef>
+              <a:buNone/>
+              <a:defRPr sz="4400" kern="1200">
+                <a:solidFill>
+                  <a:schemeClr val="tx1"/>
+                </a:solidFill>
+                <a:latin typeface="+mj-lt"/>
+                <a:ea typeface="+mj-ea"/>
+                <a:cs typeface="+mj-cs"/>
+              </a:defRPr>
+            </a:lvl1pPr>
+          </a:lstStyle>
+          <a:p>
+            <a:endParaRPr lang="en-US" sz="3200" dirty="0">
+              <a:solidFill>
+                <a:schemeClr val="accent1"/>
+              </a:solidFill>
+              <a:latin typeface="Century Gothic" panose="020B0502020202020204" pitchFamily="34" charset="0"/>
+            </a:endParaRPr>
+          </a:p>
+        </p:txBody>
+      </p:sp>
+      <p:sp>
+        <p:nvSpPr>
+          <p:cNvPr id="17" name="Title 1">
+            <a:extLst>
+              <a:ext uri="{FF2B5EF4-FFF2-40B4-BE49-F238E27FC236}">
+                <a16:creationId xmlns:a16="http://schemas.microsoft.com/office/drawing/2014/main" id="{905C2BE4-623C-826E-7767-2EB939A8E5AC}"/>
+              </a:ext>
+            </a:extLst>
+          </p:cNvPr>
+          <p:cNvSpPr txBox="1">
+            <a:spLocks/>
+          </p:cNvSpPr>
+          <p:nvPr/>
+        </p:nvSpPr>
+        <p:spPr>
+          <a:xfrm>
+            <a:off x="8863972" y="1520286"/>
+            <a:ext cx="632608" cy="656492"/>
+          </a:xfrm>
+          <a:prstGeom prst="rect">
+            <a:avLst/>
+          </a:prstGeom>
+        </p:spPr>
+        <p:txBody>
+          <a:bodyPr vert="horz" lIns="91440" tIns="45720" rIns="91440" bIns="45720" rtlCol="0" anchor="ctr">
+            <a:normAutofit/>
+          </a:bodyPr>
+          <a:lstStyle>
+            <a:lvl1pPr algn="l" defTabSz="914400" rtl="0" eaLnBrk="1" latinLnBrk="0" hangingPunct="1">
+              <a:lnSpc>
+                <a:spcPct val="90000"/>
+              </a:lnSpc>
+              <a:spcBef>
+                <a:spcPct val="0"/>
+              </a:spcBef>
+              <a:buNone/>
+              <a:defRPr sz="4400" kern="1200">
+                <a:solidFill>
+                  <a:schemeClr val="tx1"/>
+                </a:solidFill>
+                <a:latin typeface="+mj-lt"/>
+                <a:ea typeface="+mj-ea"/>
+                <a:cs typeface="+mj-cs"/>
+              </a:defRPr>
+            </a:lvl1pPr>
+          </a:lstStyle>
+          <a:p>
+            <a:r>
+              <a:rPr lang="tr-TR" altLang="en-US" sz="2800" dirty="0">
+                <a:solidFill>
+                  <a:schemeClr val="accent6"/>
+                </a:solidFill>
+                <a:latin typeface="Consolas" panose="020B0609020204030204" pitchFamily="49" charset="0"/>
+                <a:ea typeface="Inconsolata" pitchFamily="1" charset="0"/>
+              </a:rPr>
+              <a:t>25</a:t>
+            </a:r>
+            <a:endParaRPr lang="en-US" sz="2800" dirty="0">
+              <a:solidFill>
+                <a:schemeClr val="accent6"/>
+              </a:solidFill>
+              <a:latin typeface="Century Gothic" panose="020B0502020202020204" pitchFamily="34" charset="0"/>
+            </a:endParaRPr>
+          </a:p>
+        </p:txBody>
+      </p:sp>
+      <p:sp>
+        <p:nvSpPr>
+          <p:cNvPr id="3" name="Title 1">
+            <a:extLst>
+              <a:ext uri="{FF2B5EF4-FFF2-40B4-BE49-F238E27FC236}">
+                <a16:creationId xmlns:a16="http://schemas.microsoft.com/office/drawing/2014/main" id="{DF9C42A1-55E7-CD16-2A59-9ACA2CE11F07}"/>
+              </a:ext>
+            </a:extLst>
+          </p:cNvPr>
+          <p:cNvSpPr txBox="1">
+            <a:spLocks/>
+          </p:cNvSpPr>
+          <p:nvPr/>
+        </p:nvSpPr>
+        <p:spPr>
+          <a:xfrm>
+            <a:off x="291630" y="110333"/>
+            <a:ext cx="8478297" cy="1325563"/>
+          </a:xfrm>
+          <a:prstGeom prst="rect">
+            <a:avLst/>
+          </a:prstGeom>
+        </p:spPr>
+        <p:txBody>
+          <a:bodyPr vert="horz" lIns="91440" tIns="45720" rIns="91440" bIns="45720" rtlCol="0" anchor="ctr">
+            <a:normAutofit/>
+          </a:bodyPr>
+          <a:lstStyle>
+            <a:lvl1pPr algn="l" defTabSz="914400" rtl="0" eaLnBrk="1" latinLnBrk="0" hangingPunct="1">
+              <a:lnSpc>
+                <a:spcPct val="90000"/>
+              </a:lnSpc>
+              <a:spcBef>
+                <a:spcPct val="0"/>
+              </a:spcBef>
+              <a:buNone/>
+              <a:defRPr sz="4400" kern="1200">
+                <a:solidFill>
+                  <a:schemeClr val="tx1"/>
+                </a:solidFill>
+                <a:latin typeface="+mj-lt"/>
+                <a:ea typeface="+mj-ea"/>
+                <a:cs typeface="+mj-cs"/>
+              </a:defRPr>
+            </a:lvl1pPr>
+          </a:lstStyle>
+          <a:p>
+            <a:r>
+              <a:rPr lang="tr-TR" sz="3600" dirty="0" err="1">
+                <a:solidFill>
+                  <a:schemeClr val="accent1"/>
+                </a:solidFill>
+                <a:latin typeface="Century Gothic" panose="020B0502020202020204" pitchFamily="34" charset="0"/>
+              </a:rPr>
+              <a:t>Schema</a:t>
+            </a:r>
+            <a:r>
+              <a:rPr lang="tr-TR" sz="3600" dirty="0">
+                <a:solidFill>
+                  <a:schemeClr val="accent1"/>
+                </a:solidFill>
+                <a:latin typeface="Century Gothic" panose="020B0502020202020204" pitchFamily="34" charset="0"/>
+              </a:rPr>
+              <a:t> </a:t>
+            </a:r>
+            <a:r>
+              <a:rPr lang="tr-TR" sz="3600" dirty="0" err="1">
+                <a:solidFill>
+                  <a:schemeClr val="accent1"/>
+                </a:solidFill>
+                <a:latin typeface="Century Gothic" panose="020B0502020202020204" pitchFamily="34" charset="0"/>
+              </a:rPr>
+              <a:t>Composition</a:t>
+            </a:r>
+            <a:r>
+              <a:rPr lang="tr-TR" sz="3600" dirty="0">
+                <a:solidFill>
+                  <a:schemeClr val="accent1"/>
+                </a:solidFill>
+                <a:latin typeface="Century Gothic" panose="020B0502020202020204" pitchFamily="34" charset="0"/>
+              </a:rPr>
+              <a:t>: oneOf</a:t>
+            </a:r>
+            <a:endParaRPr lang="en-US" sz="3600" dirty="0">
+              <a:solidFill>
+                <a:schemeClr val="accent1"/>
+              </a:solidFill>
+              <a:latin typeface="Century Gothic" panose="020B0502020202020204" pitchFamily="34" charset="0"/>
+            </a:endParaRPr>
+          </a:p>
+        </p:txBody>
+      </p:sp>
+      <p:sp>
+        <p:nvSpPr>
+          <p:cNvPr id="14" name="Rectangle 3">
+            <a:extLst>
+              <a:ext uri="{FF2B5EF4-FFF2-40B4-BE49-F238E27FC236}">
+                <a16:creationId xmlns:a16="http://schemas.microsoft.com/office/drawing/2014/main" id="{109245CD-5C6D-FC08-831E-8DC730C7382D}"/>
+              </a:ext>
+            </a:extLst>
+          </p:cNvPr>
+          <p:cNvSpPr>
+            <a:spLocks noChangeArrowheads="1"/>
+          </p:cNvSpPr>
+          <p:nvPr/>
+        </p:nvSpPr>
+        <p:spPr bwMode="auto">
+          <a:xfrm>
+            <a:off x="735500" y="2667188"/>
+            <a:ext cx="4196068" cy="3018755"/>
+          </a:xfrm>
+          <a:prstGeom prst="rect">
+            <a:avLst/>
+          </a:prstGeom>
+          <a:noFill/>
+          <a:ln>
+            <a:noFill/>
+          </a:ln>
+          <a:effectLst/>
+          <a:extLst>
+            <a:ext uri="{909E8E84-426E-40DD-AFC4-6F175D3DCCD1}">
+              <a14:hiddenFill xmlns:a14="http://schemas.microsoft.com/office/drawing/2010/main">
+                <a:solidFill>
+                  <a:schemeClr val="accent1"/>
+                </a:solidFill>
+              </a14:hiddenFill>
+            </a:ext>
+            <a:ext uri="{91240B29-F687-4F45-9708-019B960494DF}">
+              <a14:hiddenLine xmlns:a14="http://schemas.microsoft.com/office/drawing/2010/main" w="9525">
+                <a:solidFill>
+                  <a:schemeClr val="tx1"/>
+                </a:solidFill>
+                <a:miter lim="800000"/>
+                <a:headEnd/>
+                <a:tailEnd/>
+              </a14:hiddenLine>
+            </a:ext>
+            <a:ext uri="{AF507438-7753-43E0-B8FC-AC1667EBCBE1}">
+              <a14:hiddenEffects xmlns:a14="http://schemas.microsoft.com/office/drawing/2010/main">
+                <a:effectLst>
+                  <a:outerShdw dist="35921" dir="2700000" algn="ctr" rotWithShape="0">
+                    <a:schemeClr val="bg2"/>
+                  </a:outerShdw>
+                </a:effectLst>
+              </a14:hiddenEffects>
+            </a:ext>
+          </a:extLst>
+        </p:spPr>
+        <p:txBody>
+          <a:bodyPr vert="horz" wrap="square" lIns="0" tIns="0" rIns="0" bIns="63480" numCol="1" anchor="ctr" anchorCtr="0" compatLnSpc="1">
+            <a:prstTxWarp prst="textNoShape">
+              <a:avLst/>
+            </a:prstTxWarp>
+            <a:spAutoFit/>
+          </a:bodyPr>
+          <a:lstStyle/>
+          <a:p>
+            <a:pPr lvl="0" defTabSz="914400" eaLnBrk="0" fontAlgn="base" hangingPunct="0">
+              <a:spcBef>
+                <a:spcPct val="0"/>
+              </a:spcBef>
+              <a:spcAft>
+                <a:spcPct val="0"/>
+              </a:spcAft>
+            </a:pPr>
+            <a:r>
+              <a:rPr lang="en-US" altLang="en-US" sz="2400" dirty="0">
+                <a:solidFill>
+                  <a:schemeClr val="accent1"/>
+                </a:solidFill>
+                <a:latin typeface="Consolas" panose="020B0609020204030204" pitchFamily="49" charset="0"/>
+                <a:ea typeface="Inconsolata" pitchFamily="1" charset="0"/>
+              </a:rPr>
+              <a:t>{</a:t>
+            </a:r>
+          </a:p>
+          <a:p>
+            <a:pPr lvl="0" defTabSz="914400" eaLnBrk="0" fontAlgn="base" hangingPunct="0">
+              <a:spcBef>
+                <a:spcPct val="0"/>
+              </a:spcBef>
+              <a:spcAft>
+                <a:spcPct val="0"/>
+              </a:spcAft>
+            </a:pPr>
+            <a:r>
+              <a:rPr lang="en-US" altLang="en-US" sz="2400" dirty="0">
+                <a:solidFill>
+                  <a:schemeClr val="accent1"/>
+                </a:solidFill>
+                <a:latin typeface="Consolas" panose="020B0609020204030204" pitchFamily="49" charset="0"/>
+                <a:ea typeface="Inconsolata" pitchFamily="1" charset="0"/>
+              </a:rPr>
+              <a:t>  </a:t>
+            </a:r>
+            <a:r>
+              <a:rPr lang="en-US" altLang="en-US" sz="2400" dirty="0">
+                <a:solidFill>
+                  <a:schemeClr val="accent5"/>
+                </a:solidFill>
+                <a:latin typeface="Consolas" panose="020B0609020204030204" pitchFamily="49" charset="0"/>
+                <a:ea typeface="Inconsolata" pitchFamily="1" charset="0"/>
+              </a:rPr>
+              <a:t>"</a:t>
+            </a:r>
+            <a:r>
+              <a:rPr lang="en-US" altLang="en-US" sz="2400" dirty="0" err="1">
+                <a:solidFill>
+                  <a:schemeClr val="accent5"/>
+                </a:solidFill>
+                <a:latin typeface="Consolas" panose="020B0609020204030204" pitchFamily="49" charset="0"/>
+                <a:ea typeface="Inconsolata" pitchFamily="1" charset="0"/>
+              </a:rPr>
+              <a:t>oneOf</a:t>
+            </a:r>
+            <a:r>
+              <a:rPr lang="en-US" altLang="en-US" sz="2400" dirty="0">
+                <a:solidFill>
+                  <a:schemeClr val="accent5"/>
+                </a:solidFill>
+                <a:latin typeface="Consolas" panose="020B0609020204030204" pitchFamily="49" charset="0"/>
+                <a:ea typeface="Inconsolata" pitchFamily="1" charset="0"/>
+              </a:rPr>
+              <a:t>"</a:t>
+            </a:r>
+            <a:r>
+              <a:rPr lang="en-US" altLang="en-US" sz="2400" dirty="0">
+                <a:solidFill>
+                  <a:schemeClr val="accent1"/>
+                </a:solidFill>
+                <a:latin typeface="Consolas" panose="020B0609020204030204" pitchFamily="49" charset="0"/>
+                <a:ea typeface="Inconsolata" pitchFamily="1" charset="0"/>
+              </a:rPr>
+              <a:t>: [</a:t>
+            </a:r>
+          </a:p>
+          <a:p>
+            <a:pPr lvl="0" defTabSz="914400" eaLnBrk="0" fontAlgn="base" hangingPunct="0">
+              <a:spcBef>
+                <a:spcPct val="0"/>
+              </a:spcBef>
+              <a:spcAft>
+                <a:spcPct val="0"/>
+              </a:spcAft>
+            </a:pPr>
+            <a:r>
+              <a:rPr lang="en-US" altLang="en-US" sz="2400" dirty="0">
+                <a:solidFill>
+                  <a:schemeClr val="accent1"/>
+                </a:solidFill>
+                <a:latin typeface="Consolas" panose="020B0609020204030204" pitchFamily="49" charset="0"/>
+                <a:ea typeface="Inconsolata" pitchFamily="1" charset="0"/>
+              </a:rPr>
+              <a:t>    { </a:t>
+            </a:r>
+            <a:r>
+              <a:rPr lang="en-US" altLang="en-US" sz="2400" dirty="0">
+                <a:solidFill>
+                  <a:schemeClr val="accent5"/>
+                </a:solidFill>
+                <a:latin typeface="Consolas" panose="020B0609020204030204" pitchFamily="49" charset="0"/>
+                <a:ea typeface="Inconsolata" pitchFamily="1" charset="0"/>
+              </a:rPr>
+              <a:t>"type"</a:t>
+            </a:r>
+            <a:r>
+              <a:rPr lang="en-US" altLang="en-US" sz="2400" dirty="0">
+                <a:solidFill>
+                  <a:schemeClr val="accent1"/>
+                </a:solidFill>
+                <a:latin typeface="Consolas" panose="020B0609020204030204" pitchFamily="49" charset="0"/>
+                <a:ea typeface="Inconsolata" pitchFamily="1" charset="0"/>
+              </a:rPr>
+              <a:t>:</a:t>
+            </a:r>
+            <a:r>
+              <a:rPr lang="en-US" altLang="en-US" sz="2400" dirty="0">
+                <a:solidFill>
+                  <a:schemeClr val="accent2"/>
+                </a:solidFill>
+                <a:latin typeface="Consolas" panose="020B0609020204030204" pitchFamily="49" charset="0"/>
+                <a:ea typeface="Inconsolata" pitchFamily="1" charset="0"/>
+              </a:rPr>
+              <a:t> "number"</a:t>
+            </a:r>
+            <a:r>
+              <a:rPr lang="en-US" altLang="en-US" sz="2400" dirty="0">
+                <a:solidFill>
+                  <a:schemeClr val="accent1"/>
+                </a:solidFill>
+                <a:latin typeface="Consolas" panose="020B0609020204030204" pitchFamily="49" charset="0"/>
+                <a:ea typeface="Inconsolata" pitchFamily="1" charset="0"/>
+              </a:rPr>
+              <a:t>, </a:t>
+            </a:r>
+            <a:r>
+              <a:rPr lang="tr-TR" altLang="en-US" sz="2400" dirty="0">
+                <a:solidFill>
+                  <a:schemeClr val="accent1"/>
+                </a:solidFill>
+                <a:latin typeface="Consolas" panose="020B0609020204030204" pitchFamily="49" charset="0"/>
+                <a:ea typeface="Inconsolata" pitchFamily="1" charset="0"/>
+              </a:rPr>
+              <a:t>	</a:t>
+            </a:r>
+            <a:r>
+              <a:rPr lang="en-US" altLang="en-US" sz="2400" dirty="0">
+                <a:solidFill>
+                  <a:schemeClr val="accent2"/>
+                </a:solidFill>
+                <a:latin typeface="Consolas" panose="020B0609020204030204" pitchFamily="49" charset="0"/>
+                <a:ea typeface="Inconsolata" pitchFamily="1" charset="0"/>
+              </a:rPr>
+              <a:t>"</a:t>
+            </a:r>
+            <a:r>
+              <a:rPr lang="en-US" altLang="en-US" sz="2400" dirty="0" err="1">
+                <a:solidFill>
+                  <a:schemeClr val="accent2"/>
+                </a:solidFill>
+                <a:latin typeface="Consolas" panose="020B0609020204030204" pitchFamily="49" charset="0"/>
+                <a:ea typeface="Inconsolata" pitchFamily="1" charset="0"/>
+              </a:rPr>
+              <a:t>multipleOf</a:t>
+            </a:r>
+            <a:r>
+              <a:rPr lang="en-US" altLang="en-US" sz="2400" dirty="0">
+                <a:solidFill>
+                  <a:schemeClr val="accent2"/>
+                </a:solidFill>
+                <a:latin typeface="Consolas" panose="020B0609020204030204" pitchFamily="49" charset="0"/>
+                <a:ea typeface="Inconsolata" pitchFamily="1" charset="0"/>
+              </a:rPr>
+              <a:t>"</a:t>
+            </a:r>
+            <a:r>
+              <a:rPr lang="en-US" altLang="en-US" sz="2400" dirty="0">
+                <a:solidFill>
+                  <a:schemeClr val="accent1"/>
+                </a:solidFill>
+                <a:latin typeface="Consolas" panose="020B0609020204030204" pitchFamily="49" charset="0"/>
+                <a:ea typeface="Inconsolata" pitchFamily="1" charset="0"/>
+              </a:rPr>
+              <a:t>: </a:t>
+            </a:r>
+            <a:r>
+              <a:rPr lang="en-US" altLang="en-US" sz="2400" dirty="0">
+                <a:solidFill>
+                  <a:schemeClr val="accent6"/>
+                </a:solidFill>
+                <a:latin typeface="Consolas" panose="020B0609020204030204" pitchFamily="49" charset="0"/>
+                <a:ea typeface="Inconsolata" pitchFamily="1" charset="0"/>
+              </a:rPr>
+              <a:t>5</a:t>
+            </a:r>
+            <a:r>
+              <a:rPr lang="en-US" altLang="en-US" sz="2400" dirty="0">
+                <a:solidFill>
+                  <a:schemeClr val="accent1"/>
+                </a:solidFill>
+                <a:latin typeface="Consolas" panose="020B0609020204030204" pitchFamily="49" charset="0"/>
+                <a:ea typeface="Inconsolata" pitchFamily="1" charset="0"/>
+              </a:rPr>
+              <a:t> },</a:t>
+            </a:r>
+          </a:p>
+          <a:p>
+            <a:pPr lvl="0" defTabSz="914400" eaLnBrk="0" fontAlgn="base" hangingPunct="0">
+              <a:spcBef>
+                <a:spcPct val="0"/>
+              </a:spcBef>
+              <a:spcAft>
+                <a:spcPct val="0"/>
+              </a:spcAft>
+            </a:pPr>
+            <a:r>
+              <a:rPr lang="en-US" altLang="en-US" sz="2400" dirty="0">
+                <a:solidFill>
+                  <a:schemeClr val="accent1"/>
+                </a:solidFill>
+                <a:latin typeface="Consolas" panose="020B0609020204030204" pitchFamily="49" charset="0"/>
+                <a:ea typeface="Inconsolata" pitchFamily="1" charset="0"/>
+              </a:rPr>
+              <a:t>    { </a:t>
+            </a:r>
+            <a:r>
+              <a:rPr lang="en-US" altLang="en-US" sz="2400" dirty="0">
+                <a:solidFill>
+                  <a:schemeClr val="accent5"/>
+                </a:solidFill>
+                <a:latin typeface="Consolas" panose="020B0609020204030204" pitchFamily="49" charset="0"/>
+                <a:ea typeface="Inconsolata" pitchFamily="1" charset="0"/>
+              </a:rPr>
+              <a:t>"type"</a:t>
+            </a:r>
+            <a:r>
+              <a:rPr lang="en-US" altLang="en-US" sz="2400" dirty="0">
+                <a:solidFill>
+                  <a:schemeClr val="accent1"/>
+                </a:solidFill>
+                <a:latin typeface="Consolas" panose="020B0609020204030204" pitchFamily="49" charset="0"/>
+                <a:ea typeface="Inconsolata" pitchFamily="1" charset="0"/>
+              </a:rPr>
+              <a:t>: </a:t>
+            </a:r>
+            <a:r>
+              <a:rPr lang="en-US" altLang="en-US" sz="2400" dirty="0">
+                <a:solidFill>
+                  <a:schemeClr val="accent2"/>
+                </a:solidFill>
+                <a:latin typeface="Consolas" panose="020B0609020204030204" pitchFamily="49" charset="0"/>
+                <a:ea typeface="Inconsolata" pitchFamily="1" charset="0"/>
+              </a:rPr>
+              <a:t>"number"</a:t>
+            </a:r>
+            <a:r>
+              <a:rPr lang="en-US" altLang="en-US" sz="2400" dirty="0">
+                <a:solidFill>
+                  <a:schemeClr val="accent1"/>
+                </a:solidFill>
+                <a:latin typeface="Consolas" panose="020B0609020204030204" pitchFamily="49" charset="0"/>
+                <a:ea typeface="Inconsolata" pitchFamily="1" charset="0"/>
+              </a:rPr>
+              <a:t>, </a:t>
+            </a:r>
+            <a:r>
+              <a:rPr lang="tr-TR" altLang="en-US" sz="2400" dirty="0">
+                <a:solidFill>
+                  <a:schemeClr val="accent1"/>
+                </a:solidFill>
+                <a:latin typeface="Consolas" panose="020B0609020204030204" pitchFamily="49" charset="0"/>
+                <a:ea typeface="Inconsolata" pitchFamily="1" charset="0"/>
+              </a:rPr>
+              <a:t>	</a:t>
+            </a:r>
+            <a:r>
+              <a:rPr lang="en-US" altLang="en-US" sz="2400" dirty="0">
+                <a:solidFill>
+                  <a:schemeClr val="accent2"/>
+                </a:solidFill>
+                <a:latin typeface="Consolas" panose="020B0609020204030204" pitchFamily="49" charset="0"/>
+                <a:ea typeface="Inconsolata" pitchFamily="1" charset="0"/>
+              </a:rPr>
+              <a:t>"</a:t>
+            </a:r>
+            <a:r>
+              <a:rPr lang="en-US" altLang="en-US" sz="2400" dirty="0" err="1">
+                <a:solidFill>
+                  <a:schemeClr val="accent2"/>
+                </a:solidFill>
+                <a:latin typeface="Consolas" panose="020B0609020204030204" pitchFamily="49" charset="0"/>
+                <a:ea typeface="Inconsolata" pitchFamily="1" charset="0"/>
+              </a:rPr>
+              <a:t>multipleOf</a:t>
+            </a:r>
+            <a:r>
+              <a:rPr lang="en-US" altLang="en-US" sz="2400" dirty="0">
+                <a:solidFill>
+                  <a:schemeClr val="accent2"/>
+                </a:solidFill>
+                <a:latin typeface="Consolas" panose="020B0609020204030204" pitchFamily="49" charset="0"/>
+                <a:ea typeface="Inconsolata" pitchFamily="1" charset="0"/>
+              </a:rPr>
+              <a:t>"</a:t>
+            </a:r>
+            <a:r>
+              <a:rPr lang="en-US" altLang="en-US" sz="2400" dirty="0">
+                <a:solidFill>
+                  <a:schemeClr val="accent1"/>
+                </a:solidFill>
+                <a:latin typeface="Consolas" panose="020B0609020204030204" pitchFamily="49" charset="0"/>
+                <a:ea typeface="Inconsolata" pitchFamily="1" charset="0"/>
+              </a:rPr>
+              <a:t>: </a:t>
+            </a:r>
+            <a:r>
+              <a:rPr lang="tr-TR" altLang="en-US" sz="2400" dirty="0">
+                <a:solidFill>
+                  <a:schemeClr val="accent6"/>
+                </a:solidFill>
+                <a:latin typeface="Consolas" panose="020B0609020204030204" pitchFamily="49" charset="0"/>
+                <a:ea typeface="Inconsolata" pitchFamily="1" charset="0"/>
+              </a:rPr>
+              <a:t>2</a:t>
+            </a:r>
+            <a:r>
+              <a:rPr lang="en-US" altLang="en-US" sz="2400" dirty="0">
+                <a:solidFill>
+                  <a:schemeClr val="accent1"/>
+                </a:solidFill>
+                <a:latin typeface="Consolas" panose="020B0609020204030204" pitchFamily="49" charset="0"/>
+                <a:ea typeface="Inconsolata" pitchFamily="1" charset="0"/>
+              </a:rPr>
+              <a:t> }</a:t>
+            </a:r>
+          </a:p>
+          <a:p>
+            <a:pPr lvl="0" defTabSz="914400" eaLnBrk="0" fontAlgn="base" hangingPunct="0">
+              <a:spcBef>
+                <a:spcPct val="0"/>
+              </a:spcBef>
+              <a:spcAft>
+                <a:spcPct val="0"/>
+              </a:spcAft>
+            </a:pPr>
+            <a:r>
+              <a:rPr lang="en-US" altLang="en-US" sz="2400" dirty="0">
+                <a:solidFill>
+                  <a:schemeClr val="accent1"/>
+                </a:solidFill>
+                <a:latin typeface="Consolas" panose="020B0609020204030204" pitchFamily="49" charset="0"/>
+                <a:ea typeface="Inconsolata" pitchFamily="1" charset="0"/>
+              </a:rPr>
+              <a:t>  ]</a:t>
+            </a:r>
+          </a:p>
+          <a:p>
+            <a:pPr lvl="0" defTabSz="914400" eaLnBrk="0" fontAlgn="base" hangingPunct="0">
+              <a:spcBef>
+                <a:spcPct val="0"/>
+              </a:spcBef>
+              <a:spcAft>
+                <a:spcPct val="0"/>
+              </a:spcAft>
+            </a:pPr>
+            <a:r>
+              <a:rPr lang="en-US" altLang="en-US" sz="2400" dirty="0">
+                <a:solidFill>
+                  <a:schemeClr val="accent1"/>
+                </a:solidFill>
+                <a:latin typeface="Consolas" panose="020B0609020204030204" pitchFamily="49" charset="0"/>
+                <a:ea typeface="Inconsolata" pitchFamily="1" charset="0"/>
+              </a:rPr>
+              <a:t>}</a:t>
+            </a:r>
+            <a:endParaRPr lang="en-US" altLang="en-US" sz="2400" dirty="0">
+              <a:solidFill>
+                <a:schemeClr val="accent1"/>
+              </a:solidFill>
+              <a:latin typeface="Consolas" panose="020B0609020204030204" pitchFamily="49" charset="0"/>
+            </a:endParaRPr>
+          </a:p>
+        </p:txBody>
+      </p:sp>
+      <p:sp>
+        <p:nvSpPr>
+          <p:cNvPr id="11" name="Title 1">
+            <a:extLst>
+              <a:ext uri="{FF2B5EF4-FFF2-40B4-BE49-F238E27FC236}">
+                <a16:creationId xmlns:a16="http://schemas.microsoft.com/office/drawing/2014/main" id="{4163179B-0692-C8E0-8FA9-4713F27DA6E5}"/>
+              </a:ext>
+            </a:extLst>
+          </p:cNvPr>
+          <p:cNvSpPr txBox="1">
+            <a:spLocks/>
+          </p:cNvSpPr>
+          <p:nvPr/>
+        </p:nvSpPr>
+        <p:spPr>
+          <a:xfrm>
+            <a:off x="5978228" y="863248"/>
+            <a:ext cx="173182" cy="5412222"/>
+          </a:xfrm>
+          <a:prstGeom prst="rect">
+            <a:avLst/>
+          </a:prstGeom>
+        </p:spPr>
+        <p:txBody>
+          <a:bodyPr vert="horz" lIns="91440" tIns="45720" rIns="91440" bIns="45720" rtlCol="0" anchor="ctr">
+            <a:normAutofit/>
+          </a:bodyPr>
+          <a:lstStyle>
+            <a:lvl1pPr algn="l" defTabSz="914400" rtl="0" eaLnBrk="1" latinLnBrk="0" hangingPunct="1">
+              <a:lnSpc>
+                <a:spcPct val="90000"/>
+              </a:lnSpc>
+              <a:spcBef>
+                <a:spcPct val="0"/>
+              </a:spcBef>
+              <a:buNone/>
+              <a:defRPr sz="4400" kern="1200">
+                <a:solidFill>
+                  <a:schemeClr val="tx1"/>
+                </a:solidFill>
+                <a:latin typeface="+mj-lt"/>
+                <a:ea typeface="+mj-ea"/>
+                <a:cs typeface="+mj-cs"/>
+              </a:defRPr>
+            </a:lvl1pPr>
+          </a:lstStyle>
+          <a:p>
+            <a:r>
+              <a:rPr lang="tr-TR" sz="3600" dirty="0">
+                <a:solidFill>
+                  <a:schemeClr val="accent2"/>
+                </a:solidFill>
+                <a:latin typeface="Century Gothic" panose="020B0502020202020204" pitchFamily="34" charset="0"/>
+              </a:rPr>
+              <a:t>ACCEPTS</a:t>
+            </a:r>
+            <a:endParaRPr lang="en-US" sz="3600" dirty="0">
+              <a:solidFill>
+                <a:schemeClr val="accent2"/>
+              </a:solidFill>
+              <a:latin typeface="Century Gothic" panose="020B0502020202020204" pitchFamily="34" charset="0"/>
+            </a:endParaRPr>
+          </a:p>
+        </p:txBody>
+      </p:sp>
+      <p:sp>
+        <p:nvSpPr>
+          <p:cNvPr id="9" name="Title 1">
+            <a:extLst>
+              <a:ext uri="{FF2B5EF4-FFF2-40B4-BE49-F238E27FC236}">
+                <a16:creationId xmlns:a16="http://schemas.microsoft.com/office/drawing/2014/main" id="{805D5AA3-BB2E-D000-B487-7F395CDA6CF6}"/>
+              </a:ext>
+            </a:extLst>
+          </p:cNvPr>
+          <p:cNvSpPr txBox="1">
+            <a:spLocks/>
+          </p:cNvSpPr>
+          <p:nvPr/>
+        </p:nvSpPr>
+        <p:spPr>
+          <a:xfrm>
+            <a:off x="8863972" y="3115010"/>
+            <a:ext cx="632608" cy="1325563"/>
+          </a:xfrm>
+          <a:prstGeom prst="rect">
+            <a:avLst/>
+          </a:prstGeom>
+        </p:spPr>
+        <p:txBody>
+          <a:bodyPr vert="horz" lIns="91440" tIns="45720" rIns="91440" bIns="45720" rtlCol="0" anchor="ctr">
+            <a:normAutofit/>
+          </a:bodyPr>
+          <a:lstStyle>
+            <a:lvl1pPr algn="l" defTabSz="914400" rtl="0" eaLnBrk="1" latinLnBrk="0" hangingPunct="1">
+              <a:lnSpc>
+                <a:spcPct val="90000"/>
+              </a:lnSpc>
+              <a:spcBef>
+                <a:spcPct val="0"/>
+              </a:spcBef>
+              <a:buNone/>
+              <a:defRPr sz="4400" kern="1200">
+                <a:solidFill>
+                  <a:schemeClr val="tx1"/>
+                </a:solidFill>
+                <a:latin typeface="+mj-lt"/>
+                <a:ea typeface="+mj-ea"/>
+                <a:cs typeface="+mj-cs"/>
+              </a:defRPr>
+            </a:lvl1pPr>
+          </a:lstStyle>
+          <a:p>
+            <a:pPr lvl="0" eaLnBrk="0" fontAlgn="base" hangingPunct="0">
+              <a:spcAft>
+                <a:spcPct val="0"/>
+              </a:spcAft>
+            </a:pPr>
+            <a:r>
+              <a:rPr lang="en-US" altLang="en-US" sz="2800" dirty="0">
+                <a:solidFill>
+                  <a:schemeClr val="accent6"/>
+                </a:solidFill>
+                <a:latin typeface="Consolas" panose="020B0609020204030204" pitchFamily="49" charset="0"/>
+                <a:ea typeface="Inconsolata" pitchFamily="1" charset="0"/>
+              </a:rPr>
+              <a:t>10</a:t>
+            </a:r>
+            <a:endParaRPr lang="en-US" altLang="en-US" sz="2800" dirty="0">
+              <a:solidFill>
+                <a:schemeClr val="accent6"/>
+              </a:solidFill>
+              <a:latin typeface="Century Gothic" panose="020B0502020202020204" pitchFamily="34" charset="0"/>
+            </a:endParaRPr>
+          </a:p>
+        </p:txBody>
+      </p:sp>
+      <p:sp>
+        <p:nvSpPr>
+          <p:cNvPr id="18" name="Title 1">
+            <a:extLst>
+              <a:ext uri="{FF2B5EF4-FFF2-40B4-BE49-F238E27FC236}">
+                <a16:creationId xmlns:a16="http://schemas.microsoft.com/office/drawing/2014/main" id="{39DEF41C-3CF7-4C2E-F509-18EC808127A1}"/>
+              </a:ext>
+            </a:extLst>
+          </p:cNvPr>
+          <p:cNvSpPr txBox="1">
+            <a:spLocks/>
+          </p:cNvSpPr>
+          <p:nvPr/>
+        </p:nvSpPr>
+        <p:spPr>
+          <a:xfrm>
+            <a:off x="8951628" y="5295707"/>
+            <a:ext cx="457296" cy="497806"/>
+          </a:xfrm>
+          <a:prstGeom prst="rect">
+            <a:avLst/>
+          </a:prstGeom>
+        </p:spPr>
+        <p:txBody>
+          <a:bodyPr vert="horz" lIns="91440" tIns="45720" rIns="91440" bIns="45720" rtlCol="0" anchor="ctr">
+            <a:normAutofit/>
+          </a:bodyPr>
+          <a:lstStyle>
+            <a:lvl1pPr algn="l" defTabSz="914400" rtl="0" eaLnBrk="1" latinLnBrk="0" hangingPunct="1">
+              <a:lnSpc>
+                <a:spcPct val="90000"/>
+              </a:lnSpc>
+              <a:spcBef>
+                <a:spcPct val="0"/>
+              </a:spcBef>
+              <a:buNone/>
+              <a:defRPr sz="4400" kern="1200">
+                <a:solidFill>
+                  <a:schemeClr val="tx1"/>
+                </a:solidFill>
+                <a:latin typeface="+mj-lt"/>
+                <a:ea typeface="+mj-ea"/>
+                <a:cs typeface="+mj-cs"/>
+              </a:defRPr>
+            </a:lvl1pPr>
+          </a:lstStyle>
+          <a:p>
+            <a:pPr algn="ctr"/>
+            <a:r>
+              <a:rPr lang="en-US" sz="2800" dirty="0">
+                <a:solidFill>
+                  <a:schemeClr val="accent6"/>
+                </a:solidFill>
+                <a:latin typeface="Consolas" panose="020B0609020204030204" pitchFamily="49" charset="0"/>
+                <a:ea typeface="Inconsolata" pitchFamily="1" charset="0"/>
+              </a:rPr>
+              <a:t>4</a:t>
+            </a:r>
+            <a:endParaRPr lang="en-US" sz="2800" dirty="0">
+              <a:solidFill>
+                <a:schemeClr val="accent6"/>
+              </a:solidFill>
+              <a:latin typeface="Century Gothic" panose="020B0502020202020204" pitchFamily="34" charset="0"/>
+            </a:endParaRPr>
+          </a:p>
+        </p:txBody>
+      </p:sp>
+      <p:pic>
+        <p:nvPicPr>
+          <p:cNvPr id="16" name="Graphic 15" descr="Checkmark with solid fill">
+            <a:extLst>
+              <a:ext uri="{FF2B5EF4-FFF2-40B4-BE49-F238E27FC236}">
+                <a16:creationId xmlns:a16="http://schemas.microsoft.com/office/drawing/2014/main" id="{768CA4C5-A659-F85F-BB3B-DFC2CA7B5068}"/>
+              </a:ext>
+            </a:extLst>
+          </p:cNvPr>
+          <p:cNvPicPr>
+            <a:picLocks noChangeAspect="1"/>
+          </p:cNvPicPr>
+          <p:nvPr/>
+        </p:nvPicPr>
+        <p:blipFill>
+          <a:blip r:embed="rId3">
+            <a:extLst>
+              <a:ext uri="{28A0092B-C50C-407E-A947-70E740481C1C}">
+                <a14:useLocalDpi xmlns:a14="http://schemas.microsoft.com/office/drawing/2010/main" val="0"/>
+              </a:ext>
+              <a:ext uri="{96DAC541-7B7A-43D3-8B79-37D633B846F1}">
+                <asvg:svgBlip xmlns:asvg="http://schemas.microsoft.com/office/drawing/2016/SVG/main" r:embed="rId4"/>
+              </a:ext>
+            </a:extLst>
+          </a:blip>
+          <a:srcRect/>
+          <a:stretch/>
+        </p:blipFill>
+        <p:spPr>
+          <a:xfrm>
+            <a:off x="10745193" y="4500560"/>
+            <a:ext cx="914400" cy="914400"/>
+          </a:xfrm>
+          <a:prstGeom prst="rect">
+            <a:avLst/>
+          </a:prstGeom>
+        </p:spPr>
+      </p:pic>
+      <p:pic>
+        <p:nvPicPr>
+          <p:cNvPr id="19" name="Graphic 18" descr="Close with solid fill">
+            <a:extLst>
+              <a:ext uri="{FF2B5EF4-FFF2-40B4-BE49-F238E27FC236}">
+                <a16:creationId xmlns:a16="http://schemas.microsoft.com/office/drawing/2014/main" id="{47F102BA-7584-64D6-A518-170990DF3C9B}"/>
+              </a:ext>
+            </a:extLst>
+          </p:cNvPr>
+          <p:cNvPicPr>
+            <a:picLocks noChangeAspect="1"/>
+          </p:cNvPicPr>
+          <p:nvPr/>
+        </p:nvPicPr>
+        <p:blipFill>
+          <a:blip r:embed="rId5">
+            <a:extLst>
+              <a:ext uri="{28A0092B-C50C-407E-A947-70E740481C1C}">
+                <a14:useLocalDpi xmlns:a14="http://schemas.microsoft.com/office/drawing/2010/main" val="0"/>
+              </a:ext>
+              <a:ext uri="{96DAC541-7B7A-43D3-8B79-37D633B846F1}">
+                <asvg:svgBlip xmlns:asvg="http://schemas.microsoft.com/office/drawing/2016/SVG/main" r:embed="rId6"/>
+              </a:ext>
+            </a:extLst>
+          </a:blip>
+          <a:srcRect/>
+          <a:stretch/>
+        </p:blipFill>
+        <p:spPr>
+          <a:xfrm>
+            <a:off x="10745193" y="2673599"/>
+            <a:ext cx="914400" cy="914400"/>
+          </a:xfrm>
+          <a:prstGeom prst="rect">
+            <a:avLst/>
+          </a:prstGeom>
+        </p:spPr>
+      </p:pic>
+      <p:pic>
+        <p:nvPicPr>
+          <p:cNvPr id="20" name="Graphic 19" descr="Checkmark with solid fill">
+            <a:extLst>
+              <a:ext uri="{FF2B5EF4-FFF2-40B4-BE49-F238E27FC236}">
+                <a16:creationId xmlns:a16="http://schemas.microsoft.com/office/drawing/2014/main" id="{7FEE5760-55A7-A22C-C41D-7D2845793B9A}"/>
+              </a:ext>
+            </a:extLst>
+          </p:cNvPr>
+          <p:cNvPicPr>
+            <a:picLocks noChangeAspect="1"/>
+          </p:cNvPicPr>
+          <p:nvPr/>
+        </p:nvPicPr>
+        <p:blipFill>
+          <a:blip r:embed="rId3">
+            <a:extLst>
+              <a:ext uri="{28A0092B-C50C-407E-A947-70E740481C1C}">
+                <a14:useLocalDpi xmlns:a14="http://schemas.microsoft.com/office/drawing/2010/main" val="0"/>
+              </a:ext>
+              <a:ext uri="{96DAC541-7B7A-43D3-8B79-37D633B846F1}">
+                <asvg:svgBlip xmlns:asvg="http://schemas.microsoft.com/office/drawing/2016/SVG/main" r:embed="rId4"/>
+              </a:ext>
+            </a:extLst>
+          </a:blip>
+          <a:stretch>
+            <a:fillRect/>
+          </a:stretch>
+        </p:blipFill>
+        <p:spPr>
+          <a:xfrm>
+            <a:off x="10745193" y="859321"/>
+            <a:ext cx="914400" cy="914400"/>
+          </a:xfrm>
+          <a:prstGeom prst="rect">
+            <a:avLst/>
+          </a:prstGeom>
+        </p:spPr>
+      </p:pic>
+    </p:spTree>
+    <p:extLst>
+      <p:ext uri="{BB962C8B-B14F-4D97-AF65-F5344CB8AC3E}">
+        <p14:creationId xmlns:p14="http://schemas.microsoft.com/office/powerpoint/2010/main" val="46514960"/>
+      </p:ext>
+    </p:extLst>
+  </p:cSld>
+  <p:clrMapOvr>
+    <a:masterClrMapping/>
+  </p:clrMapOvr>
+  <mc:AlternateContent xmlns:mc="http://schemas.openxmlformats.org/markup-compatibility/2006" xmlns:p14="http://schemas.microsoft.com/office/powerpoint/2010/main">
+    <mc:Choice Requires="p14">
+      <p:transition spd="slow" p14:dur="2000" advClick="0" advTm="8000"/>
+    </mc:Choice>
+    <mc:Fallback xmlns="">
+      <p:transition spd="slow" advClick="0" advTm="8000"/>
+    </mc:Fallback>
+  </mc:AlternateContent>
+  <p:timing>
+    <p:tnLst>
+      <p:par>
+        <p:cTn id="1" dur="indefinite" restart="never" nodeType="tmRoot">
+          <p:childTnLst>
+            <p:seq concurrent="1" nextAc="seek">
+              <p:cTn id="2" dur="indefinite" nodeType="mainSeq">
+                <p:childTnLst>
+                  <p:par>
+                    <p:cTn id="3" fill="hold">
+                      <p:stCondLst>
+                        <p:cond delay="indefinite"/>
+                        <p:cond evt="onBegin" delay="0">
+                          <p:tn val="2"/>
+                        </p:cond>
+                      </p:stCondLst>
+                      <p:childTnLst>
+                        <p:par>
+                          <p:cTn id="4" fill="hold">
+                            <p:stCondLst>
+                              <p:cond delay="0"/>
+                            </p:stCondLst>
+                            <p:childTnLst>
+                              <p:par>
+                                <p:cTn id="5" presetID="10" presetClass="entr" presetSubtype="0" fill="hold" grpId="0" nodeType="withEffect">
+                                  <p:stCondLst>
+                                    <p:cond delay="0"/>
+                                  </p:stCondLst>
+                                  <p:childTnLst>
+                                    <p:set>
+                                      <p:cBhvr>
+                                        <p:cTn id="6" dur="1" fill="hold">
+                                          <p:stCondLst>
+                                            <p:cond delay="0"/>
+                                          </p:stCondLst>
+                                        </p:cTn>
+                                        <p:tgtEl>
+                                          <p:spTgt spid="2"/>
+                                        </p:tgtEl>
+                                        <p:attrNameLst>
+                                          <p:attrName>style.visibility</p:attrName>
+                                        </p:attrNameLst>
+                                      </p:cBhvr>
+                                      <p:to>
+                                        <p:strVal val="visible"/>
+                                      </p:to>
+                                    </p:set>
+                                    <p:animEffect transition="in" filter="fade">
+                                      <p:cBhvr>
+                                        <p:cTn id="7" dur="500"/>
+                                        <p:tgtEl>
+                                          <p:spTgt spid="2"/>
+                                        </p:tgtEl>
+                                      </p:cBhvr>
+                                    </p:animEffect>
+                                  </p:childTnLst>
+                                </p:cTn>
+                              </p:par>
+                              <p:par>
+                                <p:cTn id="8" presetID="10" presetClass="entr" presetSubtype="0" fill="hold" grpId="0" nodeType="withEffect">
+                                  <p:stCondLst>
+                                    <p:cond delay="0"/>
+                                  </p:stCondLst>
+                                  <p:childTnLst>
+                                    <p:set>
+                                      <p:cBhvr>
+                                        <p:cTn id="9" dur="1" fill="hold">
+                                          <p:stCondLst>
+                                            <p:cond delay="0"/>
+                                          </p:stCondLst>
+                                        </p:cTn>
+                                        <p:tgtEl>
+                                          <p:spTgt spid="4"/>
+                                        </p:tgtEl>
+                                        <p:attrNameLst>
+                                          <p:attrName>style.visibility</p:attrName>
+                                        </p:attrNameLst>
+                                      </p:cBhvr>
+                                      <p:to>
+                                        <p:strVal val="visible"/>
+                                      </p:to>
+                                    </p:set>
+                                    <p:animEffect transition="in" filter="fade">
+                                      <p:cBhvr>
+                                        <p:cTn id="10" dur="500"/>
+                                        <p:tgtEl>
+                                          <p:spTgt spid="4"/>
+                                        </p:tgtEl>
+                                      </p:cBhvr>
+                                    </p:animEffect>
+                                  </p:childTnLst>
+                                </p:cTn>
+                              </p:par>
+                            </p:childTnLst>
+                          </p:cTn>
+                        </p:par>
+                        <p:par>
+                          <p:cTn id="11" fill="hold">
+                            <p:stCondLst>
+                              <p:cond delay="500"/>
+                            </p:stCondLst>
+                            <p:childTnLst>
+                              <p:par>
+                                <p:cTn id="12" presetID="10" presetClass="entr" presetSubtype="0" fill="hold" grpId="0" nodeType="afterEffect">
+                                  <p:stCondLst>
+                                    <p:cond delay="0"/>
+                                  </p:stCondLst>
+                                  <p:childTnLst>
+                                    <p:set>
+                                      <p:cBhvr>
+                                        <p:cTn id="13" dur="1" fill="hold">
+                                          <p:stCondLst>
+                                            <p:cond delay="0"/>
+                                          </p:stCondLst>
+                                        </p:cTn>
+                                        <p:tgtEl>
+                                          <p:spTgt spid="14"/>
+                                        </p:tgtEl>
+                                        <p:attrNameLst>
+                                          <p:attrName>style.visibility</p:attrName>
+                                        </p:attrNameLst>
+                                      </p:cBhvr>
+                                      <p:to>
+                                        <p:strVal val="visible"/>
+                                      </p:to>
+                                    </p:set>
+                                    <p:animEffect transition="in" filter="fade">
+                                      <p:cBhvr>
+                                        <p:cTn id="14" dur="500"/>
+                                        <p:tgtEl>
+                                          <p:spTgt spid="14"/>
+                                        </p:tgtEl>
+                                      </p:cBhvr>
+                                    </p:animEffect>
+                                  </p:childTnLst>
+                                </p:cTn>
+                              </p:par>
+                            </p:childTnLst>
+                          </p:cTn>
+                        </p:par>
+                        <p:par>
+                          <p:cTn id="15" fill="hold">
+                            <p:stCondLst>
+                              <p:cond delay="1000"/>
+                            </p:stCondLst>
+                            <p:childTnLst>
+                              <p:par>
+                                <p:cTn id="16" presetID="10" presetClass="entr" presetSubtype="0" fill="hold" grpId="0" nodeType="afterEffect">
+                                  <p:stCondLst>
+                                    <p:cond delay="0"/>
+                                  </p:stCondLst>
+                                  <p:childTnLst>
+                                    <p:set>
+                                      <p:cBhvr>
+                                        <p:cTn id="17" dur="1" fill="hold">
+                                          <p:stCondLst>
+                                            <p:cond delay="0"/>
+                                          </p:stCondLst>
+                                        </p:cTn>
+                                        <p:tgtEl>
+                                          <p:spTgt spid="6"/>
+                                        </p:tgtEl>
+                                        <p:attrNameLst>
+                                          <p:attrName>style.visibility</p:attrName>
+                                        </p:attrNameLst>
+                                      </p:cBhvr>
+                                      <p:to>
+                                        <p:strVal val="visible"/>
+                                      </p:to>
+                                    </p:set>
+                                    <p:animEffect transition="in" filter="fade">
+                                      <p:cBhvr>
+                                        <p:cTn id="18" dur="500"/>
+                                        <p:tgtEl>
+                                          <p:spTgt spid="6"/>
+                                        </p:tgtEl>
+                                      </p:cBhvr>
+                                    </p:animEffect>
+                                  </p:childTnLst>
+                                </p:cTn>
+                              </p:par>
+                              <p:par>
+                                <p:cTn id="19" presetID="10" presetClass="entr" presetSubtype="0" fill="hold" grpId="0" nodeType="withEffect">
+                                  <p:stCondLst>
+                                    <p:cond delay="0"/>
+                                  </p:stCondLst>
+                                  <p:childTnLst>
+                                    <p:set>
+                                      <p:cBhvr>
+                                        <p:cTn id="20" dur="1" fill="hold">
+                                          <p:stCondLst>
+                                            <p:cond delay="0"/>
+                                          </p:stCondLst>
+                                        </p:cTn>
+                                        <p:tgtEl>
+                                          <p:spTgt spid="11"/>
+                                        </p:tgtEl>
+                                        <p:attrNameLst>
+                                          <p:attrName>style.visibility</p:attrName>
+                                        </p:attrNameLst>
+                                      </p:cBhvr>
+                                      <p:to>
+                                        <p:strVal val="visible"/>
+                                      </p:to>
+                                    </p:set>
+                                    <p:animEffect transition="in" filter="fade">
+                                      <p:cBhvr>
+                                        <p:cTn id="21" dur="500"/>
+                                        <p:tgtEl>
+                                          <p:spTgt spid="11"/>
+                                        </p:tgtEl>
+                                      </p:cBhvr>
+                                    </p:animEffect>
+                                  </p:childTnLst>
+                                </p:cTn>
+                              </p:par>
+                            </p:childTnLst>
+                          </p:cTn>
+                        </p:par>
+                        <p:par>
+                          <p:cTn id="22" fill="hold">
+                            <p:stCondLst>
+                              <p:cond delay="1500"/>
+                            </p:stCondLst>
+                            <p:childTnLst>
+                              <p:par>
+                                <p:cTn id="23" presetID="10" presetClass="entr" presetSubtype="0" fill="hold" grpId="0" nodeType="afterEffect">
+                                  <p:stCondLst>
+                                    <p:cond delay="0"/>
+                                  </p:stCondLst>
+                                  <p:childTnLst>
+                                    <p:set>
+                                      <p:cBhvr>
+                                        <p:cTn id="24" dur="1" fill="hold">
+                                          <p:stCondLst>
+                                            <p:cond delay="0"/>
+                                          </p:stCondLst>
+                                        </p:cTn>
+                                        <p:tgtEl>
+                                          <p:spTgt spid="17"/>
+                                        </p:tgtEl>
+                                        <p:attrNameLst>
+                                          <p:attrName>style.visibility</p:attrName>
+                                        </p:attrNameLst>
+                                      </p:cBhvr>
+                                      <p:to>
+                                        <p:strVal val="visible"/>
+                                      </p:to>
+                                    </p:set>
+                                    <p:animEffect transition="in" filter="fade">
+                                      <p:cBhvr>
+                                        <p:cTn id="25" dur="500"/>
+                                        <p:tgtEl>
+                                          <p:spTgt spid="17"/>
+                                        </p:tgtEl>
+                                      </p:cBhvr>
+                                    </p:animEffect>
+                                  </p:childTnLst>
+                                </p:cTn>
+                              </p:par>
+                              <p:par>
+                                <p:cTn id="26" presetID="10" presetClass="entr" presetSubtype="0" fill="hold" grpId="0" nodeType="withEffect">
+                                  <p:stCondLst>
+                                    <p:cond delay="0"/>
+                                  </p:stCondLst>
+                                  <p:childTnLst>
+                                    <p:set>
+                                      <p:cBhvr>
+                                        <p:cTn id="27" dur="1" fill="hold">
+                                          <p:stCondLst>
+                                            <p:cond delay="0"/>
+                                          </p:stCondLst>
+                                        </p:cTn>
+                                        <p:tgtEl>
+                                          <p:spTgt spid="9"/>
+                                        </p:tgtEl>
+                                        <p:attrNameLst>
+                                          <p:attrName>style.visibility</p:attrName>
+                                        </p:attrNameLst>
+                                      </p:cBhvr>
+                                      <p:to>
+                                        <p:strVal val="visible"/>
+                                      </p:to>
+                                    </p:set>
+                                    <p:animEffect transition="in" filter="fade">
+                                      <p:cBhvr>
+                                        <p:cTn id="28" dur="500"/>
+                                        <p:tgtEl>
+                                          <p:spTgt spid="9"/>
+                                        </p:tgtEl>
+                                      </p:cBhvr>
+                                    </p:animEffect>
+                                  </p:childTnLst>
+                                </p:cTn>
+                              </p:par>
+                              <p:par>
+                                <p:cTn id="29" presetID="10" presetClass="entr" presetSubtype="0" fill="hold" grpId="0" nodeType="withEffect">
+                                  <p:stCondLst>
+                                    <p:cond delay="0"/>
+                                  </p:stCondLst>
+                                  <p:childTnLst>
+                                    <p:set>
+                                      <p:cBhvr>
+                                        <p:cTn id="30" dur="1" fill="hold">
+                                          <p:stCondLst>
+                                            <p:cond delay="0"/>
+                                          </p:stCondLst>
+                                        </p:cTn>
+                                        <p:tgtEl>
+                                          <p:spTgt spid="18"/>
+                                        </p:tgtEl>
+                                        <p:attrNameLst>
+                                          <p:attrName>style.visibility</p:attrName>
+                                        </p:attrNameLst>
+                                      </p:cBhvr>
+                                      <p:to>
+                                        <p:strVal val="visible"/>
+                                      </p:to>
+                                    </p:set>
+                                    <p:animEffect transition="in" filter="fade">
+                                      <p:cBhvr>
+                                        <p:cTn id="31" dur="500"/>
+                                        <p:tgtEl>
+                                          <p:spTgt spid="18"/>
+                                        </p:tgtEl>
+                                      </p:cBhvr>
+                                    </p:animEffect>
+                                  </p:childTnLst>
+                                </p:cTn>
+                              </p:par>
+                            </p:childTnLst>
+                          </p:cTn>
+                        </p:par>
+                        <p:par>
+                          <p:cTn id="32" fill="hold">
+                            <p:stCondLst>
+                              <p:cond delay="2000"/>
+                            </p:stCondLst>
+                            <p:childTnLst>
+                              <p:par>
+                                <p:cTn id="33" presetID="19" presetClass="emph" presetSubtype="0" fill="hold" grpId="0" nodeType="afterEffect">
+                                  <p:stCondLst>
+                                    <p:cond delay="2700"/>
+                                  </p:stCondLst>
+                                  <p:childTnLst>
+                                    <p:animClr clrSpc="rgb" dir="cw">
+                                      <p:cBhvr override="childStyle">
+                                        <p:cTn id="34" dur="500" fill="hold"/>
+                                        <p:tgtEl>
+                                          <p:spTgt spid="8"/>
+                                        </p:tgtEl>
+                                        <p:attrNameLst>
+                                          <p:attrName>style.color</p:attrName>
+                                        </p:attrNameLst>
+                                      </p:cBhvr>
+                                      <p:to>
+                                        <a:srgbClr val="E2EFD9"/>
+                                      </p:to>
+                                    </p:animClr>
+                                    <p:animClr clrSpc="rgb" dir="cw">
+                                      <p:cBhvr>
+                                        <p:cTn id="35" dur="500" fill="hold"/>
+                                        <p:tgtEl>
+                                          <p:spTgt spid="8"/>
+                                        </p:tgtEl>
+                                        <p:attrNameLst>
+                                          <p:attrName>fillcolor</p:attrName>
+                                        </p:attrNameLst>
+                                      </p:cBhvr>
+                                      <p:to>
+                                        <a:srgbClr val="E2EFD9"/>
+                                      </p:to>
+                                    </p:animClr>
+                                    <p:set>
+                                      <p:cBhvr>
+                                        <p:cTn id="36" dur="500" fill="hold"/>
+                                        <p:tgtEl>
+                                          <p:spTgt spid="8"/>
+                                        </p:tgtEl>
+                                        <p:attrNameLst>
+                                          <p:attrName>fill.type</p:attrName>
+                                        </p:attrNameLst>
+                                      </p:cBhvr>
+                                      <p:to>
+                                        <p:strVal val="solid"/>
+                                      </p:to>
+                                    </p:set>
+                                    <p:set>
+                                      <p:cBhvr>
+                                        <p:cTn id="37" dur="500" fill="hold"/>
+                                        <p:tgtEl>
+                                          <p:spTgt spid="8"/>
+                                        </p:tgtEl>
+                                        <p:attrNameLst>
+                                          <p:attrName>fill.on</p:attrName>
+                                        </p:attrNameLst>
+                                      </p:cBhvr>
+                                      <p:to>
+                                        <p:strVal val="true"/>
+                                      </p:to>
+                                    </p:set>
+                                  </p:childTnLst>
+                                </p:cTn>
+                              </p:par>
+                            </p:childTnLst>
+                          </p:cTn>
+                        </p:par>
+                        <p:par>
+                          <p:cTn id="38" fill="hold">
+                            <p:stCondLst>
+                              <p:cond delay="5200"/>
+                            </p:stCondLst>
+                            <p:childTnLst>
+                              <p:par>
+                                <p:cTn id="39" presetID="1" presetClass="entr" presetSubtype="0" fill="hold" nodeType="afterEffect">
+                                  <p:stCondLst>
+                                    <p:cond delay="0"/>
+                                  </p:stCondLst>
+                                  <p:childTnLst>
+                                    <p:set>
+                                      <p:cBhvr>
+                                        <p:cTn id="40" dur="1" fill="hold">
+                                          <p:stCondLst>
+                                            <p:cond delay="0"/>
+                                          </p:stCondLst>
+                                        </p:cTn>
+                                        <p:tgtEl>
+                                          <p:spTgt spid="20"/>
+                                        </p:tgtEl>
+                                        <p:attrNameLst>
+                                          <p:attrName>style.visibility</p:attrName>
+                                        </p:attrNameLst>
+                                      </p:cBhvr>
+                                      <p:to>
+                                        <p:strVal val="visible"/>
+                                      </p:to>
+                                    </p:set>
+                                  </p:childTnLst>
+                                </p:cTn>
+                              </p:par>
+                            </p:childTnLst>
+                          </p:cTn>
+                        </p:par>
+                        <p:par>
+                          <p:cTn id="41" fill="hold">
+                            <p:stCondLst>
+                              <p:cond delay="5200"/>
+                            </p:stCondLst>
+                            <p:childTnLst>
+                              <p:par>
+                                <p:cTn id="42" presetID="19" presetClass="emph" presetSubtype="0" fill="hold" grpId="0" nodeType="afterEffect">
+                                  <p:stCondLst>
+                                    <p:cond delay="250"/>
+                                  </p:stCondLst>
+                                  <p:childTnLst>
+                                    <p:animClr clrSpc="rgb" dir="cw">
+                                      <p:cBhvr override="childStyle">
+                                        <p:cTn id="43" dur="500" fill="hold"/>
+                                        <p:tgtEl>
+                                          <p:spTgt spid="5"/>
+                                        </p:tgtEl>
+                                        <p:attrNameLst>
+                                          <p:attrName>style.color</p:attrName>
+                                        </p:attrNameLst>
+                                      </p:cBhvr>
+                                      <p:to>
+                                        <a:srgbClr val="FCD6D6"/>
+                                      </p:to>
+                                    </p:animClr>
+                                    <p:animClr clrSpc="rgb" dir="cw">
+                                      <p:cBhvr>
+                                        <p:cTn id="44" dur="500" fill="hold"/>
+                                        <p:tgtEl>
+                                          <p:spTgt spid="5"/>
+                                        </p:tgtEl>
+                                        <p:attrNameLst>
+                                          <p:attrName>fillcolor</p:attrName>
+                                        </p:attrNameLst>
+                                      </p:cBhvr>
+                                      <p:to>
+                                        <a:srgbClr val="FCD6D6"/>
+                                      </p:to>
+                                    </p:animClr>
+                                    <p:set>
+                                      <p:cBhvr>
+                                        <p:cTn id="45" dur="500" fill="hold"/>
+                                        <p:tgtEl>
+                                          <p:spTgt spid="5"/>
+                                        </p:tgtEl>
+                                        <p:attrNameLst>
+                                          <p:attrName>fill.type</p:attrName>
+                                        </p:attrNameLst>
+                                      </p:cBhvr>
+                                      <p:to>
+                                        <p:strVal val="solid"/>
+                                      </p:to>
+                                    </p:set>
+                                    <p:set>
+                                      <p:cBhvr>
+                                        <p:cTn id="46" dur="500" fill="hold"/>
+                                        <p:tgtEl>
+                                          <p:spTgt spid="5"/>
+                                        </p:tgtEl>
+                                        <p:attrNameLst>
+                                          <p:attrName>fill.on</p:attrName>
+                                        </p:attrNameLst>
+                                      </p:cBhvr>
+                                      <p:to>
+                                        <p:strVal val="true"/>
+                                      </p:to>
+                                    </p:set>
+                                  </p:childTnLst>
+                                </p:cTn>
+                              </p:par>
+                            </p:childTnLst>
+                          </p:cTn>
+                        </p:par>
+                        <p:par>
+                          <p:cTn id="47" fill="hold">
+                            <p:stCondLst>
+                              <p:cond delay="5950"/>
+                            </p:stCondLst>
+                            <p:childTnLst>
+                              <p:par>
+                                <p:cTn id="48" presetID="1" presetClass="entr" presetSubtype="0" fill="hold" nodeType="afterEffect">
+                                  <p:stCondLst>
+                                    <p:cond delay="0"/>
+                                  </p:stCondLst>
+                                  <p:childTnLst>
+                                    <p:set>
+                                      <p:cBhvr>
+                                        <p:cTn id="49" dur="1" fill="hold">
+                                          <p:stCondLst>
+                                            <p:cond delay="0"/>
+                                          </p:stCondLst>
+                                        </p:cTn>
+                                        <p:tgtEl>
+                                          <p:spTgt spid="19"/>
+                                        </p:tgtEl>
+                                        <p:attrNameLst>
+                                          <p:attrName>style.visibility</p:attrName>
+                                        </p:attrNameLst>
+                                      </p:cBhvr>
+                                      <p:to>
+                                        <p:strVal val="visible"/>
+                                      </p:to>
+                                    </p:set>
+                                  </p:childTnLst>
+                                </p:cTn>
+                              </p:par>
+                            </p:childTnLst>
+                          </p:cTn>
+                        </p:par>
+                        <p:par>
+                          <p:cTn id="50" fill="hold">
+                            <p:stCondLst>
+                              <p:cond delay="5950"/>
+                            </p:stCondLst>
+                            <p:childTnLst>
+                              <p:par>
+                                <p:cTn id="51" presetID="19" presetClass="emph" presetSubtype="0" fill="hold" grpId="0" nodeType="afterEffect">
+                                  <p:stCondLst>
+                                    <p:cond delay="250"/>
+                                  </p:stCondLst>
+                                  <p:childTnLst>
+                                    <p:animClr clrSpc="rgb" dir="cw">
+                                      <p:cBhvr override="childStyle">
+                                        <p:cTn id="52" dur="500" fill="hold"/>
+                                        <p:tgtEl>
+                                          <p:spTgt spid="7"/>
+                                        </p:tgtEl>
+                                        <p:attrNameLst>
+                                          <p:attrName>style.color</p:attrName>
+                                        </p:attrNameLst>
+                                      </p:cBhvr>
+                                      <p:to>
+                                        <a:srgbClr val="E2EFD9"/>
+                                      </p:to>
+                                    </p:animClr>
+                                    <p:animClr clrSpc="rgb" dir="cw">
+                                      <p:cBhvr>
+                                        <p:cTn id="53" dur="500" fill="hold"/>
+                                        <p:tgtEl>
+                                          <p:spTgt spid="7"/>
+                                        </p:tgtEl>
+                                        <p:attrNameLst>
+                                          <p:attrName>fillcolor</p:attrName>
+                                        </p:attrNameLst>
+                                      </p:cBhvr>
+                                      <p:to>
+                                        <a:srgbClr val="E2EFD9"/>
+                                      </p:to>
+                                    </p:animClr>
+                                    <p:set>
+                                      <p:cBhvr>
+                                        <p:cTn id="54" dur="500" fill="hold"/>
+                                        <p:tgtEl>
+                                          <p:spTgt spid="7"/>
+                                        </p:tgtEl>
+                                        <p:attrNameLst>
+                                          <p:attrName>fill.type</p:attrName>
+                                        </p:attrNameLst>
+                                      </p:cBhvr>
+                                      <p:to>
+                                        <p:strVal val="solid"/>
+                                      </p:to>
+                                    </p:set>
+                                    <p:set>
+                                      <p:cBhvr>
+                                        <p:cTn id="55" dur="500" fill="hold"/>
+                                        <p:tgtEl>
+                                          <p:spTgt spid="7"/>
+                                        </p:tgtEl>
+                                        <p:attrNameLst>
+                                          <p:attrName>fill.on</p:attrName>
+                                        </p:attrNameLst>
+                                      </p:cBhvr>
+                                      <p:to>
+                                        <p:strVal val="true"/>
+                                      </p:to>
+                                    </p:set>
+                                  </p:childTnLst>
+                                </p:cTn>
+                              </p:par>
+                            </p:childTnLst>
+                          </p:cTn>
+                        </p:par>
+                        <p:par>
+                          <p:cTn id="56" fill="hold">
+                            <p:stCondLst>
+                              <p:cond delay="6700"/>
+                            </p:stCondLst>
+                            <p:childTnLst>
+                              <p:par>
+                                <p:cTn id="57" presetID="1" presetClass="entr" presetSubtype="0" fill="hold" nodeType="afterEffect">
+                                  <p:stCondLst>
+                                    <p:cond delay="0"/>
+                                  </p:stCondLst>
+                                  <p:childTnLst>
+                                    <p:set>
+                                      <p:cBhvr>
+                                        <p:cTn id="58" dur="1" fill="hold">
+                                          <p:stCondLst>
+                                            <p:cond delay="0"/>
+                                          </p:stCondLst>
+                                        </p:cTn>
+                                        <p:tgtEl>
+                                          <p:spTgt spid="16"/>
+                                        </p:tgtEl>
+                                        <p:attrNameLst>
+                                          <p:attrName>style.visibility</p:attrName>
+                                        </p:attrNameLst>
+                                      </p:cBhvr>
+                                      <p:to>
+                                        <p:strVal val="visible"/>
+                                      </p:to>
+                                    </p:set>
+                                  </p:childTnLst>
+                                </p:cTn>
+                              </p:par>
+                            </p:childTnLst>
+                          </p:cTn>
+                        </p:par>
+                      </p:childTnLst>
+                    </p:cTn>
+                  </p:par>
+                </p:childTnLst>
+              </p:cTn>
+              <p:prevCondLst>
+                <p:cond evt="onPrev" delay="0">
+                  <p:tgtEl>
+                    <p:sldTgt/>
+                  </p:tgtEl>
+                </p:cond>
+              </p:prevCondLst>
+              <p:nextCondLst>
+                <p:cond evt="onNext" delay="0">
+                  <p:tgtEl>
+                    <p:sldTgt/>
+                  </p:tgtEl>
+                </p:cond>
+              </p:nextCondLst>
+            </p:seq>
+          </p:childTnLst>
+        </p:cTn>
+      </p:par>
+    </p:tnLst>
+    <p:bldLst>
+      <p:bldP spid="7" grpId="0" animBg="1"/>
+      <p:bldP spid="5" grpId="0" animBg="1"/>
+      <p:bldP spid="2" grpId="0"/>
+      <p:bldP spid="4" grpId="0" animBg="1"/>
+      <p:bldP spid="6" grpId="0" animBg="1"/>
+      <p:bldP spid="8" grpId="0" animBg="1"/>
+      <p:bldP spid="17" grpId="0"/>
+      <p:bldP spid="14" grpId="0"/>
+      <p:bldP spid="11" grpId="0"/>
+      <p:bldP spid="9" grpId="0"/>
+      <p:bldP spid="18" grpId="0"/>
+    </p:bldLst>
+  </p:timing>
+</p:sld>
+</file>
+
+<file path=ppt/slides/slide11.xml><?xml version="1.0" encoding="utf-8"?>
+<p:sld xmlns:a="http://schemas.openxmlformats.org/drawingml/2006/main" xmlns:r="http://schemas.openxmlformats.org/officeDocument/2006/relationships" xmlns:p="http://schemas.openxmlformats.org/presentationml/2006/main">
+  <p:cSld>
+    <p:spTree>
+      <p:nvGrpSpPr>
+        <p:cNvPr id="1" name=""/>
+        <p:cNvGrpSpPr/>
+        <p:nvPr/>
+      </p:nvGrpSpPr>
+      <p:grpSpPr>
+        <a:xfrm>
+          <a:off x="0" y="0"/>
+          <a:ext cx="0" cy="0"/>
+          <a:chOff x="0" y="0"/>
+          <a:chExt cx="0" cy="0"/>
+        </a:xfrm>
+      </p:grpSpPr>
+      <p:sp>
+        <p:nvSpPr>
           <p:cNvPr id="8" name="Rectangle 7">
             <a:extLst>
               <a:ext uri="{FF2B5EF4-FFF2-40B4-BE49-F238E27FC236}">
@@ -8751,7 +10879,7 @@
 </p:sld>
 </file>
 
-<file path=ppt/slides/slide11.xml><?xml version="1.0" encoding="utf-8"?>
+<file path=ppt/slides/slide12.xml><?xml version="1.0" encoding="utf-8"?>
 <p:sld xmlns:a="http://schemas.openxmlformats.org/drawingml/2006/main" xmlns:r="http://schemas.openxmlformats.org/officeDocument/2006/relationships" xmlns:p="http://schemas.openxmlformats.org/presentationml/2006/main">
   <p:cSld>
     <p:spTree>
@@ -11073,7 +13201,7 @@
 </p:sld>
 </file>
 
-<file path=ppt/slides/slide12.xml><?xml version="1.0" encoding="utf-8"?>
+<file path=ppt/slides/slide13.xml><?xml version="1.0" encoding="utf-8"?>
 <p:sld xmlns:a="http://schemas.openxmlformats.org/drawingml/2006/main" xmlns:r="http://schemas.openxmlformats.org/officeDocument/2006/relationships" xmlns:p="http://schemas.openxmlformats.org/presentationml/2006/main" show="0">
   <p:cSld>
     <p:spTree>
@@ -11762,11 +13890,11 @@
   <p:clrMapOvr>
     <a:masterClrMapping/>
   </p:clrMapOvr>
-  <mc:AlternateContent xmlns:mc="http://schemas.openxmlformats.org/markup-compatibility/2006">
-    <mc:Choice xmlns:p14="http://schemas.microsoft.com/office/powerpoint/2010/main" Requires="p14">
+  <mc:AlternateContent xmlns:mc="http://schemas.openxmlformats.org/markup-compatibility/2006" xmlns:p14="http://schemas.microsoft.com/office/powerpoint/2010/main">
+    <mc:Choice Requires="p14">
       <p:transition p14:dur="10" advClick="0" advTm="2000"/>
     </mc:Choice>
-    <mc:Fallback>
+    <mc:Fallback xmlns="">
       <p:transition advClick="0" advTm="2000"/>
     </mc:Fallback>
   </mc:AlternateContent>
@@ -11933,7 +14061,7 @@
 </p:sld>
 </file>
 
-<file path=ppt/slides/slide13.xml><?xml version="1.0" encoding="utf-8"?>
+<file path=ppt/slides/slide14.xml><?xml version="1.0" encoding="utf-8"?>
 <p:sld xmlns:a="http://schemas.openxmlformats.org/drawingml/2006/main" xmlns:r="http://schemas.openxmlformats.org/officeDocument/2006/relationships" xmlns:p="http://schemas.openxmlformats.org/presentationml/2006/main" show="0">
   <p:cSld>
     <p:spTree>
@@ -12622,13 +14750,13 @@
   <p:clrMapOvr>
     <a:masterClrMapping/>
   </p:clrMapOvr>
-  <mc:AlternateContent xmlns:mc="http://schemas.openxmlformats.org/markup-compatibility/2006">
-    <mc:Choice xmlns:p159="http://schemas.microsoft.com/office/powerpoint/2015/09/main" Requires="p159">
+  <mc:AlternateContent xmlns:mc="http://schemas.openxmlformats.org/markup-compatibility/2006" xmlns:p159="http://schemas.microsoft.com/office/powerpoint/2015/09/main">
+    <mc:Choice Requires="p159">
       <p:transition xmlns:p14="http://schemas.microsoft.com/office/powerpoint/2010/main" spd="slow" p14:dur="2000" advClick="0" advTm="1000">
         <p159:morph option="byObject"/>
       </p:transition>
     </mc:Choice>
-    <mc:Fallback>
+    <mc:Fallback xmlns="">
       <p:transition spd="slow" advClick="0" advTm="1000">
         <p:fade/>
       </p:transition>
@@ -12637,7 +14765,7 @@
 </p:sld>
 </file>
 
-<file path=ppt/slides/slide14.xml><?xml version="1.0" encoding="utf-8"?>
+<file path=ppt/slides/slide15.xml><?xml version="1.0" encoding="utf-8"?>
 <p:sld xmlns:a="http://schemas.openxmlformats.org/drawingml/2006/main" xmlns:r="http://schemas.openxmlformats.org/officeDocument/2006/relationships" xmlns:p="http://schemas.openxmlformats.org/presentationml/2006/main" show="0">
   <p:cSld>
     <p:spTree>
@@ -12700,13 +14828,13 @@
   <p:clrMapOvr>
     <a:masterClrMapping/>
   </p:clrMapOvr>
-  <mc:AlternateContent xmlns:mc="http://schemas.openxmlformats.org/markup-compatibility/2006">
-    <mc:Choice xmlns:p159="http://schemas.microsoft.com/office/powerpoint/2015/09/main" Requires="p159">
+  <mc:AlternateContent xmlns:mc="http://schemas.openxmlformats.org/markup-compatibility/2006" xmlns:p159="http://schemas.microsoft.com/office/powerpoint/2015/09/main">
+    <mc:Choice Requires="p159">
       <p:transition xmlns:p14="http://schemas.microsoft.com/office/powerpoint/2010/main" spd="slow" p14:dur="2000">
         <p159:morph option="byObject"/>
       </p:transition>
     </mc:Choice>
-    <mc:Fallback>
+    <mc:Fallback xmlns="">
       <p:transition spd="slow">
         <p:fade/>
       </p:transition>
@@ -12715,7 +14843,7 @@
 </p:sld>
 </file>
 
-<file path=ppt/slides/slide15.xml><?xml version="1.0" encoding="utf-8"?>
+<file path=ppt/slides/slide16.xml><?xml version="1.0" encoding="utf-8"?>
 <p:sld xmlns:a="http://schemas.openxmlformats.org/drawingml/2006/main" xmlns:r="http://schemas.openxmlformats.org/officeDocument/2006/relationships" xmlns:p="http://schemas.openxmlformats.org/presentationml/2006/main">
   <p:cSld>
     <p:spTree>
@@ -13070,13 +15198,13 @@
   <p:clrMapOvr>
     <a:masterClrMapping/>
   </p:clrMapOvr>
-  <mc:AlternateContent xmlns:mc="http://schemas.openxmlformats.org/markup-compatibility/2006">
-    <mc:Choice xmlns:p159="http://schemas.microsoft.com/office/powerpoint/2015/09/main" Requires="p159">
+  <mc:AlternateContent xmlns:mc="http://schemas.openxmlformats.org/markup-compatibility/2006" xmlns:p159="http://schemas.microsoft.com/office/powerpoint/2015/09/main">
+    <mc:Choice Requires="p159">
       <p:transition xmlns:p14="http://schemas.microsoft.com/office/powerpoint/2010/main" spd="slow" p14:dur="2000" advTm="10000">
         <p159:morph option="byObject"/>
       </p:transition>
     </mc:Choice>
-    <mc:Fallback>
+    <mc:Fallback xmlns="">
       <p:transition spd="slow" advTm="10000">
         <p:fade/>
       </p:transition>
@@ -18103,7 +20231,7 @@
 </file>
 
 <file path=ppt/slides/slide6.xml><?xml version="1.0" encoding="utf-8"?>
-<p:sld xmlns:a="http://schemas.openxmlformats.org/drawingml/2006/main" xmlns:r="http://schemas.openxmlformats.org/officeDocument/2006/relationships" xmlns:p="http://schemas.openxmlformats.org/presentationml/2006/main">
+<p:sld xmlns:a="http://schemas.openxmlformats.org/drawingml/2006/main" xmlns:r="http://schemas.openxmlformats.org/officeDocument/2006/relationships" xmlns:p="http://schemas.openxmlformats.org/presentationml/2006/main" show="0">
   <p:cSld>
     <p:spTree>
       <p:nvGrpSpPr>
@@ -19144,6 +21272,1222 @@
 </file>
 
 <file path=ppt/slides/slide7.xml><?xml version="1.0" encoding="utf-8"?>
+<p:sld xmlns:a="http://schemas.openxmlformats.org/drawingml/2006/main" xmlns:r="http://schemas.openxmlformats.org/officeDocument/2006/relationships" xmlns:p="http://schemas.openxmlformats.org/presentationml/2006/main">
+  <p:cSld>
+    <p:spTree>
+      <p:nvGrpSpPr>
+        <p:cNvPr id="1" name=""/>
+        <p:cNvGrpSpPr/>
+        <p:nvPr/>
+      </p:nvGrpSpPr>
+      <p:grpSpPr>
+        <a:xfrm>
+          <a:off x="0" y="0"/>
+          <a:ext cx="0" cy="0"/>
+          <a:chOff x="0" y="0"/>
+          <a:chExt cx="0" cy="0"/>
+        </a:xfrm>
+      </p:grpSpPr>
+      <p:sp>
+        <p:nvSpPr>
+          <p:cNvPr id="10" name="Rectangle 9">
+            <a:extLst>
+              <a:ext uri="{FF2B5EF4-FFF2-40B4-BE49-F238E27FC236}">
+                <a16:creationId xmlns:a16="http://schemas.microsoft.com/office/drawing/2014/main" id="{493E1D72-C589-A3FB-CF1C-965A1963F4F4}"/>
+              </a:ext>
+            </a:extLst>
+          </p:cNvPr>
+          <p:cNvSpPr/>
+          <p:nvPr/>
+        </p:nvSpPr>
+        <p:spPr>
+          <a:xfrm>
+            <a:off x="197708" y="2402780"/>
+            <a:ext cx="11796584" cy="3716813"/>
+          </a:xfrm>
+          <a:prstGeom prst="rect">
+            <a:avLst/>
+          </a:prstGeom>
+          <a:solidFill>
+            <a:schemeClr val="bg2">
+              <a:lumMod val="40000"/>
+              <a:lumOff val="60000"/>
+            </a:schemeClr>
+          </a:solidFill>
+          <a:ln>
+            <a:noFill/>
+          </a:ln>
+        </p:spPr>
+        <p:style>
+          <a:lnRef idx="2">
+            <a:schemeClr val="accent1">
+              <a:shade val="50000"/>
+            </a:schemeClr>
+          </a:lnRef>
+          <a:fillRef idx="1">
+            <a:schemeClr val="accent1"/>
+          </a:fillRef>
+          <a:effectRef idx="0">
+            <a:schemeClr val="accent1"/>
+          </a:effectRef>
+          <a:fontRef idx="minor">
+            <a:schemeClr val="lt1"/>
+          </a:fontRef>
+        </p:style>
+        <p:txBody>
+          <a:bodyPr rtlCol="0" anchor="ctr"/>
+          <a:lstStyle/>
+          <a:p>
+            <a:pPr algn="ctr"/>
+            <a:endParaRPr lang="en-US"/>
+          </a:p>
+        </p:txBody>
+      </p:sp>
+      <p:sp>
+        <p:nvSpPr>
+          <p:cNvPr id="13" name="Title 1">
+            <a:extLst>
+              <a:ext uri="{FF2B5EF4-FFF2-40B4-BE49-F238E27FC236}">
+                <a16:creationId xmlns:a16="http://schemas.microsoft.com/office/drawing/2014/main" id="{A5771413-327F-498F-5396-87AAD01F9220}"/>
+              </a:ext>
+            </a:extLst>
+          </p:cNvPr>
+          <p:cNvSpPr txBox="1">
+            <a:spLocks/>
+          </p:cNvSpPr>
+          <p:nvPr/>
+        </p:nvSpPr>
+        <p:spPr>
+          <a:xfrm>
+            <a:off x="6477000" y="4754875"/>
+            <a:ext cx="4415444" cy="1325563"/>
+          </a:xfrm>
+          <a:prstGeom prst="rect">
+            <a:avLst/>
+          </a:prstGeom>
+        </p:spPr>
+        <p:txBody>
+          <a:bodyPr vert="horz" lIns="91440" tIns="45720" rIns="91440" bIns="45720" rtlCol="0" anchor="ctr">
+            <a:normAutofit/>
+          </a:bodyPr>
+          <a:lstStyle>
+            <a:lvl1pPr algn="l" defTabSz="914400" rtl="0" eaLnBrk="1" latinLnBrk="0" hangingPunct="1">
+              <a:lnSpc>
+                <a:spcPct val="90000"/>
+              </a:lnSpc>
+              <a:spcBef>
+                <a:spcPct val="0"/>
+              </a:spcBef>
+              <a:buNone/>
+              <a:defRPr sz="4400" kern="1200">
+                <a:solidFill>
+                  <a:schemeClr val="tx1"/>
+                </a:solidFill>
+                <a:latin typeface="+mj-lt"/>
+                <a:ea typeface="+mj-ea"/>
+                <a:cs typeface="+mj-cs"/>
+              </a:defRPr>
+            </a:lvl1pPr>
+          </a:lstStyle>
+          <a:p>
+            <a:endParaRPr lang="en-US" sz="3200" dirty="0">
+              <a:solidFill>
+                <a:schemeClr val="accent1"/>
+              </a:solidFill>
+              <a:latin typeface="Century Gothic" panose="020B0502020202020204" pitchFamily="34" charset="0"/>
+            </a:endParaRPr>
+          </a:p>
+        </p:txBody>
+      </p:sp>
+      <p:sp>
+        <p:nvSpPr>
+          <p:cNvPr id="3" name="Title 1">
+            <a:extLst>
+              <a:ext uri="{FF2B5EF4-FFF2-40B4-BE49-F238E27FC236}">
+                <a16:creationId xmlns:a16="http://schemas.microsoft.com/office/drawing/2014/main" id="{DF9C42A1-55E7-CD16-2A59-9ACA2CE11F07}"/>
+              </a:ext>
+            </a:extLst>
+          </p:cNvPr>
+          <p:cNvSpPr txBox="1">
+            <a:spLocks/>
+          </p:cNvSpPr>
+          <p:nvPr/>
+        </p:nvSpPr>
+        <p:spPr>
+          <a:xfrm>
+            <a:off x="2389852" y="738407"/>
+            <a:ext cx="7225146" cy="1325563"/>
+          </a:xfrm>
+          <a:prstGeom prst="rect">
+            <a:avLst/>
+          </a:prstGeom>
+        </p:spPr>
+        <p:txBody>
+          <a:bodyPr vert="horz" lIns="91440" tIns="45720" rIns="91440" bIns="45720" rtlCol="0" anchor="ctr">
+            <a:normAutofit/>
+          </a:bodyPr>
+          <a:lstStyle>
+            <a:lvl1pPr algn="l" defTabSz="914400" rtl="0" eaLnBrk="1" latinLnBrk="0" hangingPunct="1">
+              <a:lnSpc>
+                <a:spcPct val="90000"/>
+              </a:lnSpc>
+              <a:spcBef>
+                <a:spcPct val="0"/>
+              </a:spcBef>
+              <a:buNone/>
+              <a:defRPr sz="4400" kern="1200">
+                <a:solidFill>
+                  <a:schemeClr val="tx1"/>
+                </a:solidFill>
+                <a:latin typeface="+mj-lt"/>
+                <a:ea typeface="+mj-ea"/>
+                <a:cs typeface="+mj-cs"/>
+              </a:defRPr>
+            </a:lvl1pPr>
+          </a:lstStyle>
+          <a:p>
+            <a:pPr algn="ctr"/>
+            <a:r>
+              <a:rPr lang="tr-TR" sz="3600" dirty="0">
+                <a:solidFill>
+                  <a:schemeClr val="accent1"/>
+                </a:solidFill>
+                <a:latin typeface="Century Gothic" panose="020B0502020202020204" pitchFamily="34" charset="0"/>
+              </a:rPr>
+              <a:t>Schema Composition</a:t>
+            </a:r>
+            <a:endParaRPr lang="en-US" sz="3600" dirty="0">
+              <a:solidFill>
+                <a:schemeClr val="accent1"/>
+              </a:solidFill>
+              <a:latin typeface="Century Gothic" panose="020B0502020202020204" pitchFamily="34" charset="0"/>
+            </a:endParaRPr>
+          </a:p>
+        </p:txBody>
+      </p:sp>
+      <p:sp>
+        <p:nvSpPr>
+          <p:cNvPr id="14" name="Rectangle 3">
+            <a:extLst>
+              <a:ext uri="{FF2B5EF4-FFF2-40B4-BE49-F238E27FC236}">
+                <a16:creationId xmlns:a16="http://schemas.microsoft.com/office/drawing/2014/main" id="{109245CD-5C6D-FC08-831E-8DC730C7382D}"/>
+              </a:ext>
+            </a:extLst>
+          </p:cNvPr>
+          <p:cNvSpPr>
+            <a:spLocks noChangeArrowheads="1"/>
+          </p:cNvSpPr>
+          <p:nvPr/>
+        </p:nvSpPr>
+        <p:spPr bwMode="auto">
+          <a:xfrm>
+            <a:off x="673462" y="2684812"/>
+            <a:ext cx="128240" cy="618098"/>
+          </a:xfrm>
+          <a:prstGeom prst="rect">
+            <a:avLst/>
+          </a:prstGeom>
+          <a:noFill/>
+          <a:ln>
+            <a:noFill/>
+          </a:ln>
+          <a:effectLst/>
+          <a:extLst>
+            <a:ext uri="{909E8E84-426E-40DD-AFC4-6F175D3DCCD1}">
+              <a14:hiddenFill xmlns:a14="http://schemas.microsoft.com/office/drawing/2010/main">
+                <a:solidFill>
+                  <a:schemeClr val="accent1"/>
+                </a:solidFill>
+              </a14:hiddenFill>
+            </a:ext>
+            <a:ext uri="{91240B29-F687-4F45-9708-019B960494DF}">
+              <a14:hiddenLine xmlns:a14="http://schemas.microsoft.com/office/drawing/2010/main" w="9525">
+                <a:solidFill>
+                  <a:schemeClr val="tx1"/>
+                </a:solidFill>
+                <a:miter lim="800000"/>
+                <a:headEnd/>
+                <a:tailEnd/>
+              </a14:hiddenLine>
+            </a:ext>
+            <a:ext uri="{AF507438-7753-43E0-B8FC-AC1667EBCBE1}">
+              <a14:hiddenEffects xmlns:a14="http://schemas.microsoft.com/office/drawing/2010/main">
+                <a:effectLst>
+                  <a:outerShdw dist="35921" dir="2700000" algn="ctr" rotWithShape="0">
+                    <a:schemeClr val="bg2"/>
+                  </a:outerShdw>
+                </a:effectLst>
+              </a14:hiddenEffects>
+            </a:ext>
+          </a:extLst>
+        </p:spPr>
+        <p:txBody>
+          <a:bodyPr vert="horz" wrap="none" lIns="0" tIns="0" rIns="0" bIns="63480" numCol="1" anchor="ctr" anchorCtr="0" compatLnSpc="1">
+            <a:prstTxWarp prst="textNoShape">
+              <a:avLst/>
+            </a:prstTxWarp>
+            <a:spAutoFit/>
+          </a:bodyPr>
+          <a:lstStyle/>
+          <a:p>
+            <a:pPr marL="0" marR="0" lvl="0" indent="0" algn="l" defTabSz="914400" rtl="0" eaLnBrk="0" fontAlgn="base" latinLnBrk="0" hangingPunct="0">
+              <a:lnSpc>
+                <a:spcPct val="100000"/>
+              </a:lnSpc>
+              <a:spcBef>
+                <a:spcPct val="0"/>
+              </a:spcBef>
+              <a:spcAft>
+                <a:spcPct val="0"/>
+              </a:spcAft>
+              <a:buClrTx/>
+              <a:buSzTx/>
+              <a:buFontTx/>
+              <a:buNone/>
+              <a:tabLst/>
+            </a:pPr>
+            <a:r>
+              <a:rPr kumimoji="0" lang="en-US" altLang="en-US" sz="3600" b="0" i="0" u="none" strike="noStrike" cap="none" normalizeH="0" baseline="0" dirty="0">
+                <a:ln>
+                  <a:noFill/>
+                </a:ln>
+                <a:solidFill>
+                  <a:schemeClr val="tx1"/>
+                </a:solidFill>
+                <a:effectLst/>
+                <a:latin typeface="Century Gothic" panose="020B0502020202020204" pitchFamily="34" charset="0"/>
+              </a:rPr>
+              <a:t> </a:t>
+            </a:r>
+          </a:p>
+        </p:txBody>
+      </p:sp>
+      <p:sp>
+        <p:nvSpPr>
+          <p:cNvPr id="11" name="Rectangle 2">
+            <a:extLst>
+              <a:ext uri="{FF2B5EF4-FFF2-40B4-BE49-F238E27FC236}">
+                <a16:creationId xmlns:a16="http://schemas.microsoft.com/office/drawing/2014/main" id="{1F8CD971-0581-D1B0-52C4-7B24F7E60757}"/>
+              </a:ext>
+            </a:extLst>
+          </p:cNvPr>
+          <p:cNvSpPr>
+            <a:spLocks noChangeArrowheads="1"/>
+          </p:cNvSpPr>
+          <p:nvPr/>
+        </p:nvSpPr>
+        <p:spPr bwMode="auto">
+          <a:xfrm>
+            <a:off x="2158077" y="4345949"/>
+            <a:ext cx="9098966" cy="575863"/>
+          </a:xfrm>
+          <a:prstGeom prst="rect">
+            <a:avLst/>
+          </a:prstGeom>
+          <a:noFill/>
+          <a:ln>
+            <a:noFill/>
+          </a:ln>
+          <a:effectLst/>
+          <a:extLst>
+            <a:ext uri="{909E8E84-426E-40DD-AFC4-6F175D3DCCD1}">
+              <a14:hiddenFill xmlns:a14="http://schemas.microsoft.com/office/drawing/2010/main">
+                <a:solidFill>
+                  <a:schemeClr val="accent1"/>
+                </a:solidFill>
+              </a14:hiddenFill>
+            </a:ext>
+            <a:ext uri="{91240B29-F687-4F45-9708-019B960494DF}">
+              <a14:hiddenLine xmlns:a14="http://schemas.microsoft.com/office/drawing/2010/main" w="9525">
+                <a:solidFill>
+                  <a:schemeClr val="tx1"/>
+                </a:solidFill>
+                <a:miter lim="800000"/>
+                <a:headEnd/>
+                <a:tailEnd/>
+              </a14:hiddenLine>
+            </a:ext>
+            <a:ext uri="{AF507438-7753-43E0-B8FC-AC1667EBCBE1}">
+              <a14:hiddenEffects xmlns:a14="http://schemas.microsoft.com/office/drawing/2010/main">
+                <a:effectLst>
+                  <a:outerShdw dist="35921" dir="2700000" algn="ctr" rotWithShape="0">
+                    <a:schemeClr val="bg2"/>
+                  </a:outerShdw>
+                </a:effectLst>
+              </a14:hiddenEffects>
+            </a:ext>
+          </a:extLst>
+        </p:spPr>
+        <p:txBody>
+          <a:bodyPr vert="horz" wrap="none" lIns="91440" tIns="45720" rIns="91440" bIns="45720" numCol="1" anchor="ctr" anchorCtr="0" compatLnSpc="1">
+            <a:prstTxWarp prst="textNoShape">
+              <a:avLst/>
+            </a:prstTxWarp>
+            <a:spAutoFit/>
+          </a:bodyPr>
+          <a:lstStyle/>
+          <a:p>
+            <a:pPr algn="ctr">
+              <a:lnSpc>
+                <a:spcPct val="150000"/>
+              </a:lnSpc>
+            </a:pPr>
+            <a:r>
+              <a:rPr lang="en-US" sz="2400" b="0" i="0" dirty="0">
+                <a:solidFill>
+                  <a:schemeClr val="accent1"/>
+                </a:solidFill>
+                <a:effectLst/>
+                <a:latin typeface="Century Gothic" panose="020B0502020202020204" pitchFamily="34" charset="0"/>
+              </a:rPr>
+              <a:t>(XOR) Must be valid against </a:t>
+            </a:r>
+            <a:r>
+              <a:rPr lang="en-US" sz="2400" b="1" dirty="0">
+                <a:solidFill>
+                  <a:schemeClr val="accent1"/>
+                </a:solidFill>
+                <a:effectLst/>
+                <a:latin typeface="Century Gothic" panose="020B0502020202020204" pitchFamily="34" charset="0"/>
+              </a:rPr>
+              <a:t>exactly</a:t>
+            </a:r>
+            <a:r>
+              <a:rPr lang="en-US" sz="2400" b="0" i="1" dirty="0">
+                <a:solidFill>
+                  <a:schemeClr val="accent1"/>
+                </a:solidFill>
+                <a:effectLst/>
+                <a:latin typeface="Century Gothic" panose="020B0502020202020204" pitchFamily="34" charset="0"/>
+              </a:rPr>
+              <a:t> </a:t>
+            </a:r>
+            <a:r>
+              <a:rPr lang="en-US" sz="2400" b="1" dirty="0">
+                <a:solidFill>
+                  <a:schemeClr val="accent1"/>
+                </a:solidFill>
+                <a:effectLst/>
+                <a:latin typeface="Century Gothic" panose="020B0502020202020204" pitchFamily="34" charset="0"/>
+              </a:rPr>
+              <a:t>one</a:t>
+            </a:r>
+            <a:r>
+              <a:rPr lang="en-US" sz="2400" b="0" i="0" dirty="0">
+                <a:solidFill>
+                  <a:schemeClr val="accent1"/>
+                </a:solidFill>
+                <a:effectLst/>
+                <a:latin typeface="Century Gothic" panose="020B0502020202020204" pitchFamily="34" charset="0"/>
+              </a:rPr>
+              <a:t> of the sub schemas</a:t>
+            </a:r>
+          </a:p>
+        </p:txBody>
+      </p:sp>
+      <p:sp>
+        <p:nvSpPr>
+          <p:cNvPr id="2" name="Rectangle 2">
+            <a:extLst>
+              <a:ext uri="{FF2B5EF4-FFF2-40B4-BE49-F238E27FC236}">
+                <a16:creationId xmlns:a16="http://schemas.microsoft.com/office/drawing/2014/main" id="{96CFAF3D-8C74-1865-CD2F-33345A3BA1EC}"/>
+              </a:ext>
+            </a:extLst>
+          </p:cNvPr>
+          <p:cNvSpPr>
+            <a:spLocks noChangeArrowheads="1"/>
+          </p:cNvSpPr>
+          <p:nvPr/>
+        </p:nvSpPr>
+        <p:spPr bwMode="auto">
+          <a:xfrm>
+            <a:off x="863477" y="2514690"/>
+            <a:ext cx="1079142" cy="656718"/>
+          </a:xfrm>
+          <a:prstGeom prst="rect">
+            <a:avLst/>
+          </a:prstGeom>
+          <a:noFill/>
+          <a:ln>
+            <a:noFill/>
+          </a:ln>
+          <a:effectLst/>
+          <a:extLst>
+            <a:ext uri="{909E8E84-426E-40DD-AFC4-6F175D3DCCD1}">
+              <a14:hiddenFill xmlns:a14="http://schemas.microsoft.com/office/drawing/2010/main">
+                <a:solidFill>
+                  <a:schemeClr val="accent1"/>
+                </a:solidFill>
+              </a14:hiddenFill>
+            </a:ext>
+            <a:ext uri="{91240B29-F687-4F45-9708-019B960494DF}">
+              <a14:hiddenLine xmlns:a14="http://schemas.microsoft.com/office/drawing/2010/main" w="9525">
+                <a:solidFill>
+                  <a:schemeClr val="tx1"/>
+                </a:solidFill>
+                <a:miter lim="800000"/>
+                <a:headEnd/>
+                <a:tailEnd/>
+              </a14:hiddenLine>
+            </a:ext>
+            <a:ext uri="{AF507438-7753-43E0-B8FC-AC1667EBCBE1}">
+              <a14:hiddenEffects xmlns:a14="http://schemas.microsoft.com/office/drawing/2010/main">
+                <a:effectLst>
+                  <a:outerShdw dist="35921" dir="2700000" algn="ctr" rotWithShape="0">
+                    <a:schemeClr val="bg2"/>
+                  </a:outerShdw>
+                </a:effectLst>
+              </a14:hiddenEffects>
+            </a:ext>
+          </a:extLst>
+        </p:spPr>
+        <p:txBody>
+          <a:bodyPr vert="horz" wrap="none" lIns="91440" tIns="45720" rIns="91440" bIns="45720" numCol="1" anchor="ctr" anchorCtr="0" compatLnSpc="1">
+            <a:prstTxWarp prst="textNoShape">
+              <a:avLst/>
+            </a:prstTxWarp>
+            <a:spAutoFit/>
+          </a:bodyPr>
+          <a:lstStyle/>
+          <a:p>
+            <a:pPr algn="ctr">
+              <a:lnSpc>
+                <a:spcPct val="150000"/>
+              </a:lnSpc>
+            </a:pPr>
+            <a:r>
+              <a:rPr lang="en-US" sz="2400" i="0" u="none" strike="noStrike" dirty="0">
+                <a:solidFill>
+                  <a:schemeClr val="accent2"/>
+                </a:solidFill>
+                <a:effectLst/>
+                <a:latin typeface="Century Gothic" panose="020B0502020202020204" pitchFamily="34" charset="0"/>
+              </a:rPr>
+              <a:t>allOf</a:t>
+            </a:r>
+            <a:r>
+              <a:rPr lang="en-US" sz="2800" b="0" i="0" dirty="0">
+                <a:solidFill>
+                  <a:schemeClr val="accent1"/>
+                </a:solidFill>
+                <a:effectLst/>
+                <a:latin typeface="Century Gothic" panose="020B0502020202020204" pitchFamily="34" charset="0"/>
+              </a:rPr>
+              <a:t>: </a:t>
+            </a:r>
+            <a:endParaRPr lang="tr-TR" sz="2800" b="0" i="0" dirty="0">
+              <a:solidFill>
+                <a:schemeClr val="accent1"/>
+              </a:solidFill>
+              <a:effectLst/>
+              <a:latin typeface="Century Gothic" panose="020B0502020202020204" pitchFamily="34" charset="0"/>
+            </a:endParaRPr>
+          </a:p>
+        </p:txBody>
+      </p:sp>
+      <p:sp>
+        <p:nvSpPr>
+          <p:cNvPr id="5" name="Rectangle 2">
+            <a:extLst>
+              <a:ext uri="{FF2B5EF4-FFF2-40B4-BE49-F238E27FC236}">
+                <a16:creationId xmlns:a16="http://schemas.microsoft.com/office/drawing/2014/main" id="{D8B990BC-9742-F6E2-A2A9-E19D4BD88553}"/>
+              </a:ext>
+            </a:extLst>
+          </p:cNvPr>
+          <p:cNvSpPr>
+            <a:spLocks noChangeArrowheads="1"/>
+          </p:cNvSpPr>
+          <p:nvPr/>
+        </p:nvSpPr>
+        <p:spPr bwMode="auto">
+          <a:xfrm>
+            <a:off x="2158571" y="2572239"/>
+            <a:ext cx="7712368" cy="575863"/>
+          </a:xfrm>
+          <a:prstGeom prst="rect">
+            <a:avLst/>
+          </a:prstGeom>
+          <a:noFill/>
+          <a:ln>
+            <a:noFill/>
+          </a:ln>
+          <a:effectLst/>
+          <a:extLst>
+            <a:ext uri="{909E8E84-426E-40DD-AFC4-6F175D3DCCD1}">
+              <a14:hiddenFill xmlns:a14="http://schemas.microsoft.com/office/drawing/2010/main">
+                <a:solidFill>
+                  <a:schemeClr val="accent1"/>
+                </a:solidFill>
+              </a14:hiddenFill>
+            </a:ext>
+            <a:ext uri="{91240B29-F687-4F45-9708-019B960494DF}">
+              <a14:hiddenLine xmlns:a14="http://schemas.microsoft.com/office/drawing/2010/main" w="9525">
+                <a:solidFill>
+                  <a:schemeClr val="tx1"/>
+                </a:solidFill>
+                <a:miter lim="800000"/>
+                <a:headEnd/>
+                <a:tailEnd/>
+              </a14:hiddenLine>
+            </a:ext>
+            <a:ext uri="{AF507438-7753-43E0-B8FC-AC1667EBCBE1}">
+              <a14:hiddenEffects xmlns:a14="http://schemas.microsoft.com/office/drawing/2010/main">
+                <a:effectLst>
+                  <a:outerShdw dist="35921" dir="2700000" algn="ctr" rotWithShape="0">
+                    <a:schemeClr val="bg2"/>
+                  </a:outerShdw>
+                </a:effectLst>
+              </a14:hiddenEffects>
+            </a:ext>
+          </a:extLst>
+        </p:spPr>
+        <p:txBody>
+          <a:bodyPr vert="horz" wrap="none" lIns="91440" tIns="45720" rIns="91440" bIns="45720" numCol="1" anchor="ctr" anchorCtr="0" compatLnSpc="1">
+            <a:prstTxWarp prst="textNoShape">
+              <a:avLst/>
+            </a:prstTxWarp>
+            <a:spAutoFit/>
+          </a:bodyPr>
+          <a:lstStyle/>
+          <a:p>
+            <a:pPr algn="ctr">
+              <a:lnSpc>
+                <a:spcPct val="150000"/>
+              </a:lnSpc>
+            </a:pPr>
+            <a:r>
+              <a:rPr lang="en-US" sz="2400" b="0" i="0" dirty="0">
+                <a:solidFill>
+                  <a:schemeClr val="accent1"/>
+                </a:solidFill>
+                <a:effectLst/>
+                <a:latin typeface="Century Gothic" panose="020B0502020202020204" pitchFamily="34" charset="0"/>
+              </a:rPr>
+              <a:t>(AND) Must be valid against </a:t>
+            </a:r>
+            <a:r>
+              <a:rPr lang="en-US" sz="2400" b="1" dirty="0">
+                <a:solidFill>
+                  <a:schemeClr val="accent1"/>
+                </a:solidFill>
+                <a:effectLst/>
+                <a:latin typeface="Century Gothic" panose="020B0502020202020204" pitchFamily="34" charset="0"/>
+              </a:rPr>
+              <a:t>all</a:t>
+            </a:r>
+            <a:r>
+              <a:rPr lang="en-US" sz="2400" b="0" i="0" dirty="0">
+                <a:solidFill>
+                  <a:schemeClr val="accent1"/>
+                </a:solidFill>
+                <a:effectLst/>
+                <a:latin typeface="Century Gothic" panose="020B0502020202020204" pitchFamily="34" charset="0"/>
+              </a:rPr>
+              <a:t> of the sub schemas</a:t>
+            </a:r>
+          </a:p>
+        </p:txBody>
+      </p:sp>
+      <p:sp>
+        <p:nvSpPr>
+          <p:cNvPr id="6" name="Rectangle 2">
+            <a:extLst>
+              <a:ext uri="{FF2B5EF4-FFF2-40B4-BE49-F238E27FC236}">
+                <a16:creationId xmlns:a16="http://schemas.microsoft.com/office/drawing/2014/main" id="{9ADD635B-55FC-8821-816B-382ED37E123A}"/>
+              </a:ext>
+            </a:extLst>
+          </p:cNvPr>
+          <p:cNvSpPr>
+            <a:spLocks noChangeArrowheads="1"/>
+          </p:cNvSpPr>
+          <p:nvPr/>
+        </p:nvSpPr>
+        <p:spPr bwMode="auto">
+          <a:xfrm>
+            <a:off x="858294" y="3450404"/>
+            <a:ext cx="1196161" cy="576120"/>
+          </a:xfrm>
+          <a:prstGeom prst="rect">
+            <a:avLst/>
+          </a:prstGeom>
+          <a:noFill/>
+          <a:ln>
+            <a:noFill/>
+          </a:ln>
+          <a:effectLst/>
+          <a:extLst>
+            <a:ext uri="{909E8E84-426E-40DD-AFC4-6F175D3DCCD1}">
+              <a14:hiddenFill xmlns:a14="http://schemas.microsoft.com/office/drawing/2010/main">
+                <a:solidFill>
+                  <a:schemeClr val="accent1"/>
+                </a:solidFill>
+              </a14:hiddenFill>
+            </a:ext>
+            <a:ext uri="{91240B29-F687-4F45-9708-019B960494DF}">
+              <a14:hiddenLine xmlns:a14="http://schemas.microsoft.com/office/drawing/2010/main" w="9525">
+                <a:solidFill>
+                  <a:schemeClr val="tx1"/>
+                </a:solidFill>
+                <a:miter lim="800000"/>
+                <a:headEnd/>
+                <a:tailEnd/>
+              </a14:hiddenLine>
+            </a:ext>
+            <a:ext uri="{AF507438-7753-43E0-B8FC-AC1667EBCBE1}">
+              <a14:hiddenEffects xmlns:a14="http://schemas.microsoft.com/office/drawing/2010/main">
+                <a:effectLst>
+                  <a:outerShdw dist="35921" dir="2700000" algn="ctr" rotWithShape="0">
+                    <a:schemeClr val="bg2"/>
+                  </a:outerShdw>
+                </a:effectLst>
+              </a14:hiddenEffects>
+            </a:ext>
+          </a:extLst>
+        </p:spPr>
+        <p:txBody>
+          <a:bodyPr vert="horz" wrap="none" lIns="91440" tIns="45720" rIns="91440" bIns="45720" numCol="1" anchor="ctr" anchorCtr="0" compatLnSpc="1">
+            <a:prstTxWarp prst="textNoShape">
+              <a:avLst/>
+            </a:prstTxWarp>
+            <a:spAutoFit/>
+          </a:bodyPr>
+          <a:lstStyle/>
+          <a:p>
+            <a:pPr algn="ctr">
+              <a:lnSpc>
+                <a:spcPct val="150000"/>
+              </a:lnSpc>
+            </a:pPr>
+            <a:r>
+              <a:rPr lang="en-US" sz="2400" b="0" i="0" u="none" strike="noStrike" dirty="0" err="1">
+                <a:solidFill>
+                  <a:schemeClr val="accent2"/>
+                </a:solidFill>
+                <a:effectLst/>
+                <a:latin typeface="Century Gothic" panose="020B0502020202020204" pitchFamily="34" charset="0"/>
+              </a:rPr>
+              <a:t>anyOf</a:t>
+            </a:r>
+            <a:r>
+              <a:rPr lang="en-US" sz="2400" b="0" i="0" dirty="0">
+                <a:solidFill>
+                  <a:schemeClr val="accent1"/>
+                </a:solidFill>
+                <a:effectLst/>
+                <a:latin typeface="Century Gothic" panose="020B0502020202020204" pitchFamily="34" charset="0"/>
+              </a:rPr>
+              <a:t>:</a:t>
+            </a:r>
+          </a:p>
+        </p:txBody>
+      </p:sp>
+      <p:sp>
+        <p:nvSpPr>
+          <p:cNvPr id="7" name="Rectangle 2">
+            <a:extLst>
+              <a:ext uri="{FF2B5EF4-FFF2-40B4-BE49-F238E27FC236}">
+                <a16:creationId xmlns:a16="http://schemas.microsoft.com/office/drawing/2014/main" id="{7AA9BEE5-601C-730D-7080-436C50DF6BC1}"/>
+              </a:ext>
+            </a:extLst>
+          </p:cNvPr>
+          <p:cNvSpPr>
+            <a:spLocks noChangeArrowheads="1"/>
+          </p:cNvSpPr>
+          <p:nvPr/>
+        </p:nvSpPr>
+        <p:spPr bwMode="auto">
+          <a:xfrm>
+            <a:off x="2158077" y="3450404"/>
+            <a:ext cx="7697941" cy="575863"/>
+          </a:xfrm>
+          <a:prstGeom prst="rect">
+            <a:avLst/>
+          </a:prstGeom>
+          <a:noFill/>
+          <a:ln>
+            <a:noFill/>
+          </a:ln>
+          <a:effectLst/>
+          <a:extLst>
+            <a:ext uri="{909E8E84-426E-40DD-AFC4-6F175D3DCCD1}">
+              <a14:hiddenFill xmlns:a14="http://schemas.microsoft.com/office/drawing/2010/main">
+                <a:solidFill>
+                  <a:schemeClr val="accent1"/>
+                </a:solidFill>
+              </a14:hiddenFill>
+            </a:ext>
+            <a:ext uri="{91240B29-F687-4F45-9708-019B960494DF}">
+              <a14:hiddenLine xmlns:a14="http://schemas.microsoft.com/office/drawing/2010/main" w="9525">
+                <a:solidFill>
+                  <a:schemeClr val="tx1"/>
+                </a:solidFill>
+                <a:miter lim="800000"/>
+                <a:headEnd/>
+                <a:tailEnd/>
+              </a14:hiddenLine>
+            </a:ext>
+            <a:ext uri="{AF507438-7753-43E0-B8FC-AC1667EBCBE1}">
+              <a14:hiddenEffects xmlns:a14="http://schemas.microsoft.com/office/drawing/2010/main">
+                <a:effectLst>
+                  <a:outerShdw dist="35921" dir="2700000" algn="ctr" rotWithShape="0">
+                    <a:schemeClr val="bg2"/>
+                  </a:outerShdw>
+                </a:effectLst>
+              </a14:hiddenEffects>
+            </a:ext>
+          </a:extLst>
+        </p:spPr>
+        <p:txBody>
+          <a:bodyPr vert="horz" wrap="none" lIns="91440" tIns="45720" rIns="91440" bIns="45720" numCol="1" anchor="ctr" anchorCtr="0" compatLnSpc="1">
+            <a:prstTxWarp prst="textNoShape">
+              <a:avLst/>
+            </a:prstTxWarp>
+            <a:spAutoFit/>
+          </a:bodyPr>
+          <a:lstStyle/>
+          <a:p>
+            <a:pPr algn="ctr">
+              <a:lnSpc>
+                <a:spcPct val="150000"/>
+              </a:lnSpc>
+            </a:pPr>
+            <a:r>
+              <a:rPr lang="en-US" sz="2400" b="0" i="0" dirty="0">
+                <a:solidFill>
+                  <a:schemeClr val="accent1"/>
+                </a:solidFill>
+                <a:effectLst/>
+                <a:latin typeface="Century Gothic" panose="020B0502020202020204" pitchFamily="34" charset="0"/>
+              </a:rPr>
+              <a:t>(OR) Must be valid against </a:t>
+            </a:r>
+            <a:r>
+              <a:rPr lang="en-US" sz="2400" b="1" dirty="0">
+                <a:solidFill>
+                  <a:schemeClr val="accent1"/>
+                </a:solidFill>
+                <a:effectLst/>
+                <a:latin typeface="Century Gothic" panose="020B0502020202020204" pitchFamily="34" charset="0"/>
+              </a:rPr>
+              <a:t>any</a:t>
+            </a:r>
+            <a:r>
+              <a:rPr lang="en-US" sz="2400" b="0" i="0" dirty="0">
+                <a:solidFill>
+                  <a:schemeClr val="accent1"/>
+                </a:solidFill>
+                <a:effectLst/>
+                <a:latin typeface="Century Gothic" panose="020B0502020202020204" pitchFamily="34" charset="0"/>
+              </a:rPr>
+              <a:t> of the sub schemas</a:t>
+            </a:r>
+          </a:p>
+        </p:txBody>
+      </p:sp>
+      <p:sp>
+        <p:nvSpPr>
+          <p:cNvPr id="8" name="Rectangle 2">
+            <a:extLst>
+              <a:ext uri="{FF2B5EF4-FFF2-40B4-BE49-F238E27FC236}">
+                <a16:creationId xmlns:a16="http://schemas.microsoft.com/office/drawing/2014/main" id="{A2CD51E7-73CB-5AA0-3FF0-88411D83286F}"/>
+              </a:ext>
+            </a:extLst>
+          </p:cNvPr>
+          <p:cNvSpPr>
+            <a:spLocks noChangeArrowheads="1"/>
+          </p:cNvSpPr>
+          <p:nvPr/>
+        </p:nvSpPr>
+        <p:spPr bwMode="auto">
+          <a:xfrm>
+            <a:off x="858294" y="4305521"/>
+            <a:ext cx="1237839" cy="656718"/>
+          </a:xfrm>
+          <a:prstGeom prst="rect">
+            <a:avLst/>
+          </a:prstGeom>
+          <a:noFill/>
+          <a:ln>
+            <a:noFill/>
+          </a:ln>
+          <a:effectLst/>
+          <a:extLst>
+            <a:ext uri="{909E8E84-426E-40DD-AFC4-6F175D3DCCD1}">
+              <a14:hiddenFill xmlns:a14="http://schemas.microsoft.com/office/drawing/2010/main">
+                <a:solidFill>
+                  <a:schemeClr val="accent1"/>
+                </a:solidFill>
+              </a14:hiddenFill>
+            </a:ext>
+            <a:ext uri="{91240B29-F687-4F45-9708-019B960494DF}">
+              <a14:hiddenLine xmlns:a14="http://schemas.microsoft.com/office/drawing/2010/main" w="9525">
+                <a:solidFill>
+                  <a:schemeClr val="tx1"/>
+                </a:solidFill>
+                <a:miter lim="800000"/>
+                <a:headEnd/>
+                <a:tailEnd/>
+              </a14:hiddenLine>
+            </a:ext>
+            <a:ext uri="{AF507438-7753-43E0-B8FC-AC1667EBCBE1}">
+              <a14:hiddenEffects xmlns:a14="http://schemas.microsoft.com/office/drawing/2010/main">
+                <a:effectLst>
+                  <a:outerShdw dist="35921" dir="2700000" algn="ctr" rotWithShape="0">
+                    <a:schemeClr val="bg2"/>
+                  </a:outerShdw>
+                </a:effectLst>
+              </a14:hiddenEffects>
+            </a:ext>
+          </a:extLst>
+        </p:spPr>
+        <p:txBody>
+          <a:bodyPr vert="horz" wrap="none" lIns="91440" tIns="45720" rIns="91440" bIns="45720" numCol="1" anchor="ctr" anchorCtr="0" compatLnSpc="1">
+            <a:prstTxWarp prst="textNoShape">
+              <a:avLst/>
+            </a:prstTxWarp>
+            <a:spAutoFit/>
+          </a:bodyPr>
+          <a:lstStyle/>
+          <a:p>
+            <a:pPr algn="ctr">
+              <a:lnSpc>
+                <a:spcPct val="150000"/>
+              </a:lnSpc>
+            </a:pPr>
+            <a:r>
+              <a:rPr lang="en-US" sz="2400" b="0" i="0" u="none" strike="noStrike" dirty="0" err="1">
+                <a:solidFill>
+                  <a:schemeClr val="accent2"/>
+                </a:solidFill>
+                <a:effectLst/>
+                <a:latin typeface="Century Gothic" panose="020B0502020202020204" pitchFamily="34" charset="0"/>
+              </a:rPr>
+              <a:t>oneOf</a:t>
+            </a:r>
+            <a:r>
+              <a:rPr lang="en-US" sz="2800" b="0" i="0" dirty="0">
+                <a:solidFill>
+                  <a:schemeClr val="accent1"/>
+                </a:solidFill>
+                <a:effectLst/>
+                <a:latin typeface="Century Gothic" panose="020B0502020202020204" pitchFamily="34" charset="0"/>
+              </a:rPr>
+              <a:t>:</a:t>
+            </a:r>
+          </a:p>
+        </p:txBody>
+      </p:sp>
+      <p:sp>
+        <p:nvSpPr>
+          <p:cNvPr id="4" name="Rectangle 2">
+            <a:extLst>
+              <a:ext uri="{FF2B5EF4-FFF2-40B4-BE49-F238E27FC236}">
+                <a16:creationId xmlns:a16="http://schemas.microsoft.com/office/drawing/2014/main" id="{4FE9AB2B-7345-55F8-7E4F-7050C248621F}"/>
+              </a:ext>
+            </a:extLst>
+          </p:cNvPr>
+          <p:cNvSpPr>
+            <a:spLocks noChangeArrowheads="1"/>
+          </p:cNvSpPr>
+          <p:nvPr/>
+        </p:nvSpPr>
+        <p:spPr bwMode="auto">
+          <a:xfrm>
+            <a:off x="860054" y="5222711"/>
+            <a:ext cx="777777" cy="656718"/>
+          </a:xfrm>
+          <a:prstGeom prst="rect">
+            <a:avLst/>
+          </a:prstGeom>
+          <a:noFill/>
+          <a:ln>
+            <a:noFill/>
+          </a:ln>
+          <a:effectLst/>
+          <a:extLst>
+            <a:ext uri="{909E8E84-426E-40DD-AFC4-6F175D3DCCD1}">
+              <a14:hiddenFill xmlns:a14="http://schemas.microsoft.com/office/drawing/2010/main">
+                <a:solidFill>
+                  <a:schemeClr val="accent1"/>
+                </a:solidFill>
+              </a14:hiddenFill>
+            </a:ext>
+            <a:ext uri="{91240B29-F687-4F45-9708-019B960494DF}">
+              <a14:hiddenLine xmlns:a14="http://schemas.microsoft.com/office/drawing/2010/main" w="9525">
+                <a:solidFill>
+                  <a:schemeClr val="tx1"/>
+                </a:solidFill>
+                <a:miter lim="800000"/>
+                <a:headEnd/>
+                <a:tailEnd/>
+              </a14:hiddenLine>
+            </a:ext>
+            <a:ext uri="{AF507438-7753-43E0-B8FC-AC1667EBCBE1}">
+              <a14:hiddenEffects xmlns:a14="http://schemas.microsoft.com/office/drawing/2010/main">
+                <a:effectLst>
+                  <a:outerShdw dist="35921" dir="2700000" algn="ctr" rotWithShape="0">
+                    <a:schemeClr val="bg2"/>
+                  </a:outerShdw>
+                </a:effectLst>
+              </a14:hiddenEffects>
+            </a:ext>
+          </a:extLst>
+        </p:spPr>
+        <p:txBody>
+          <a:bodyPr vert="horz" wrap="none" lIns="91440" tIns="45720" rIns="91440" bIns="45720" numCol="1" anchor="ctr" anchorCtr="0" compatLnSpc="1">
+            <a:prstTxWarp prst="textNoShape">
+              <a:avLst/>
+            </a:prstTxWarp>
+            <a:spAutoFit/>
+          </a:bodyPr>
+          <a:lstStyle/>
+          <a:p>
+            <a:pPr algn="ctr">
+              <a:lnSpc>
+                <a:spcPct val="150000"/>
+              </a:lnSpc>
+            </a:pPr>
+            <a:r>
+              <a:rPr lang="en-US" sz="2400" b="0" i="0" u="none" strike="noStrike" dirty="0">
+                <a:solidFill>
+                  <a:schemeClr val="accent2"/>
+                </a:solidFill>
+                <a:effectLst/>
+                <a:latin typeface="Century Gothic" panose="020B0502020202020204" pitchFamily="34" charset="0"/>
+              </a:rPr>
+              <a:t>not</a:t>
+            </a:r>
+            <a:r>
+              <a:rPr lang="en-US" sz="2800" b="0" i="0" dirty="0">
+                <a:solidFill>
+                  <a:schemeClr val="accent1"/>
+                </a:solidFill>
+                <a:effectLst/>
+                <a:latin typeface="Century Gothic" panose="020B0502020202020204" pitchFamily="34" charset="0"/>
+              </a:rPr>
+              <a:t>:</a:t>
+            </a:r>
+          </a:p>
+        </p:txBody>
+      </p:sp>
+      <p:sp>
+        <p:nvSpPr>
+          <p:cNvPr id="9" name="Rectangle 2">
+            <a:extLst>
+              <a:ext uri="{FF2B5EF4-FFF2-40B4-BE49-F238E27FC236}">
+                <a16:creationId xmlns:a16="http://schemas.microsoft.com/office/drawing/2014/main" id="{60000A03-D7A3-E2AE-9BF0-29610DD79798}"/>
+              </a:ext>
+            </a:extLst>
+          </p:cNvPr>
+          <p:cNvSpPr>
+            <a:spLocks noChangeArrowheads="1"/>
+          </p:cNvSpPr>
+          <p:nvPr/>
+        </p:nvSpPr>
+        <p:spPr bwMode="auto">
+          <a:xfrm>
+            <a:off x="2158077" y="5263010"/>
+            <a:ext cx="7925568" cy="576120"/>
+          </a:xfrm>
+          <a:prstGeom prst="rect">
+            <a:avLst/>
+          </a:prstGeom>
+          <a:noFill/>
+          <a:ln>
+            <a:noFill/>
+          </a:ln>
+          <a:effectLst/>
+          <a:extLst>
+            <a:ext uri="{909E8E84-426E-40DD-AFC4-6F175D3DCCD1}">
+              <a14:hiddenFill xmlns:a14="http://schemas.microsoft.com/office/drawing/2010/main">
+                <a:solidFill>
+                  <a:schemeClr val="accent1"/>
+                </a:solidFill>
+              </a14:hiddenFill>
+            </a:ext>
+            <a:ext uri="{91240B29-F687-4F45-9708-019B960494DF}">
+              <a14:hiddenLine xmlns:a14="http://schemas.microsoft.com/office/drawing/2010/main" w="9525">
+                <a:solidFill>
+                  <a:schemeClr val="tx1"/>
+                </a:solidFill>
+                <a:miter lim="800000"/>
+                <a:headEnd/>
+                <a:tailEnd/>
+              </a14:hiddenLine>
+            </a:ext>
+            <a:ext uri="{AF507438-7753-43E0-B8FC-AC1667EBCBE1}">
+              <a14:hiddenEffects xmlns:a14="http://schemas.microsoft.com/office/drawing/2010/main">
+                <a:effectLst>
+                  <a:outerShdw dist="35921" dir="2700000" algn="ctr" rotWithShape="0">
+                    <a:schemeClr val="bg2"/>
+                  </a:outerShdw>
+                </a:effectLst>
+              </a14:hiddenEffects>
+            </a:ext>
+          </a:extLst>
+        </p:spPr>
+        <p:txBody>
+          <a:bodyPr vert="horz" wrap="none" lIns="91440" tIns="45720" rIns="91440" bIns="45720" numCol="1" anchor="ctr" anchorCtr="0" compatLnSpc="1">
+            <a:prstTxWarp prst="textNoShape">
+              <a:avLst/>
+            </a:prstTxWarp>
+            <a:spAutoFit/>
+          </a:bodyPr>
+          <a:lstStyle/>
+          <a:p>
+            <a:pPr algn="ctr">
+              <a:lnSpc>
+                <a:spcPct val="150000"/>
+              </a:lnSpc>
+            </a:pPr>
+            <a:r>
+              <a:rPr lang="en-US" sz="2400" b="0" i="0" dirty="0">
+                <a:solidFill>
+                  <a:schemeClr val="accent1"/>
+                </a:solidFill>
+                <a:effectLst/>
+                <a:latin typeface="Century Gothic" panose="020B0502020202020204" pitchFamily="34" charset="0"/>
+              </a:rPr>
+              <a:t>(NOT) Must be </a:t>
+            </a:r>
+            <a:r>
+              <a:rPr lang="en-US" sz="2400" b="1" i="0" dirty="0">
+                <a:solidFill>
+                  <a:schemeClr val="accent1"/>
+                </a:solidFill>
+                <a:effectLst/>
+                <a:latin typeface="Century Gothic" panose="020B0502020202020204" pitchFamily="34" charset="0"/>
+              </a:rPr>
+              <a:t>invalid</a:t>
+            </a:r>
+            <a:r>
+              <a:rPr lang="en-US" sz="2400" b="0" i="0" dirty="0">
+                <a:solidFill>
+                  <a:schemeClr val="accent1"/>
+                </a:solidFill>
+                <a:effectLst/>
+                <a:latin typeface="Century Gothic" panose="020B0502020202020204" pitchFamily="34" charset="0"/>
+              </a:rPr>
+              <a:t> against the given sub schema</a:t>
+            </a:r>
+          </a:p>
+        </p:txBody>
+      </p:sp>
+    </p:spTree>
+    <p:extLst>
+      <p:ext uri="{BB962C8B-B14F-4D97-AF65-F5344CB8AC3E}">
+        <p14:creationId xmlns:p14="http://schemas.microsoft.com/office/powerpoint/2010/main" val="70550124"/>
+      </p:ext>
+    </p:extLst>
+  </p:cSld>
+  <p:clrMapOvr>
+    <a:masterClrMapping/>
+  </p:clrMapOvr>
+  <mc:AlternateContent xmlns:mc="http://schemas.openxmlformats.org/markup-compatibility/2006">
+    <mc:Choice xmlns:p14="http://schemas.microsoft.com/office/powerpoint/2010/main" Requires="p14">
+      <p:transition spd="slow" p14:dur="2000" advClick="0" advTm="11000">
+        <p:push dir="u"/>
+      </p:transition>
+    </mc:Choice>
+    <mc:Fallback>
+      <p:transition spd="slow" advClick="0" advTm="11000">
+        <p:push dir="u"/>
+      </p:transition>
+    </mc:Fallback>
+  </mc:AlternateContent>
+  <p:timing>
+    <p:tnLst>
+      <p:par>
+        <p:cTn id="1" dur="indefinite" restart="never" nodeType="tmRoot">
+          <p:childTnLst>
+            <p:seq concurrent="1" nextAc="seek">
+              <p:cTn id="2" dur="indefinite" nodeType="mainSeq">
+                <p:childTnLst>
+                  <p:par>
+                    <p:cTn id="3" fill="hold">
+                      <p:stCondLst>
+                        <p:cond delay="indefinite"/>
+                        <p:cond evt="onBegin" delay="0">
+                          <p:tn val="2"/>
+                        </p:cond>
+                      </p:stCondLst>
+                      <p:childTnLst>
+                        <p:par>
+                          <p:cTn id="4" fill="hold">
+                            <p:stCondLst>
+                              <p:cond delay="0"/>
+                            </p:stCondLst>
+                            <p:childTnLst>
+                              <p:par>
+                                <p:cTn id="5" presetID="10" presetClass="entr" presetSubtype="0" fill="hold" grpId="0" nodeType="withEffect">
+                                  <p:stCondLst>
+                                    <p:cond delay="0"/>
+                                  </p:stCondLst>
+                                  <p:childTnLst>
+                                    <p:set>
+                                      <p:cBhvr>
+                                        <p:cTn id="6" dur="1" fill="hold">
+                                          <p:stCondLst>
+                                            <p:cond delay="0"/>
+                                          </p:stCondLst>
+                                        </p:cTn>
+                                        <p:tgtEl>
+                                          <p:spTgt spid="10"/>
+                                        </p:tgtEl>
+                                        <p:attrNameLst>
+                                          <p:attrName>style.visibility</p:attrName>
+                                        </p:attrNameLst>
+                                      </p:cBhvr>
+                                      <p:to>
+                                        <p:strVal val="visible"/>
+                                      </p:to>
+                                    </p:set>
+                                    <p:animEffect transition="in" filter="fade">
+                                      <p:cBhvr>
+                                        <p:cTn id="7" dur="500"/>
+                                        <p:tgtEl>
+                                          <p:spTgt spid="10"/>
+                                        </p:tgtEl>
+                                      </p:cBhvr>
+                                    </p:animEffect>
+                                  </p:childTnLst>
+                                </p:cTn>
+                              </p:par>
+                            </p:childTnLst>
+                          </p:cTn>
+                        </p:par>
+                      </p:childTnLst>
+                    </p:cTn>
+                  </p:par>
+                </p:childTnLst>
+              </p:cTn>
+              <p:prevCondLst>
+                <p:cond evt="onPrev" delay="0">
+                  <p:tgtEl>
+                    <p:sldTgt/>
+                  </p:tgtEl>
+                </p:cond>
+              </p:prevCondLst>
+              <p:nextCondLst>
+                <p:cond evt="onNext" delay="0">
+                  <p:tgtEl>
+                    <p:sldTgt/>
+                  </p:tgtEl>
+                </p:cond>
+              </p:nextCondLst>
+            </p:seq>
+          </p:childTnLst>
+        </p:cTn>
+      </p:par>
+    </p:tnLst>
+    <p:bldLst>
+      <p:bldP spid="10" grpId="0" animBg="1"/>
+    </p:bldLst>
+  </p:timing>
+</p:sld>
+</file>
+
+<file path=ppt/slides/slide8.xml><?xml version="1.0" encoding="utf-8"?>
 <p:sld xmlns:a="http://schemas.openxmlformats.org/drawingml/2006/main" xmlns:r="http://schemas.openxmlformats.org/officeDocument/2006/relationships" xmlns:p="http://schemas.openxmlformats.org/presentationml/2006/main">
   <p:cSld>
     <p:spTree>
@@ -20912,7 +24256,7 @@
 </p:sld>
 </file>
 
-<file path=ppt/slides/slide8.xml><?xml version="1.0" encoding="utf-8"?>
+<file path=ppt/slides/slide9.xml><?xml version="1.0" encoding="utf-8"?>
 <p:sld xmlns:a="http://schemas.openxmlformats.org/drawingml/2006/main" xmlns:r="http://schemas.openxmlformats.org/officeDocument/2006/relationships" xmlns:p="http://schemas.openxmlformats.org/presentationml/2006/main">
   <p:cSld>
     <p:spTree>
@@ -23000,2040 +26344,6 @@
 </p:sld>
 </file>
 
-<file path=ppt/slides/slide9.xml><?xml version="1.0" encoding="utf-8"?>
-<p:sld xmlns:a="http://schemas.openxmlformats.org/drawingml/2006/main" xmlns:r="http://schemas.openxmlformats.org/officeDocument/2006/relationships" xmlns:p="http://schemas.openxmlformats.org/presentationml/2006/main">
-  <p:cSld>
-    <p:spTree>
-      <p:nvGrpSpPr>
-        <p:cNvPr id="1" name=""/>
-        <p:cNvGrpSpPr/>
-        <p:nvPr/>
-      </p:nvGrpSpPr>
-      <p:grpSpPr>
-        <a:xfrm>
-          <a:off x="0" y="0"/>
-          <a:ext cx="0" cy="0"/>
-          <a:chOff x="0" y="0"/>
-          <a:chExt cx="0" cy="0"/>
-        </a:xfrm>
-      </p:grpSpPr>
-      <p:sp>
-        <p:nvSpPr>
-          <p:cNvPr id="7" name="Rectangle 6">
-            <a:extLst>
-              <a:ext uri="{FF2B5EF4-FFF2-40B4-BE49-F238E27FC236}">
-                <a16:creationId xmlns:a16="http://schemas.microsoft.com/office/drawing/2014/main" id="{F751D762-3745-26F0-73EB-3098DEE6A123}"/>
-              </a:ext>
-            </a:extLst>
-          </p:cNvPr>
-          <p:cNvSpPr/>
-          <p:nvPr/>
-        </p:nvSpPr>
-        <p:spPr>
-          <a:xfrm>
-            <a:off x="6833062" y="4944016"/>
-            <a:ext cx="4609926" cy="1201188"/>
-          </a:xfrm>
-          <a:prstGeom prst="rect">
-            <a:avLst/>
-          </a:prstGeom>
-          <a:solidFill>
-            <a:schemeClr val="accent3">
-              <a:lumMod val="85000"/>
-            </a:schemeClr>
-          </a:solidFill>
-          <a:ln>
-            <a:noFill/>
-          </a:ln>
-        </p:spPr>
-        <p:style>
-          <a:lnRef idx="2">
-            <a:schemeClr val="accent1">
-              <a:shade val="50000"/>
-            </a:schemeClr>
-          </a:lnRef>
-          <a:fillRef idx="1">
-            <a:schemeClr val="accent1"/>
-          </a:fillRef>
-          <a:effectRef idx="0">
-            <a:schemeClr val="accent1"/>
-          </a:effectRef>
-          <a:fontRef idx="minor">
-            <a:schemeClr val="lt1"/>
-          </a:fontRef>
-        </p:style>
-        <p:txBody>
-          <a:bodyPr rtlCol="0" anchor="ctr"/>
-          <a:lstStyle/>
-          <a:p>
-            <a:pPr algn="ctr"/>
-            <a:endParaRPr lang="en-US" dirty="0"/>
-          </a:p>
-        </p:txBody>
-      </p:sp>
-      <p:sp>
-        <p:nvSpPr>
-          <p:cNvPr id="5" name="Rectangle 4">
-            <a:extLst>
-              <a:ext uri="{FF2B5EF4-FFF2-40B4-BE49-F238E27FC236}">
-                <a16:creationId xmlns:a16="http://schemas.microsoft.com/office/drawing/2014/main" id="{0E3A49AE-C740-7CCF-C4B4-C59F72EB64E5}"/>
-              </a:ext>
-            </a:extLst>
-          </p:cNvPr>
-          <p:cNvSpPr/>
-          <p:nvPr/>
-        </p:nvSpPr>
-        <p:spPr>
-          <a:xfrm>
-            <a:off x="6833062" y="3177198"/>
-            <a:ext cx="4609926" cy="1201188"/>
-          </a:xfrm>
-          <a:prstGeom prst="rect">
-            <a:avLst/>
-          </a:prstGeom>
-          <a:solidFill>
-            <a:schemeClr val="accent3">
-              <a:lumMod val="85000"/>
-            </a:schemeClr>
-          </a:solidFill>
-          <a:ln>
-            <a:noFill/>
-          </a:ln>
-        </p:spPr>
-        <p:style>
-          <a:lnRef idx="2">
-            <a:schemeClr val="accent1">
-              <a:shade val="50000"/>
-            </a:schemeClr>
-          </a:lnRef>
-          <a:fillRef idx="1">
-            <a:schemeClr val="accent1"/>
-          </a:fillRef>
-          <a:effectRef idx="0">
-            <a:schemeClr val="accent1"/>
-          </a:effectRef>
-          <a:fontRef idx="minor">
-            <a:schemeClr val="lt1"/>
-          </a:fontRef>
-        </p:style>
-        <p:txBody>
-          <a:bodyPr rtlCol="0" anchor="ctr"/>
-          <a:lstStyle/>
-          <a:p>
-            <a:pPr algn="ctr"/>
-            <a:endParaRPr lang="en-US" dirty="0"/>
-          </a:p>
-        </p:txBody>
-      </p:sp>
-      <p:sp>
-        <p:nvSpPr>
-          <p:cNvPr id="2" name="Title 1">
-            <a:extLst>
-              <a:ext uri="{FF2B5EF4-FFF2-40B4-BE49-F238E27FC236}">
-                <a16:creationId xmlns:a16="http://schemas.microsoft.com/office/drawing/2014/main" id="{B0B81B83-BE31-2483-081D-980BC6940328}"/>
-              </a:ext>
-            </a:extLst>
-          </p:cNvPr>
-          <p:cNvSpPr>
-            <a:spLocks noGrp="1"/>
-          </p:cNvSpPr>
-          <p:nvPr>
-            <p:ph type="title"/>
-          </p:nvPr>
-        </p:nvSpPr>
-        <p:spPr>
-          <a:xfrm>
-            <a:off x="1270666" y="1460760"/>
-            <a:ext cx="3125736" cy="1325563"/>
-          </a:xfrm>
-        </p:spPr>
-        <p:txBody>
-          <a:bodyPr>
-            <a:normAutofit/>
-          </a:bodyPr>
-          <a:lstStyle/>
-          <a:p>
-            <a:pPr algn="ctr"/>
-            <a:r>
-              <a:rPr lang="tr-TR" sz="2800" dirty="0">
-                <a:solidFill>
-                  <a:schemeClr val="accent1"/>
-                </a:solidFill>
-                <a:latin typeface="Century Gothic" panose="020B0502020202020204" pitchFamily="34" charset="0"/>
-              </a:rPr>
-              <a:t>JSON Schema</a:t>
-            </a:r>
-            <a:endParaRPr lang="en-US" sz="2800" dirty="0">
-              <a:solidFill>
-                <a:schemeClr val="accent1"/>
-              </a:solidFill>
-              <a:latin typeface="Century Gothic" panose="020B0502020202020204" pitchFamily="34" charset="0"/>
-            </a:endParaRPr>
-          </a:p>
-        </p:txBody>
-      </p:sp>
-      <p:sp>
-        <p:nvSpPr>
-          <p:cNvPr id="4" name="Rectangle 3">
-            <a:extLst>
-              <a:ext uri="{FF2B5EF4-FFF2-40B4-BE49-F238E27FC236}">
-                <a16:creationId xmlns:a16="http://schemas.microsoft.com/office/drawing/2014/main" id="{A1F0D262-8456-2143-64C6-3015A7971F94}"/>
-              </a:ext>
-            </a:extLst>
-          </p:cNvPr>
-          <p:cNvSpPr/>
-          <p:nvPr/>
-        </p:nvSpPr>
-        <p:spPr>
-          <a:xfrm>
-            <a:off x="415348" y="2497377"/>
-            <a:ext cx="4836373" cy="3358377"/>
-          </a:xfrm>
-          <a:prstGeom prst="rect">
-            <a:avLst/>
-          </a:prstGeom>
-          <a:solidFill>
-            <a:schemeClr val="bg2">
-              <a:lumMod val="40000"/>
-              <a:lumOff val="60000"/>
-            </a:schemeClr>
-          </a:solidFill>
-          <a:ln>
-            <a:noFill/>
-          </a:ln>
-        </p:spPr>
-        <p:style>
-          <a:lnRef idx="2">
-            <a:schemeClr val="accent1">
-              <a:shade val="50000"/>
-            </a:schemeClr>
-          </a:lnRef>
-          <a:fillRef idx="1">
-            <a:schemeClr val="accent1"/>
-          </a:fillRef>
-          <a:effectRef idx="0">
-            <a:schemeClr val="accent1"/>
-          </a:effectRef>
-          <a:fontRef idx="minor">
-            <a:schemeClr val="lt1"/>
-          </a:fontRef>
-        </p:style>
-        <p:txBody>
-          <a:bodyPr rtlCol="0" anchor="ctr"/>
-          <a:lstStyle/>
-          <a:p>
-            <a:pPr algn="ctr"/>
-            <a:endParaRPr lang="en-US"/>
-          </a:p>
-        </p:txBody>
-      </p:sp>
-      <p:sp>
-        <p:nvSpPr>
-          <p:cNvPr id="6" name="Right Bracket 5">
-            <a:extLst>
-              <a:ext uri="{FF2B5EF4-FFF2-40B4-BE49-F238E27FC236}">
-                <a16:creationId xmlns:a16="http://schemas.microsoft.com/office/drawing/2014/main" id="{822B0B1E-98BA-8BBD-E5D5-74D580067C1B}"/>
-              </a:ext>
-            </a:extLst>
-          </p:cNvPr>
-          <p:cNvSpPr/>
-          <p:nvPr/>
-        </p:nvSpPr>
-        <p:spPr>
-          <a:xfrm>
-            <a:off x="4878235" y="1603717"/>
-            <a:ext cx="781397" cy="4671753"/>
-          </a:xfrm>
-          <a:prstGeom prst="rightBracket">
-            <a:avLst>
-              <a:gd name="adj" fmla="val 0"/>
-            </a:avLst>
-          </a:prstGeom>
-          <a:ln w="38100"/>
-        </p:spPr>
-        <p:style>
-          <a:lnRef idx="1">
-            <a:schemeClr val="accent2"/>
-          </a:lnRef>
-          <a:fillRef idx="0">
-            <a:schemeClr val="accent2"/>
-          </a:fillRef>
-          <a:effectRef idx="0">
-            <a:schemeClr val="accent2"/>
-          </a:effectRef>
-          <a:fontRef idx="minor">
-            <a:schemeClr val="tx1"/>
-          </a:fontRef>
-        </p:style>
-        <p:txBody>
-          <a:bodyPr rtlCol="0" anchor="ctr"/>
-          <a:lstStyle/>
-          <a:p>
-            <a:pPr algn="ctr"/>
-            <a:endParaRPr lang="en-US"/>
-          </a:p>
-        </p:txBody>
-      </p:sp>
-      <p:sp>
-        <p:nvSpPr>
-          <p:cNvPr id="8" name="Rectangle 7">
-            <a:extLst>
-              <a:ext uri="{FF2B5EF4-FFF2-40B4-BE49-F238E27FC236}">
-                <a16:creationId xmlns:a16="http://schemas.microsoft.com/office/drawing/2014/main" id="{18F63BCC-CA54-0E6F-87E6-2563BEF7A5EC}"/>
-              </a:ext>
-            </a:extLst>
-          </p:cNvPr>
-          <p:cNvSpPr/>
-          <p:nvPr/>
-        </p:nvSpPr>
-        <p:spPr>
-          <a:xfrm>
-            <a:off x="6833062" y="1242749"/>
-            <a:ext cx="4609926" cy="1201188"/>
-          </a:xfrm>
-          <a:prstGeom prst="rect">
-            <a:avLst/>
-          </a:prstGeom>
-          <a:solidFill>
-            <a:schemeClr val="accent3">
-              <a:lumMod val="85000"/>
-            </a:schemeClr>
-          </a:solidFill>
-          <a:ln>
-            <a:noFill/>
-          </a:ln>
-        </p:spPr>
-        <p:style>
-          <a:lnRef idx="2">
-            <a:schemeClr val="accent1">
-              <a:shade val="50000"/>
-            </a:schemeClr>
-          </a:lnRef>
-          <a:fillRef idx="1">
-            <a:schemeClr val="accent1"/>
-          </a:fillRef>
-          <a:effectRef idx="0">
-            <a:schemeClr val="accent1"/>
-          </a:effectRef>
-          <a:fontRef idx="minor">
-            <a:schemeClr val="lt1"/>
-          </a:fontRef>
-        </p:style>
-        <p:txBody>
-          <a:bodyPr rtlCol="0" anchor="ctr"/>
-          <a:lstStyle/>
-          <a:p>
-            <a:pPr algn="ctr"/>
-            <a:endParaRPr lang="en-US" dirty="0"/>
-          </a:p>
-        </p:txBody>
-      </p:sp>
-      <p:sp>
-        <p:nvSpPr>
-          <p:cNvPr id="13" name="Title 1">
-            <a:extLst>
-              <a:ext uri="{FF2B5EF4-FFF2-40B4-BE49-F238E27FC236}">
-                <a16:creationId xmlns:a16="http://schemas.microsoft.com/office/drawing/2014/main" id="{A5771413-327F-498F-5396-87AAD01F9220}"/>
-              </a:ext>
-            </a:extLst>
-          </p:cNvPr>
-          <p:cNvSpPr txBox="1">
-            <a:spLocks/>
-          </p:cNvSpPr>
-          <p:nvPr/>
-        </p:nvSpPr>
-        <p:spPr>
-          <a:xfrm>
-            <a:off x="6477000" y="4754875"/>
-            <a:ext cx="4415444" cy="1325563"/>
-          </a:xfrm>
-          <a:prstGeom prst="rect">
-            <a:avLst/>
-          </a:prstGeom>
-        </p:spPr>
-        <p:txBody>
-          <a:bodyPr vert="horz" lIns="91440" tIns="45720" rIns="91440" bIns="45720" rtlCol="0" anchor="ctr">
-            <a:normAutofit/>
-          </a:bodyPr>
-          <a:lstStyle>
-            <a:lvl1pPr algn="l" defTabSz="914400" rtl="0" eaLnBrk="1" latinLnBrk="0" hangingPunct="1">
-              <a:lnSpc>
-                <a:spcPct val="90000"/>
-              </a:lnSpc>
-              <a:spcBef>
-                <a:spcPct val="0"/>
-              </a:spcBef>
-              <a:buNone/>
-              <a:defRPr sz="4400" kern="1200">
-                <a:solidFill>
-                  <a:schemeClr val="tx1"/>
-                </a:solidFill>
-                <a:latin typeface="+mj-lt"/>
-                <a:ea typeface="+mj-ea"/>
-                <a:cs typeface="+mj-cs"/>
-              </a:defRPr>
-            </a:lvl1pPr>
-          </a:lstStyle>
-          <a:p>
-            <a:endParaRPr lang="en-US" sz="3200" dirty="0">
-              <a:solidFill>
-                <a:schemeClr val="accent1"/>
-              </a:solidFill>
-              <a:latin typeface="Century Gothic" panose="020B0502020202020204" pitchFamily="34" charset="0"/>
-            </a:endParaRPr>
-          </a:p>
-        </p:txBody>
-      </p:sp>
-      <p:sp>
-        <p:nvSpPr>
-          <p:cNvPr id="17" name="Title 1">
-            <a:extLst>
-              <a:ext uri="{FF2B5EF4-FFF2-40B4-BE49-F238E27FC236}">
-                <a16:creationId xmlns:a16="http://schemas.microsoft.com/office/drawing/2014/main" id="{905C2BE4-623C-826E-7767-2EB939A8E5AC}"/>
-              </a:ext>
-            </a:extLst>
-          </p:cNvPr>
-          <p:cNvSpPr txBox="1">
-            <a:spLocks/>
-          </p:cNvSpPr>
-          <p:nvPr/>
-        </p:nvSpPr>
-        <p:spPr>
-          <a:xfrm>
-            <a:off x="8863972" y="1520286"/>
-            <a:ext cx="632608" cy="656492"/>
-          </a:xfrm>
-          <a:prstGeom prst="rect">
-            <a:avLst/>
-          </a:prstGeom>
-        </p:spPr>
-        <p:txBody>
-          <a:bodyPr vert="horz" lIns="91440" tIns="45720" rIns="91440" bIns="45720" rtlCol="0" anchor="ctr">
-            <a:normAutofit/>
-          </a:bodyPr>
-          <a:lstStyle>
-            <a:lvl1pPr algn="l" defTabSz="914400" rtl="0" eaLnBrk="1" latinLnBrk="0" hangingPunct="1">
-              <a:lnSpc>
-                <a:spcPct val="90000"/>
-              </a:lnSpc>
-              <a:spcBef>
-                <a:spcPct val="0"/>
-              </a:spcBef>
-              <a:buNone/>
-              <a:defRPr sz="4400" kern="1200">
-                <a:solidFill>
-                  <a:schemeClr val="tx1"/>
-                </a:solidFill>
-                <a:latin typeface="+mj-lt"/>
-                <a:ea typeface="+mj-ea"/>
-                <a:cs typeface="+mj-cs"/>
-              </a:defRPr>
-            </a:lvl1pPr>
-          </a:lstStyle>
-          <a:p>
-            <a:r>
-              <a:rPr lang="tr-TR" altLang="en-US" sz="2800" dirty="0">
-                <a:solidFill>
-                  <a:schemeClr val="accent6"/>
-                </a:solidFill>
-                <a:latin typeface="Consolas" panose="020B0609020204030204" pitchFamily="49" charset="0"/>
-                <a:ea typeface="Inconsolata" pitchFamily="1" charset="0"/>
-              </a:rPr>
-              <a:t>25</a:t>
-            </a:r>
-            <a:endParaRPr lang="en-US" sz="2800" dirty="0">
-              <a:solidFill>
-                <a:schemeClr val="accent6"/>
-              </a:solidFill>
-              <a:latin typeface="Century Gothic" panose="020B0502020202020204" pitchFamily="34" charset="0"/>
-            </a:endParaRPr>
-          </a:p>
-        </p:txBody>
-      </p:sp>
-      <p:sp>
-        <p:nvSpPr>
-          <p:cNvPr id="3" name="Title 1">
-            <a:extLst>
-              <a:ext uri="{FF2B5EF4-FFF2-40B4-BE49-F238E27FC236}">
-                <a16:creationId xmlns:a16="http://schemas.microsoft.com/office/drawing/2014/main" id="{DF9C42A1-55E7-CD16-2A59-9ACA2CE11F07}"/>
-              </a:ext>
-            </a:extLst>
-          </p:cNvPr>
-          <p:cNvSpPr txBox="1">
-            <a:spLocks/>
-          </p:cNvSpPr>
-          <p:nvPr/>
-        </p:nvSpPr>
-        <p:spPr>
-          <a:xfrm>
-            <a:off x="291630" y="110333"/>
-            <a:ext cx="8478297" cy="1325563"/>
-          </a:xfrm>
-          <a:prstGeom prst="rect">
-            <a:avLst/>
-          </a:prstGeom>
-        </p:spPr>
-        <p:txBody>
-          <a:bodyPr vert="horz" lIns="91440" tIns="45720" rIns="91440" bIns="45720" rtlCol="0" anchor="ctr">
-            <a:normAutofit/>
-          </a:bodyPr>
-          <a:lstStyle>
-            <a:lvl1pPr algn="l" defTabSz="914400" rtl="0" eaLnBrk="1" latinLnBrk="0" hangingPunct="1">
-              <a:lnSpc>
-                <a:spcPct val="90000"/>
-              </a:lnSpc>
-              <a:spcBef>
-                <a:spcPct val="0"/>
-              </a:spcBef>
-              <a:buNone/>
-              <a:defRPr sz="4400" kern="1200">
-                <a:solidFill>
-                  <a:schemeClr val="tx1"/>
-                </a:solidFill>
-                <a:latin typeface="+mj-lt"/>
-                <a:ea typeface="+mj-ea"/>
-                <a:cs typeface="+mj-cs"/>
-              </a:defRPr>
-            </a:lvl1pPr>
-          </a:lstStyle>
-          <a:p>
-            <a:r>
-              <a:rPr lang="tr-TR" sz="3600" dirty="0" err="1">
-                <a:solidFill>
-                  <a:schemeClr val="accent1"/>
-                </a:solidFill>
-                <a:latin typeface="Century Gothic" panose="020B0502020202020204" pitchFamily="34" charset="0"/>
-              </a:rPr>
-              <a:t>Schema</a:t>
-            </a:r>
-            <a:r>
-              <a:rPr lang="tr-TR" sz="3600" dirty="0">
-                <a:solidFill>
-                  <a:schemeClr val="accent1"/>
-                </a:solidFill>
-                <a:latin typeface="Century Gothic" panose="020B0502020202020204" pitchFamily="34" charset="0"/>
-              </a:rPr>
-              <a:t> </a:t>
-            </a:r>
-            <a:r>
-              <a:rPr lang="tr-TR" sz="3600" dirty="0" err="1">
-                <a:solidFill>
-                  <a:schemeClr val="accent1"/>
-                </a:solidFill>
-                <a:latin typeface="Century Gothic" panose="020B0502020202020204" pitchFamily="34" charset="0"/>
-              </a:rPr>
-              <a:t>Composition</a:t>
-            </a:r>
-            <a:r>
-              <a:rPr lang="tr-TR" sz="3600" dirty="0">
-                <a:solidFill>
-                  <a:schemeClr val="accent1"/>
-                </a:solidFill>
-                <a:latin typeface="Century Gothic" panose="020B0502020202020204" pitchFamily="34" charset="0"/>
-              </a:rPr>
-              <a:t>: oneOf</a:t>
-            </a:r>
-            <a:endParaRPr lang="en-US" sz="3600" dirty="0">
-              <a:solidFill>
-                <a:schemeClr val="accent1"/>
-              </a:solidFill>
-              <a:latin typeface="Century Gothic" panose="020B0502020202020204" pitchFamily="34" charset="0"/>
-            </a:endParaRPr>
-          </a:p>
-        </p:txBody>
-      </p:sp>
-      <p:sp>
-        <p:nvSpPr>
-          <p:cNvPr id="14" name="Rectangle 3">
-            <a:extLst>
-              <a:ext uri="{FF2B5EF4-FFF2-40B4-BE49-F238E27FC236}">
-                <a16:creationId xmlns:a16="http://schemas.microsoft.com/office/drawing/2014/main" id="{109245CD-5C6D-FC08-831E-8DC730C7382D}"/>
-              </a:ext>
-            </a:extLst>
-          </p:cNvPr>
-          <p:cNvSpPr>
-            <a:spLocks noChangeArrowheads="1"/>
-          </p:cNvSpPr>
-          <p:nvPr/>
-        </p:nvSpPr>
-        <p:spPr bwMode="auto">
-          <a:xfrm>
-            <a:off x="735500" y="2667188"/>
-            <a:ext cx="4196068" cy="3018755"/>
-          </a:xfrm>
-          <a:prstGeom prst="rect">
-            <a:avLst/>
-          </a:prstGeom>
-          <a:noFill/>
-          <a:ln>
-            <a:noFill/>
-          </a:ln>
-          <a:effectLst/>
-          <a:extLst>
-            <a:ext uri="{909E8E84-426E-40DD-AFC4-6F175D3DCCD1}">
-              <a14:hiddenFill xmlns:a14="http://schemas.microsoft.com/office/drawing/2010/main">
-                <a:solidFill>
-                  <a:schemeClr val="accent1"/>
-                </a:solidFill>
-              </a14:hiddenFill>
-            </a:ext>
-            <a:ext uri="{91240B29-F687-4F45-9708-019B960494DF}">
-              <a14:hiddenLine xmlns:a14="http://schemas.microsoft.com/office/drawing/2010/main" w="9525">
-                <a:solidFill>
-                  <a:schemeClr val="tx1"/>
-                </a:solidFill>
-                <a:miter lim="800000"/>
-                <a:headEnd/>
-                <a:tailEnd/>
-              </a14:hiddenLine>
-            </a:ext>
-            <a:ext uri="{AF507438-7753-43E0-B8FC-AC1667EBCBE1}">
-              <a14:hiddenEffects xmlns:a14="http://schemas.microsoft.com/office/drawing/2010/main">
-                <a:effectLst>
-                  <a:outerShdw dist="35921" dir="2700000" algn="ctr" rotWithShape="0">
-                    <a:schemeClr val="bg2"/>
-                  </a:outerShdw>
-                </a:effectLst>
-              </a14:hiddenEffects>
-            </a:ext>
-          </a:extLst>
-        </p:spPr>
-        <p:txBody>
-          <a:bodyPr vert="horz" wrap="square" lIns="0" tIns="0" rIns="0" bIns="63480" numCol="1" anchor="ctr" anchorCtr="0" compatLnSpc="1">
-            <a:prstTxWarp prst="textNoShape">
-              <a:avLst/>
-            </a:prstTxWarp>
-            <a:spAutoFit/>
-          </a:bodyPr>
-          <a:lstStyle/>
-          <a:p>
-            <a:pPr lvl="0" defTabSz="914400" eaLnBrk="0" fontAlgn="base" hangingPunct="0">
-              <a:spcBef>
-                <a:spcPct val="0"/>
-              </a:spcBef>
-              <a:spcAft>
-                <a:spcPct val="0"/>
-              </a:spcAft>
-            </a:pPr>
-            <a:r>
-              <a:rPr lang="en-US" altLang="en-US" sz="2400" dirty="0">
-                <a:solidFill>
-                  <a:schemeClr val="accent1"/>
-                </a:solidFill>
-                <a:latin typeface="Consolas" panose="020B0609020204030204" pitchFamily="49" charset="0"/>
-                <a:ea typeface="Inconsolata" pitchFamily="1" charset="0"/>
-              </a:rPr>
-              <a:t>{</a:t>
-            </a:r>
-          </a:p>
-          <a:p>
-            <a:pPr lvl="0" defTabSz="914400" eaLnBrk="0" fontAlgn="base" hangingPunct="0">
-              <a:spcBef>
-                <a:spcPct val="0"/>
-              </a:spcBef>
-              <a:spcAft>
-                <a:spcPct val="0"/>
-              </a:spcAft>
-            </a:pPr>
-            <a:r>
-              <a:rPr lang="en-US" altLang="en-US" sz="2400" dirty="0">
-                <a:solidFill>
-                  <a:schemeClr val="accent1"/>
-                </a:solidFill>
-                <a:latin typeface="Consolas" panose="020B0609020204030204" pitchFamily="49" charset="0"/>
-                <a:ea typeface="Inconsolata" pitchFamily="1" charset="0"/>
-              </a:rPr>
-              <a:t>  </a:t>
-            </a:r>
-            <a:r>
-              <a:rPr lang="en-US" altLang="en-US" sz="2400" dirty="0">
-                <a:solidFill>
-                  <a:schemeClr val="accent5"/>
-                </a:solidFill>
-                <a:latin typeface="Consolas" panose="020B0609020204030204" pitchFamily="49" charset="0"/>
-                <a:ea typeface="Inconsolata" pitchFamily="1" charset="0"/>
-              </a:rPr>
-              <a:t>"</a:t>
-            </a:r>
-            <a:r>
-              <a:rPr lang="en-US" altLang="en-US" sz="2400" dirty="0" err="1">
-                <a:solidFill>
-                  <a:schemeClr val="accent5"/>
-                </a:solidFill>
-                <a:latin typeface="Consolas" panose="020B0609020204030204" pitchFamily="49" charset="0"/>
-                <a:ea typeface="Inconsolata" pitchFamily="1" charset="0"/>
-              </a:rPr>
-              <a:t>oneOf</a:t>
-            </a:r>
-            <a:r>
-              <a:rPr lang="en-US" altLang="en-US" sz="2400" dirty="0">
-                <a:solidFill>
-                  <a:schemeClr val="accent5"/>
-                </a:solidFill>
-                <a:latin typeface="Consolas" panose="020B0609020204030204" pitchFamily="49" charset="0"/>
-                <a:ea typeface="Inconsolata" pitchFamily="1" charset="0"/>
-              </a:rPr>
-              <a:t>"</a:t>
-            </a:r>
-            <a:r>
-              <a:rPr lang="en-US" altLang="en-US" sz="2400" dirty="0">
-                <a:solidFill>
-                  <a:schemeClr val="accent1"/>
-                </a:solidFill>
-                <a:latin typeface="Consolas" panose="020B0609020204030204" pitchFamily="49" charset="0"/>
-                <a:ea typeface="Inconsolata" pitchFamily="1" charset="0"/>
-              </a:rPr>
-              <a:t>: [</a:t>
-            </a:r>
-          </a:p>
-          <a:p>
-            <a:pPr lvl="0" defTabSz="914400" eaLnBrk="0" fontAlgn="base" hangingPunct="0">
-              <a:spcBef>
-                <a:spcPct val="0"/>
-              </a:spcBef>
-              <a:spcAft>
-                <a:spcPct val="0"/>
-              </a:spcAft>
-            </a:pPr>
-            <a:r>
-              <a:rPr lang="en-US" altLang="en-US" sz="2400" dirty="0">
-                <a:solidFill>
-                  <a:schemeClr val="accent1"/>
-                </a:solidFill>
-                <a:latin typeface="Consolas" panose="020B0609020204030204" pitchFamily="49" charset="0"/>
-                <a:ea typeface="Inconsolata" pitchFamily="1" charset="0"/>
-              </a:rPr>
-              <a:t>    { </a:t>
-            </a:r>
-            <a:r>
-              <a:rPr lang="en-US" altLang="en-US" sz="2400" dirty="0">
-                <a:solidFill>
-                  <a:schemeClr val="accent5"/>
-                </a:solidFill>
-                <a:latin typeface="Consolas" panose="020B0609020204030204" pitchFamily="49" charset="0"/>
-                <a:ea typeface="Inconsolata" pitchFamily="1" charset="0"/>
-              </a:rPr>
-              <a:t>"type"</a:t>
-            </a:r>
-            <a:r>
-              <a:rPr lang="en-US" altLang="en-US" sz="2400" dirty="0">
-                <a:solidFill>
-                  <a:schemeClr val="accent1"/>
-                </a:solidFill>
-                <a:latin typeface="Consolas" panose="020B0609020204030204" pitchFamily="49" charset="0"/>
-                <a:ea typeface="Inconsolata" pitchFamily="1" charset="0"/>
-              </a:rPr>
-              <a:t>:</a:t>
-            </a:r>
-            <a:r>
-              <a:rPr lang="en-US" altLang="en-US" sz="2400" dirty="0">
-                <a:solidFill>
-                  <a:schemeClr val="accent2"/>
-                </a:solidFill>
-                <a:latin typeface="Consolas" panose="020B0609020204030204" pitchFamily="49" charset="0"/>
-                <a:ea typeface="Inconsolata" pitchFamily="1" charset="0"/>
-              </a:rPr>
-              <a:t> "number"</a:t>
-            </a:r>
-            <a:r>
-              <a:rPr lang="en-US" altLang="en-US" sz="2400" dirty="0">
-                <a:solidFill>
-                  <a:schemeClr val="accent1"/>
-                </a:solidFill>
-                <a:latin typeface="Consolas" panose="020B0609020204030204" pitchFamily="49" charset="0"/>
-                <a:ea typeface="Inconsolata" pitchFamily="1" charset="0"/>
-              </a:rPr>
-              <a:t>, </a:t>
-            </a:r>
-            <a:r>
-              <a:rPr lang="tr-TR" altLang="en-US" sz="2400" dirty="0">
-                <a:solidFill>
-                  <a:schemeClr val="accent1"/>
-                </a:solidFill>
-                <a:latin typeface="Consolas" panose="020B0609020204030204" pitchFamily="49" charset="0"/>
-                <a:ea typeface="Inconsolata" pitchFamily="1" charset="0"/>
-              </a:rPr>
-              <a:t>	</a:t>
-            </a:r>
-            <a:r>
-              <a:rPr lang="en-US" altLang="en-US" sz="2400" dirty="0">
-                <a:solidFill>
-                  <a:schemeClr val="accent2"/>
-                </a:solidFill>
-                <a:latin typeface="Consolas" panose="020B0609020204030204" pitchFamily="49" charset="0"/>
-                <a:ea typeface="Inconsolata" pitchFamily="1" charset="0"/>
-              </a:rPr>
-              <a:t>"</a:t>
-            </a:r>
-            <a:r>
-              <a:rPr lang="en-US" altLang="en-US" sz="2400" dirty="0" err="1">
-                <a:solidFill>
-                  <a:schemeClr val="accent2"/>
-                </a:solidFill>
-                <a:latin typeface="Consolas" panose="020B0609020204030204" pitchFamily="49" charset="0"/>
-                <a:ea typeface="Inconsolata" pitchFamily="1" charset="0"/>
-              </a:rPr>
-              <a:t>multipleOf</a:t>
-            </a:r>
-            <a:r>
-              <a:rPr lang="en-US" altLang="en-US" sz="2400" dirty="0">
-                <a:solidFill>
-                  <a:schemeClr val="accent2"/>
-                </a:solidFill>
-                <a:latin typeface="Consolas" panose="020B0609020204030204" pitchFamily="49" charset="0"/>
-                <a:ea typeface="Inconsolata" pitchFamily="1" charset="0"/>
-              </a:rPr>
-              <a:t>"</a:t>
-            </a:r>
-            <a:r>
-              <a:rPr lang="en-US" altLang="en-US" sz="2400" dirty="0">
-                <a:solidFill>
-                  <a:schemeClr val="accent1"/>
-                </a:solidFill>
-                <a:latin typeface="Consolas" panose="020B0609020204030204" pitchFamily="49" charset="0"/>
-                <a:ea typeface="Inconsolata" pitchFamily="1" charset="0"/>
-              </a:rPr>
-              <a:t>: </a:t>
-            </a:r>
-            <a:r>
-              <a:rPr lang="en-US" altLang="en-US" sz="2400" dirty="0">
-                <a:solidFill>
-                  <a:schemeClr val="accent6"/>
-                </a:solidFill>
-                <a:latin typeface="Consolas" panose="020B0609020204030204" pitchFamily="49" charset="0"/>
-                <a:ea typeface="Inconsolata" pitchFamily="1" charset="0"/>
-              </a:rPr>
-              <a:t>5</a:t>
-            </a:r>
-            <a:r>
-              <a:rPr lang="en-US" altLang="en-US" sz="2400" dirty="0">
-                <a:solidFill>
-                  <a:schemeClr val="accent1"/>
-                </a:solidFill>
-                <a:latin typeface="Consolas" panose="020B0609020204030204" pitchFamily="49" charset="0"/>
-                <a:ea typeface="Inconsolata" pitchFamily="1" charset="0"/>
-              </a:rPr>
-              <a:t> },</a:t>
-            </a:r>
-          </a:p>
-          <a:p>
-            <a:pPr lvl="0" defTabSz="914400" eaLnBrk="0" fontAlgn="base" hangingPunct="0">
-              <a:spcBef>
-                <a:spcPct val="0"/>
-              </a:spcBef>
-              <a:spcAft>
-                <a:spcPct val="0"/>
-              </a:spcAft>
-            </a:pPr>
-            <a:r>
-              <a:rPr lang="en-US" altLang="en-US" sz="2400" dirty="0">
-                <a:solidFill>
-                  <a:schemeClr val="accent1"/>
-                </a:solidFill>
-                <a:latin typeface="Consolas" panose="020B0609020204030204" pitchFamily="49" charset="0"/>
-                <a:ea typeface="Inconsolata" pitchFamily="1" charset="0"/>
-              </a:rPr>
-              <a:t>    { </a:t>
-            </a:r>
-            <a:r>
-              <a:rPr lang="en-US" altLang="en-US" sz="2400" dirty="0">
-                <a:solidFill>
-                  <a:schemeClr val="accent5"/>
-                </a:solidFill>
-                <a:latin typeface="Consolas" panose="020B0609020204030204" pitchFamily="49" charset="0"/>
-                <a:ea typeface="Inconsolata" pitchFamily="1" charset="0"/>
-              </a:rPr>
-              <a:t>"type"</a:t>
-            </a:r>
-            <a:r>
-              <a:rPr lang="en-US" altLang="en-US" sz="2400" dirty="0">
-                <a:solidFill>
-                  <a:schemeClr val="accent1"/>
-                </a:solidFill>
-                <a:latin typeface="Consolas" panose="020B0609020204030204" pitchFamily="49" charset="0"/>
-                <a:ea typeface="Inconsolata" pitchFamily="1" charset="0"/>
-              </a:rPr>
-              <a:t>: </a:t>
-            </a:r>
-            <a:r>
-              <a:rPr lang="en-US" altLang="en-US" sz="2400" dirty="0">
-                <a:solidFill>
-                  <a:schemeClr val="accent2"/>
-                </a:solidFill>
-                <a:latin typeface="Consolas" panose="020B0609020204030204" pitchFamily="49" charset="0"/>
-                <a:ea typeface="Inconsolata" pitchFamily="1" charset="0"/>
-              </a:rPr>
-              <a:t>"number"</a:t>
-            </a:r>
-            <a:r>
-              <a:rPr lang="en-US" altLang="en-US" sz="2400" dirty="0">
-                <a:solidFill>
-                  <a:schemeClr val="accent1"/>
-                </a:solidFill>
-                <a:latin typeface="Consolas" panose="020B0609020204030204" pitchFamily="49" charset="0"/>
-                <a:ea typeface="Inconsolata" pitchFamily="1" charset="0"/>
-              </a:rPr>
-              <a:t>, </a:t>
-            </a:r>
-            <a:r>
-              <a:rPr lang="tr-TR" altLang="en-US" sz="2400" dirty="0">
-                <a:solidFill>
-                  <a:schemeClr val="accent1"/>
-                </a:solidFill>
-                <a:latin typeface="Consolas" panose="020B0609020204030204" pitchFamily="49" charset="0"/>
-                <a:ea typeface="Inconsolata" pitchFamily="1" charset="0"/>
-              </a:rPr>
-              <a:t>	</a:t>
-            </a:r>
-            <a:r>
-              <a:rPr lang="en-US" altLang="en-US" sz="2400" dirty="0">
-                <a:solidFill>
-                  <a:schemeClr val="accent2"/>
-                </a:solidFill>
-                <a:latin typeface="Consolas" panose="020B0609020204030204" pitchFamily="49" charset="0"/>
-                <a:ea typeface="Inconsolata" pitchFamily="1" charset="0"/>
-              </a:rPr>
-              <a:t>"</a:t>
-            </a:r>
-            <a:r>
-              <a:rPr lang="en-US" altLang="en-US" sz="2400" dirty="0" err="1">
-                <a:solidFill>
-                  <a:schemeClr val="accent2"/>
-                </a:solidFill>
-                <a:latin typeface="Consolas" panose="020B0609020204030204" pitchFamily="49" charset="0"/>
-                <a:ea typeface="Inconsolata" pitchFamily="1" charset="0"/>
-              </a:rPr>
-              <a:t>multipleOf</a:t>
-            </a:r>
-            <a:r>
-              <a:rPr lang="en-US" altLang="en-US" sz="2400" dirty="0">
-                <a:solidFill>
-                  <a:schemeClr val="accent2"/>
-                </a:solidFill>
-                <a:latin typeface="Consolas" panose="020B0609020204030204" pitchFamily="49" charset="0"/>
-                <a:ea typeface="Inconsolata" pitchFamily="1" charset="0"/>
-              </a:rPr>
-              <a:t>"</a:t>
-            </a:r>
-            <a:r>
-              <a:rPr lang="en-US" altLang="en-US" sz="2400" dirty="0">
-                <a:solidFill>
-                  <a:schemeClr val="accent1"/>
-                </a:solidFill>
-                <a:latin typeface="Consolas" panose="020B0609020204030204" pitchFamily="49" charset="0"/>
-                <a:ea typeface="Inconsolata" pitchFamily="1" charset="0"/>
-              </a:rPr>
-              <a:t>: </a:t>
-            </a:r>
-            <a:r>
-              <a:rPr lang="tr-TR" altLang="en-US" sz="2400" dirty="0">
-                <a:solidFill>
-                  <a:schemeClr val="accent6"/>
-                </a:solidFill>
-                <a:latin typeface="Consolas" panose="020B0609020204030204" pitchFamily="49" charset="0"/>
-                <a:ea typeface="Inconsolata" pitchFamily="1" charset="0"/>
-              </a:rPr>
-              <a:t>2</a:t>
-            </a:r>
-            <a:r>
-              <a:rPr lang="en-US" altLang="en-US" sz="2400" dirty="0">
-                <a:solidFill>
-                  <a:schemeClr val="accent1"/>
-                </a:solidFill>
-                <a:latin typeface="Consolas" panose="020B0609020204030204" pitchFamily="49" charset="0"/>
-                <a:ea typeface="Inconsolata" pitchFamily="1" charset="0"/>
-              </a:rPr>
-              <a:t> }</a:t>
-            </a:r>
-          </a:p>
-          <a:p>
-            <a:pPr lvl="0" defTabSz="914400" eaLnBrk="0" fontAlgn="base" hangingPunct="0">
-              <a:spcBef>
-                <a:spcPct val="0"/>
-              </a:spcBef>
-              <a:spcAft>
-                <a:spcPct val="0"/>
-              </a:spcAft>
-            </a:pPr>
-            <a:r>
-              <a:rPr lang="en-US" altLang="en-US" sz="2400" dirty="0">
-                <a:solidFill>
-                  <a:schemeClr val="accent1"/>
-                </a:solidFill>
-                <a:latin typeface="Consolas" panose="020B0609020204030204" pitchFamily="49" charset="0"/>
-                <a:ea typeface="Inconsolata" pitchFamily="1" charset="0"/>
-              </a:rPr>
-              <a:t>  ]</a:t>
-            </a:r>
-          </a:p>
-          <a:p>
-            <a:pPr lvl="0" defTabSz="914400" eaLnBrk="0" fontAlgn="base" hangingPunct="0">
-              <a:spcBef>
-                <a:spcPct val="0"/>
-              </a:spcBef>
-              <a:spcAft>
-                <a:spcPct val="0"/>
-              </a:spcAft>
-            </a:pPr>
-            <a:r>
-              <a:rPr lang="en-US" altLang="en-US" sz="2400" dirty="0">
-                <a:solidFill>
-                  <a:schemeClr val="accent1"/>
-                </a:solidFill>
-                <a:latin typeface="Consolas" panose="020B0609020204030204" pitchFamily="49" charset="0"/>
-                <a:ea typeface="Inconsolata" pitchFamily="1" charset="0"/>
-              </a:rPr>
-              <a:t>}</a:t>
-            </a:r>
-            <a:endParaRPr lang="en-US" altLang="en-US" sz="2400" dirty="0">
-              <a:solidFill>
-                <a:schemeClr val="accent1"/>
-              </a:solidFill>
-              <a:latin typeface="Consolas" panose="020B0609020204030204" pitchFamily="49" charset="0"/>
-            </a:endParaRPr>
-          </a:p>
-        </p:txBody>
-      </p:sp>
-      <p:sp>
-        <p:nvSpPr>
-          <p:cNvPr id="11" name="Title 1">
-            <a:extLst>
-              <a:ext uri="{FF2B5EF4-FFF2-40B4-BE49-F238E27FC236}">
-                <a16:creationId xmlns:a16="http://schemas.microsoft.com/office/drawing/2014/main" id="{4163179B-0692-C8E0-8FA9-4713F27DA6E5}"/>
-              </a:ext>
-            </a:extLst>
-          </p:cNvPr>
-          <p:cNvSpPr txBox="1">
-            <a:spLocks/>
-          </p:cNvSpPr>
-          <p:nvPr/>
-        </p:nvSpPr>
-        <p:spPr>
-          <a:xfrm>
-            <a:off x="5978228" y="863248"/>
-            <a:ext cx="173182" cy="5412222"/>
-          </a:xfrm>
-          <a:prstGeom prst="rect">
-            <a:avLst/>
-          </a:prstGeom>
-        </p:spPr>
-        <p:txBody>
-          <a:bodyPr vert="horz" lIns="91440" tIns="45720" rIns="91440" bIns="45720" rtlCol="0" anchor="ctr">
-            <a:normAutofit/>
-          </a:bodyPr>
-          <a:lstStyle>
-            <a:lvl1pPr algn="l" defTabSz="914400" rtl="0" eaLnBrk="1" latinLnBrk="0" hangingPunct="1">
-              <a:lnSpc>
-                <a:spcPct val="90000"/>
-              </a:lnSpc>
-              <a:spcBef>
-                <a:spcPct val="0"/>
-              </a:spcBef>
-              <a:buNone/>
-              <a:defRPr sz="4400" kern="1200">
-                <a:solidFill>
-                  <a:schemeClr val="tx1"/>
-                </a:solidFill>
-                <a:latin typeface="+mj-lt"/>
-                <a:ea typeface="+mj-ea"/>
-                <a:cs typeface="+mj-cs"/>
-              </a:defRPr>
-            </a:lvl1pPr>
-          </a:lstStyle>
-          <a:p>
-            <a:r>
-              <a:rPr lang="tr-TR" sz="3600" dirty="0">
-                <a:solidFill>
-                  <a:schemeClr val="accent2"/>
-                </a:solidFill>
-                <a:latin typeface="Century Gothic" panose="020B0502020202020204" pitchFamily="34" charset="0"/>
-              </a:rPr>
-              <a:t>ACCEPTS</a:t>
-            </a:r>
-            <a:endParaRPr lang="en-US" sz="3600" dirty="0">
-              <a:solidFill>
-                <a:schemeClr val="accent2"/>
-              </a:solidFill>
-              <a:latin typeface="Century Gothic" panose="020B0502020202020204" pitchFamily="34" charset="0"/>
-            </a:endParaRPr>
-          </a:p>
-        </p:txBody>
-      </p:sp>
-      <p:sp>
-        <p:nvSpPr>
-          <p:cNvPr id="9" name="Title 1">
-            <a:extLst>
-              <a:ext uri="{FF2B5EF4-FFF2-40B4-BE49-F238E27FC236}">
-                <a16:creationId xmlns:a16="http://schemas.microsoft.com/office/drawing/2014/main" id="{805D5AA3-BB2E-D000-B487-7F395CDA6CF6}"/>
-              </a:ext>
-            </a:extLst>
-          </p:cNvPr>
-          <p:cNvSpPr txBox="1">
-            <a:spLocks/>
-          </p:cNvSpPr>
-          <p:nvPr/>
-        </p:nvSpPr>
-        <p:spPr>
-          <a:xfrm>
-            <a:off x="8863972" y="3115010"/>
-            <a:ext cx="632608" cy="1325563"/>
-          </a:xfrm>
-          <a:prstGeom prst="rect">
-            <a:avLst/>
-          </a:prstGeom>
-        </p:spPr>
-        <p:txBody>
-          <a:bodyPr vert="horz" lIns="91440" tIns="45720" rIns="91440" bIns="45720" rtlCol="0" anchor="ctr">
-            <a:normAutofit/>
-          </a:bodyPr>
-          <a:lstStyle>
-            <a:lvl1pPr algn="l" defTabSz="914400" rtl="0" eaLnBrk="1" latinLnBrk="0" hangingPunct="1">
-              <a:lnSpc>
-                <a:spcPct val="90000"/>
-              </a:lnSpc>
-              <a:spcBef>
-                <a:spcPct val="0"/>
-              </a:spcBef>
-              <a:buNone/>
-              <a:defRPr sz="4400" kern="1200">
-                <a:solidFill>
-                  <a:schemeClr val="tx1"/>
-                </a:solidFill>
-                <a:latin typeface="+mj-lt"/>
-                <a:ea typeface="+mj-ea"/>
-                <a:cs typeface="+mj-cs"/>
-              </a:defRPr>
-            </a:lvl1pPr>
-          </a:lstStyle>
-          <a:p>
-            <a:pPr lvl="0" eaLnBrk="0" fontAlgn="base" hangingPunct="0">
-              <a:spcAft>
-                <a:spcPct val="0"/>
-              </a:spcAft>
-            </a:pPr>
-            <a:r>
-              <a:rPr lang="en-US" altLang="en-US" sz="2800" dirty="0">
-                <a:solidFill>
-                  <a:schemeClr val="accent6"/>
-                </a:solidFill>
-                <a:latin typeface="Consolas" panose="020B0609020204030204" pitchFamily="49" charset="0"/>
-                <a:ea typeface="Inconsolata" pitchFamily="1" charset="0"/>
-              </a:rPr>
-              <a:t>10</a:t>
-            </a:r>
-            <a:endParaRPr lang="en-US" altLang="en-US" sz="2800" dirty="0">
-              <a:solidFill>
-                <a:schemeClr val="accent6"/>
-              </a:solidFill>
-              <a:latin typeface="Century Gothic" panose="020B0502020202020204" pitchFamily="34" charset="0"/>
-            </a:endParaRPr>
-          </a:p>
-        </p:txBody>
-      </p:sp>
-      <p:sp>
-        <p:nvSpPr>
-          <p:cNvPr id="18" name="Title 1">
-            <a:extLst>
-              <a:ext uri="{FF2B5EF4-FFF2-40B4-BE49-F238E27FC236}">
-                <a16:creationId xmlns:a16="http://schemas.microsoft.com/office/drawing/2014/main" id="{39DEF41C-3CF7-4C2E-F509-18EC808127A1}"/>
-              </a:ext>
-            </a:extLst>
-          </p:cNvPr>
-          <p:cNvSpPr txBox="1">
-            <a:spLocks/>
-          </p:cNvSpPr>
-          <p:nvPr/>
-        </p:nvSpPr>
-        <p:spPr>
-          <a:xfrm>
-            <a:off x="8951628" y="5295707"/>
-            <a:ext cx="457296" cy="497806"/>
-          </a:xfrm>
-          <a:prstGeom prst="rect">
-            <a:avLst/>
-          </a:prstGeom>
-        </p:spPr>
-        <p:txBody>
-          <a:bodyPr vert="horz" lIns="91440" tIns="45720" rIns="91440" bIns="45720" rtlCol="0" anchor="ctr">
-            <a:normAutofit/>
-          </a:bodyPr>
-          <a:lstStyle>
-            <a:lvl1pPr algn="l" defTabSz="914400" rtl="0" eaLnBrk="1" latinLnBrk="0" hangingPunct="1">
-              <a:lnSpc>
-                <a:spcPct val="90000"/>
-              </a:lnSpc>
-              <a:spcBef>
-                <a:spcPct val="0"/>
-              </a:spcBef>
-              <a:buNone/>
-              <a:defRPr sz="4400" kern="1200">
-                <a:solidFill>
-                  <a:schemeClr val="tx1"/>
-                </a:solidFill>
-                <a:latin typeface="+mj-lt"/>
-                <a:ea typeface="+mj-ea"/>
-                <a:cs typeface="+mj-cs"/>
-              </a:defRPr>
-            </a:lvl1pPr>
-          </a:lstStyle>
-          <a:p>
-            <a:pPr algn="ctr"/>
-            <a:r>
-              <a:rPr lang="en-US" sz="2800" dirty="0">
-                <a:solidFill>
-                  <a:schemeClr val="accent6"/>
-                </a:solidFill>
-                <a:latin typeface="Consolas" panose="020B0609020204030204" pitchFamily="49" charset="0"/>
-                <a:ea typeface="Inconsolata" pitchFamily="1" charset="0"/>
-              </a:rPr>
-              <a:t>4</a:t>
-            </a:r>
-            <a:endParaRPr lang="en-US" sz="2800" dirty="0">
-              <a:solidFill>
-                <a:schemeClr val="accent6"/>
-              </a:solidFill>
-              <a:latin typeface="Century Gothic" panose="020B0502020202020204" pitchFamily="34" charset="0"/>
-            </a:endParaRPr>
-          </a:p>
-        </p:txBody>
-      </p:sp>
-      <p:pic>
-        <p:nvPicPr>
-          <p:cNvPr id="16" name="Graphic 15" descr="Checkmark with solid fill">
-            <a:extLst>
-              <a:ext uri="{FF2B5EF4-FFF2-40B4-BE49-F238E27FC236}">
-                <a16:creationId xmlns:a16="http://schemas.microsoft.com/office/drawing/2014/main" id="{768CA4C5-A659-F85F-BB3B-DFC2CA7B5068}"/>
-              </a:ext>
-            </a:extLst>
-          </p:cNvPr>
-          <p:cNvPicPr>
-            <a:picLocks noChangeAspect="1"/>
-          </p:cNvPicPr>
-          <p:nvPr/>
-        </p:nvPicPr>
-        <p:blipFill>
-          <a:blip r:embed="rId3">
-            <a:extLst>
-              <a:ext uri="{28A0092B-C50C-407E-A947-70E740481C1C}">
-                <a14:useLocalDpi xmlns:a14="http://schemas.microsoft.com/office/drawing/2010/main" val="0"/>
-              </a:ext>
-              <a:ext uri="{96DAC541-7B7A-43D3-8B79-37D633B846F1}">
-                <asvg:svgBlip xmlns:asvg="http://schemas.microsoft.com/office/drawing/2016/SVG/main" r:embed="rId4"/>
-              </a:ext>
-            </a:extLst>
-          </a:blip>
-          <a:srcRect/>
-          <a:stretch/>
-        </p:blipFill>
-        <p:spPr>
-          <a:xfrm>
-            <a:off x="10745193" y="4500560"/>
-            <a:ext cx="914400" cy="914400"/>
-          </a:xfrm>
-          <a:prstGeom prst="rect">
-            <a:avLst/>
-          </a:prstGeom>
-        </p:spPr>
-      </p:pic>
-      <p:pic>
-        <p:nvPicPr>
-          <p:cNvPr id="19" name="Graphic 18" descr="Close with solid fill">
-            <a:extLst>
-              <a:ext uri="{FF2B5EF4-FFF2-40B4-BE49-F238E27FC236}">
-                <a16:creationId xmlns:a16="http://schemas.microsoft.com/office/drawing/2014/main" id="{47F102BA-7584-64D6-A518-170990DF3C9B}"/>
-              </a:ext>
-            </a:extLst>
-          </p:cNvPr>
-          <p:cNvPicPr>
-            <a:picLocks noChangeAspect="1"/>
-          </p:cNvPicPr>
-          <p:nvPr/>
-        </p:nvPicPr>
-        <p:blipFill>
-          <a:blip r:embed="rId5">
-            <a:extLst>
-              <a:ext uri="{28A0092B-C50C-407E-A947-70E740481C1C}">
-                <a14:useLocalDpi xmlns:a14="http://schemas.microsoft.com/office/drawing/2010/main" val="0"/>
-              </a:ext>
-              <a:ext uri="{96DAC541-7B7A-43D3-8B79-37D633B846F1}">
-                <asvg:svgBlip xmlns:asvg="http://schemas.microsoft.com/office/drawing/2016/SVG/main" r:embed="rId6"/>
-              </a:ext>
-            </a:extLst>
-          </a:blip>
-          <a:srcRect/>
-          <a:stretch/>
-        </p:blipFill>
-        <p:spPr>
-          <a:xfrm>
-            <a:off x="10745193" y="2673599"/>
-            <a:ext cx="914400" cy="914400"/>
-          </a:xfrm>
-          <a:prstGeom prst="rect">
-            <a:avLst/>
-          </a:prstGeom>
-        </p:spPr>
-      </p:pic>
-      <p:pic>
-        <p:nvPicPr>
-          <p:cNvPr id="20" name="Graphic 19" descr="Checkmark with solid fill">
-            <a:extLst>
-              <a:ext uri="{FF2B5EF4-FFF2-40B4-BE49-F238E27FC236}">
-                <a16:creationId xmlns:a16="http://schemas.microsoft.com/office/drawing/2014/main" id="{7FEE5760-55A7-A22C-C41D-7D2845793B9A}"/>
-              </a:ext>
-            </a:extLst>
-          </p:cNvPr>
-          <p:cNvPicPr>
-            <a:picLocks noChangeAspect="1"/>
-          </p:cNvPicPr>
-          <p:nvPr/>
-        </p:nvPicPr>
-        <p:blipFill>
-          <a:blip r:embed="rId3">
-            <a:extLst>
-              <a:ext uri="{28A0092B-C50C-407E-A947-70E740481C1C}">
-                <a14:useLocalDpi xmlns:a14="http://schemas.microsoft.com/office/drawing/2010/main" val="0"/>
-              </a:ext>
-              <a:ext uri="{96DAC541-7B7A-43D3-8B79-37D633B846F1}">
-                <asvg:svgBlip xmlns:asvg="http://schemas.microsoft.com/office/drawing/2016/SVG/main" r:embed="rId4"/>
-              </a:ext>
-            </a:extLst>
-          </a:blip>
-          <a:stretch>
-            <a:fillRect/>
-          </a:stretch>
-        </p:blipFill>
-        <p:spPr>
-          <a:xfrm>
-            <a:off x="10745193" y="859321"/>
-            <a:ext cx="914400" cy="914400"/>
-          </a:xfrm>
-          <a:prstGeom prst="rect">
-            <a:avLst/>
-          </a:prstGeom>
-        </p:spPr>
-      </p:pic>
-    </p:spTree>
-    <p:extLst>
-      <p:ext uri="{BB962C8B-B14F-4D97-AF65-F5344CB8AC3E}">
-        <p14:creationId xmlns:p14="http://schemas.microsoft.com/office/powerpoint/2010/main" val="46514960"/>
-      </p:ext>
-    </p:extLst>
-  </p:cSld>
-  <p:clrMapOvr>
-    <a:masterClrMapping/>
-  </p:clrMapOvr>
-  <mc:AlternateContent xmlns:mc="http://schemas.openxmlformats.org/markup-compatibility/2006" xmlns:p14="http://schemas.microsoft.com/office/powerpoint/2010/main">
-    <mc:Choice Requires="p14">
-      <p:transition spd="slow" p14:dur="2000" advClick="0" advTm="8000"/>
-    </mc:Choice>
-    <mc:Fallback xmlns="">
-      <p:transition spd="slow" advClick="0" advTm="8000"/>
-    </mc:Fallback>
-  </mc:AlternateContent>
-  <p:timing>
-    <p:tnLst>
-      <p:par>
-        <p:cTn id="1" dur="indefinite" restart="never" nodeType="tmRoot">
-          <p:childTnLst>
-            <p:seq concurrent="1" nextAc="seek">
-              <p:cTn id="2" dur="indefinite" nodeType="mainSeq">
-                <p:childTnLst>
-                  <p:par>
-                    <p:cTn id="3" fill="hold">
-                      <p:stCondLst>
-                        <p:cond delay="indefinite"/>
-                        <p:cond evt="onBegin" delay="0">
-                          <p:tn val="2"/>
-                        </p:cond>
-                      </p:stCondLst>
-                      <p:childTnLst>
-                        <p:par>
-                          <p:cTn id="4" fill="hold">
-                            <p:stCondLst>
-                              <p:cond delay="0"/>
-                            </p:stCondLst>
-                            <p:childTnLst>
-                              <p:par>
-                                <p:cTn id="5" presetID="10" presetClass="entr" presetSubtype="0" fill="hold" grpId="0" nodeType="withEffect">
-                                  <p:stCondLst>
-                                    <p:cond delay="0"/>
-                                  </p:stCondLst>
-                                  <p:childTnLst>
-                                    <p:set>
-                                      <p:cBhvr>
-                                        <p:cTn id="6" dur="1" fill="hold">
-                                          <p:stCondLst>
-                                            <p:cond delay="0"/>
-                                          </p:stCondLst>
-                                        </p:cTn>
-                                        <p:tgtEl>
-                                          <p:spTgt spid="2"/>
-                                        </p:tgtEl>
-                                        <p:attrNameLst>
-                                          <p:attrName>style.visibility</p:attrName>
-                                        </p:attrNameLst>
-                                      </p:cBhvr>
-                                      <p:to>
-                                        <p:strVal val="visible"/>
-                                      </p:to>
-                                    </p:set>
-                                    <p:animEffect transition="in" filter="fade">
-                                      <p:cBhvr>
-                                        <p:cTn id="7" dur="500"/>
-                                        <p:tgtEl>
-                                          <p:spTgt spid="2"/>
-                                        </p:tgtEl>
-                                      </p:cBhvr>
-                                    </p:animEffect>
-                                  </p:childTnLst>
-                                </p:cTn>
-                              </p:par>
-                              <p:par>
-                                <p:cTn id="8" presetID="10" presetClass="entr" presetSubtype="0" fill="hold" grpId="0" nodeType="withEffect">
-                                  <p:stCondLst>
-                                    <p:cond delay="0"/>
-                                  </p:stCondLst>
-                                  <p:childTnLst>
-                                    <p:set>
-                                      <p:cBhvr>
-                                        <p:cTn id="9" dur="1" fill="hold">
-                                          <p:stCondLst>
-                                            <p:cond delay="0"/>
-                                          </p:stCondLst>
-                                        </p:cTn>
-                                        <p:tgtEl>
-                                          <p:spTgt spid="4"/>
-                                        </p:tgtEl>
-                                        <p:attrNameLst>
-                                          <p:attrName>style.visibility</p:attrName>
-                                        </p:attrNameLst>
-                                      </p:cBhvr>
-                                      <p:to>
-                                        <p:strVal val="visible"/>
-                                      </p:to>
-                                    </p:set>
-                                    <p:animEffect transition="in" filter="fade">
-                                      <p:cBhvr>
-                                        <p:cTn id="10" dur="500"/>
-                                        <p:tgtEl>
-                                          <p:spTgt spid="4"/>
-                                        </p:tgtEl>
-                                      </p:cBhvr>
-                                    </p:animEffect>
-                                  </p:childTnLst>
-                                </p:cTn>
-                              </p:par>
-                            </p:childTnLst>
-                          </p:cTn>
-                        </p:par>
-                        <p:par>
-                          <p:cTn id="11" fill="hold">
-                            <p:stCondLst>
-                              <p:cond delay="500"/>
-                            </p:stCondLst>
-                            <p:childTnLst>
-                              <p:par>
-                                <p:cTn id="12" presetID="10" presetClass="entr" presetSubtype="0" fill="hold" grpId="0" nodeType="afterEffect">
-                                  <p:stCondLst>
-                                    <p:cond delay="0"/>
-                                  </p:stCondLst>
-                                  <p:childTnLst>
-                                    <p:set>
-                                      <p:cBhvr>
-                                        <p:cTn id="13" dur="1" fill="hold">
-                                          <p:stCondLst>
-                                            <p:cond delay="0"/>
-                                          </p:stCondLst>
-                                        </p:cTn>
-                                        <p:tgtEl>
-                                          <p:spTgt spid="14"/>
-                                        </p:tgtEl>
-                                        <p:attrNameLst>
-                                          <p:attrName>style.visibility</p:attrName>
-                                        </p:attrNameLst>
-                                      </p:cBhvr>
-                                      <p:to>
-                                        <p:strVal val="visible"/>
-                                      </p:to>
-                                    </p:set>
-                                    <p:animEffect transition="in" filter="fade">
-                                      <p:cBhvr>
-                                        <p:cTn id="14" dur="500"/>
-                                        <p:tgtEl>
-                                          <p:spTgt spid="14"/>
-                                        </p:tgtEl>
-                                      </p:cBhvr>
-                                    </p:animEffect>
-                                  </p:childTnLst>
-                                </p:cTn>
-                              </p:par>
-                            </p:childTnLst>
-                          </p:cTn>
-                        </p:par>
-                        <p:par>
-                          <p:cTn id="15" fill="hold">
-                            <p:stCondLst>
-                              <p:cond delay="1000"/>
-                            </p:stCondLst>
-                            <p:childTnLst>
-                              <p:par>
-                                <p:cTn id="16" presetID="10" presetClass="entr" presetSubtype="0" fill="hold" grpId="0" nodeType="afterEffect">
-                                  <p:stCondLst>
-                                    <p:cond delay="0"/>
-                                  </p:stCondLst>
-                                  <p:childTnLst>
-                                    <p:set>
-                                      <p:cBhvr>
-                                        <p:cTn id="17" dur="1" fill="hold">
-                                          <p:stCondLst>
-                                            <p:cond delay="0"/>
-                                          </p:stCondLst>
-                                        </p:cTn>
-                                        <p:tgtEl>
-                                          <p:spTgt spid="6"/>
-                                        </p:tgtEl>
-                                        <p:attrNameLst>
-                                          <p:attrName>style.visibility</p:attrName>
-                                        </p:attrNameLst>
-                                      </p:cBhvr>
-                                      <p:to>
-                                        <p:strVal val="visible"/>
-                                      </p:to>
-                                    </p:set>
-                                    <p:animEffect transition="in" filter="fade">
-                                      <p:cBhvr>
-                                        <p:cTn id="18" dur="500"/>
-                                        <p:tgtEl>
-                                          <p:spTgt spid="6"/>
-                                        </p:tgtEl>
-                                      </p:cBhvr>
-                                    </p:animEffect>
-                                  </p:childTnLst>
-                                </p:cTn>
-                              </p:par>
-                              <p:par>
-                                <p:cTn id="19" presetID="10" presetClass="entr" presetSubtype="0" fill="hold" grpId="0" nodeType="withEffect">
-                                  <p:stCondLst>
-                                    <p:cond delay="0"/>
-                                  </p:stCondLst>
-                                  <p:childTnLst>
-                                    <p:set>
-                                      <p:cBhvr>
-                                        <p:cTn id="20" dur="1" fill="hold">
-                                          <p:stCondLst>
-                                            <p:cond delay="0"/>
-                                          </p:stCondLst>
-                                        </p:cTn>
-                                        <p:tgtEl>
-                                          <p:spTgt spid="11"/>
-                                        </p:tgtEl>
-                                        <p:attrNameLst>
-                                          <p:attrName>style.visibility</p:attrName>
-                                        </p:attrNameLst>
-                                      </p:cBhvr>
-                                      <p:to>
-                                        <p:strVal val="visible"/>
-                                      </p:to>
-                                    </p:set>
-                                    <p:animEffect transition="in" filter="fade">
-                                      <p:cBhvr>
-                                        <p:cTn id="21" dur="500"/>
-                                        <p:tgtEl>
-                                          <p:spTgt spid="11"/>
-                                        </p:tgtEl>
-                                      </p:cBhvr>
-                                    </p:animEffect>
-                                  </p:childTnLst>
-                                </p:cTn>
-                              </p:par>
-                            </p:childTnLst>
-                          </p:cTn>
-                        </p:par>
-                        <p:par>
-                          <p:cTn id="22" fill="hold">
-                            <p:stCondLst>
-                              <p:cond delay="1500"/>
-                            </p:stCondLst>
-                            <p:childTnLst>
-                              <p:par>
-                                <p:cTn id="23" presetID="10" presetClass="entr" presetSubtype="0" fill="hold" grpId="0" nodeType="afterEffect">
-                                  <p:stCondLst>
-                                    <p:cond delay="0"/>
-                                  </p:stCondLst>
-                                  <p:childTnLst>
-                                    <p:set>
-                                      <p:cBhvr>
-                                        <p:cTn id="24" dur="1" fill="hold">
-                                          <p:stCondLst>
-                                            <p:cond delay="0"/>
-                                          </p:stCondLst>
-                                        </p:cTn>
-                                        <p:tgtEl>
-                                          <p:spTgt spid="17"/>
-                                        </p:tgtEl>
-                                        <p:attrNameLst>
-                                          <p:attrName>style.visibility</p:attrName>
-                                        </p:attrNameLst>
-                                      </p:cBhvr>
-                                      <p:to>
-                                        <p:strVal val="visible"/>
-                                      </p:to>
-                                    </p:set>
-                                    <p:animEffect transition="in" filter="fade">
-                                      <p:cBhvr>
-                                        <p:cTn id="25" dur="500"/>
-                                        <p:tgtEl>
-                                          <p:spTgt spid="17"/>
-                                        </p:tgtEl>
-                                      </p:cBhvr>
-                                    </p:animEffect>
-                                  </p:childTnLst>
-                                </p:cTn>
-                              </p:par>
-                              <p:par>
-                                <p:cTn id="26" presetID="10" presetClass="entr" presetSubtype="0" fill="hold" grpId="0" nodeType="withEffect">
-                                  <p:stCondLst>
-                                    <p:cond delay="0"/>
-                                  </p:stCondLst>
-                                  <p:childTnLst>
-                                    <p:set>
-                                      <p:cBhvr>
-                                        <p:cTn id="27" dur="1" fill="hold">
-                                          <p:stCondLst>
-                                            <p:cond delay="0"/>
-                                          </p:stCondLst>
-                                        </p:cTn>
-                                        <p:tgtEl>
-                                          <p:spTgt spid="9"/>
-                                        </p:tgtEl>
-                                        <p:attrNameLst>
-                                          <p:attrName>style.visibility</p:attrName>
-                                        </p:attrNameLst>
-                                      </p:cBhvr>
-                                      <p:to>
-                                        <p:strVal val="visible"/>
-                                      </p:to>
-                                    </p:set>
-                                    <p:animEffect transition="in" filter="fade">
-                                      <p:cBhvr>
-                                        <p:cTn id="28" dur="500"/>
-                                        <p:tgtEl>
-                                          <p:spTgt spid="9"/>
-                                        </p:tgtEl>
-                                      </p:cBhvr>
-                                    </p:animEffect>
-                                  </p:childTnLst>
-                                </p:cTn>
-                              </p:par>
-                              <p:par>
-                                <p:cTn id="29" presetID="10" presetClass="entr" presetSubtype="0" fill="hold" grpId="0" nodeType="withEffect">
-                                  <p:stCondLst>
-                                    <p:cond delay="0"/>
-                                  </p:stCondLst>
-                                  <p:childTnLst>
-                                    <p:set>
-                                      <p:cBhvr>
-                                        <p:cTn id="30" dur="1" fill="hold">
-                                          <p:stCondLst>
-                                            <p:cond delay="0"/>
-                                          </p:stCondLst>
-                                        </p:cTn>
-                                        <p:tgtEl>
-                                          <p:spTgt spid="18"/>
-                                        </p:tgtEl>
-                                        <p:attrNameLst>
-                                          <p:attrName>style.visibility</p:attrName>
-                                        </p:attrNameLst>
-                                      </p:cBhvr>
-                                      <p:to>
-                                        <p:strVal val="visible"/>
-                                      </p:to>
-                                    </p:set>
-                                    <p:animEffect transition="in" filter="fade">
-                                      <p:cBhvr>
-                                        <p:cTn id="31" dur="500"/>
-                                        <p:tgtEl>
-                                          <p:spTgt spid="18"/>
-                                        </p:tgtEl>
-                                      </p:cBhvr>
-                                    </p:animEffect>
-                                  </p:childTnLst>
-                                </p:cTn>
-                              </p:par>
-                            </p:childTnLst>
-                          </p:cTn>
-                        </p:par>
-                        <p:par>
-                          <p:cTn id="32" fill="hold">
-                            <p:stCondLst>
-                              <p:cond delay="2000"/>
-                            </p:stCondLst>
-                            <p:childTnLst>
-                              <p:par>
-                                <p:cTn id="33" presetID="19" presetClass="emph" presetSubtype="0" fill="hold" grpId="0" nodeType="afterEffect">
-                                  <p:stCondLst>
-                                    <p:cond delay="2700"/>
-                                  </p:stCondLst>
-                                  <p:childTnLst>
-                                    <p:animClr clrSpc="rgb" dir="cw">
-                                      <p:cBhvr override="childStyle">
-                                        <p:cTn id="34" dur="500" fill="hold"/>
-                                        <p:tgtEl>
-                                          <p:spTgt spid="8"/>
-                                        </p:tgtEl>
-                                        <p:attrNameLst>
-                                          <p:attrName>style.color</p:attrName>
-                                        </p:attrNameLst>
-                                      </p:cBhvr>
-                                      <p:to>
-                                        <a:srgbClr val="E2EFD9"/>
-                                      </p:to>
-                                    </p:animClr>
-                                    <p:animClr clrSpc="rgb" dir="cw">
-                                      <p:cBhvr>
-                                        <p:cTn id="35" dur="500" fill="hold"/>
-                                        <p:tgtEl>
-                                          <p:spTgt spid="8"/>
-                                        </p:tgtEl>
-                                        <p:attrNameLst>
-                                          <p:attrName>fillcolor</p:attrName>
-                                        </p:attrNameLst>
-                                      </p:cBhvr>
-                                      <p:to>
-                                        <a:srgbClr val="E2EFD9"/>
-                                      </p:to>
-                                    </p:animClr>
-                                    <p:set>
-                                      <p:cBhvr>
-                                        <p:cTn id="36" dur="500" fill="hold"/>
-                                        <p:tgtEl>
-                                          <p:spTgt spid="8"/>
-                                        </p:tgtEl>
-                                        <p:attrNameLst>
-                                          <p:attrName>fill.type</p:attrName>
-                                        </p:attrNameLst>
-                                      </p:cBhvr>
-                                      <p:to>
-                                        <p:strVal val="solid"/>
-                                      </p:to>
-                                    </p:set>
-                                    <p:set>
-                                      <p:cBhvr>
-                                        <p:cTn id="37" dur="500" fill="hold"/>
-                                        <p:tgtEl>
-                                          <p:spTgt spid="8"/>
-                                        </p:tgtEl>
-                                        <p:attrNameLst>
-                                          <p:attrName>fill.on</p:attrName>
-                                        </p:attrNameLst>
-                                      </p:cBhvr>
-                                      <p:to>
-                                        <p:strVal val="true"/>
-                                      </p:to>
-                                    </p:set>
-                                  </p:childTnLst>
-                                </p:cTn>
-                              </p:par>
-                            </p:childTnLst>
-                          </p:cTn>
-                        </p:par>
-                        <p:par>
-                          <p:cTn id="38" fill="hold">
-                            <p:stCondLst>
-                              <p:cond delay="5200"/>
-                            </p:stCondLst>
-                            <p:childTnLst>
-                              <p:par>
-                                <p:cTn id="39" presetID="1" presetClass="entr" presetSubtype="0" fill="hold" nodeType="afterEffect">
-                                  <p:stCondLst>
-                                    <p:cond delay="0"/>
-                                  </p:stCondLst>
-                                  <p:childTnLst>
-                                    <p:set>
-                                      <p:cBhvr>
-                                        <p:cTn id="40" dur="1" fill="hold">
-                                          <p:stCondLst>
-                                            <p:cond delay="0"/>
-                                          </p:stCondLst>
-                                        </p:cTn>
-                                        <p:tgtEl>
-                                          <p:spTgt spid="20"/>
-                                        </p:tgtEl>
-                                        <p:attrNameLst>
-                                          <p:attrName>style.visibility</p:attrName>
-                                        </p:attrNameLst>
-                                      </p:cBhvr>
-                                      <p:to>
-                                        <p:strVal val="visible"/>
-                                      </p:to>
-                                    </p:set>
-                                  </p:childTnLst>
-                                </p:cTn>
-                              </p:par>
-                            </p:childTnLst>
-                          </p:cTn>
-                        </p:par>
-                        <p:par>
-                          <p:cTn id="41" fill="hold">
-                            <p:stCondLst>
-                              <p:cond delay="5200"/>
-                            </p:stCondLst>
-                            <p:childTnLst>
-                              <p:par>
-                                <p:cTn id="42" presetID="19" presetClass="emph" presetSubtype="0" fill="hold" grpId="0" nodeType="afterEffect">
-                                  <p:stCondLst>
-                                    <p:cond delay="250"/>
-                                  </p:stCondLst>
-                                  <p:childTnLst>
-                                    <p:animClr clrSpc="rgb" dir="cw">
-                                      <p:cBhvr override="childStyle">
-                                        <p:cTn id="43" dur="500" fill="hold"/>
-                                        <p:tgtEl>
-                                          <p:spTgt spid="5"/>
-                                        </p:tgtEl>
-                                        <p:attrNameLst>
-                                          <p:attrName>style.color</p:attrName>
-                                        </p:attrNameLst>
-                                      </p:cBhvr>
-                                      <p:to>
-                                        <a:srgbClr val="FCD6D6"/>
-                                      </p:to>
-                                    </p:animClr>
-                                    <p:animClr clrSpc="rgb" dir="cw">
-                                      <p:cBhvr>
-                                        <p:cTn id="44" dur="500" fill="hold"/>
-                                        <p:tgtEl>
-                                          <p:spTgt spid="5"/>
-                                        </p:tgtEl>
-                                        <p:attrNameLst>
-                                          <p:attrName>fillcolor</p:attrName>
-                                        </p:attrNameLst>
-                                      </p:cBhvr>
-                                      <p:to>
-                                        <a:srgbClr val="FCD6D6"/>
-                                      </p:to>
-                                    </p:animClr>
-                                    <p:set>
-                                      <p:cBhvr>
-                                        <p:cTn id="45" dur="500" fill="hold"/>
-                                        <p:tgtEl>
-                                          <p:spTgt spid="5"/>
-                                        </p:tgtEl>
-                                        <p:attrNameLst>
-                                          <p:attrName>fill.type</p:attrName>
-                                        </p:attrNameLst>
-                                      </p:cBhvr>
-                                      <p:to>
-                                        <p:strVal val="solid"/>
-                                      </p:to>
-                                    </p:set>
-                                    <p:set>
-                                      <p:cBhvr>
-                                        <p:cTn id="46" dur="500" fill="hold"/>
-                                        <p:tgtEl>
-                                          <p:spTgt spid="5"/>
-                                        </p:tgtEl>
-                                        <p:attrNameLst>
-                                          <p:attrName>fill.on</p:attrName>
-                                        </p:attrNameLst>
-                                      </p:cBhvr>
-                                      <p:to>
-                                        <p:strVal val="true"/>
-                                      </p:to>
-                                    </p:set>
-                                  </p:childTnLst>
-                                </p:cTn>
-                              </p:par>
-                            </p:childTnLst>
-                          </p:cTn>
-                        </p:par>
-                        <p:par>
-                          <p:cTn id="47" fill="hold">
-                            <p:stCondLst>
-                              <p:cond delay="5950"/>
-                            </p:stCondLst>
-                            <p:childTnLst>
-                              <p:par>
-                                <p:cTn id="48" presetID="1" presetClass="entr" presetSubtype="0" fill="hold" nodeType="afterEffect">
-                                  <p:stCondLst>
-                                    <p:cond delay="0"/>
-                                  </p:stCondLst>
-                                  <p:childTnLst>
-                                    <p:set>
-                                      <p:cBhvr>
-                                        <p:cTn id="49" dur="1" fill="hold">
-                                          <p:stCondLst>
-                                            <p:cond delay="0"/>
-                                          </p:stCondLst>
-                                        </p:cTn>
-                                        <p:tgtEl>
-                                          <p:spTgt spid="19"/>
-                                        </p:tgtEl>
-                                        <p:attrNameLst>
-                                          <p:attrName>style.visibility</p:attrName>
-                                        </p:attrNameLst>
-                                      </p:cBhvr>
-                                      <p:to>
-                                        <p:strVal val="visible"/>
-                                      </p:to>
-                                    </p:set>
-                                  </p:childTnLst>
-                                </p:cTn>
-                              </p:par>
-                            </p:childTnLst>
-                          </p:cTn>
-                        </p:par>
-                        <p:par>
-                          <p:cTn id="50" fill="hold">
-                            <p:stCondLst>
-                              <p:cond delay="5950"/>
-                            </p:stCondLst>
-                            <p:childTnLst>
-                              <p:par>
-                                <p:cTn id="51" presetID="19" presetClass="emph" presetSubtype="0" fill="hold" grpId="0" nodeType="afterEffect">
-                                  <p:stCondLst>
-                                    <p:cond delay="250"/>
-                                  </p:stCondLst>
-                                  <p:childTnLst>
-                                    <p:animClr clrSpc="rgb" dir="cw">
-                                      <p:cBhvr override="childStyle">
-                                        <p:cTn id="52" dur="500" fill="hold"/>
-                                        <p:tgtEl>
-                                          <p:spTgt spid="7"/>
-                                        </p:tgtEl>
-                                        <p:attrNameLst>
-                                          <p:attrName>style.color</p:attrName>
-                                        </p:attrNameLst>
-                                      </p:cBhvr>
-                                      <p:to>
-                                        <a:srgbClr val="E2EFD9"/>
-                                      </p:to>
-                                    </p:animClr>
-                                    <p:animClr clrSpc="rgb" dir="cw">
-                                      <p:cBhvr>
-                                        <p:cTn id="53" dur="500" fill="hold"/>
-                                        <p:tgtEl>
-                                          <p:spTgt spid="7"/>
-                                        </p:tgtEl>
-                                        <p:attrNameLst>
-                                          <p:attrName>fillcolor</p:attrName>
-                                        </p:attrNameLst>
-                                      </p:cBhvr>
-                                      <p:to>
-                                        <a:srgbClr val="E2EFD9"/>
-                                      </p:to>
-                                    </p:animClr>
-                                    <p:set>
-                                      <p:cBhvr>
-                                        <p:cTn id="54" dur="500" fill="hold"/>
-                                        <p:tgtEl>
-                                          <p:spTgt spid="7"/>
-                                        </p:tgtEl>
-                                        <p:attrNameLst>
-                                          <p:attrName>fill.type</p:attrName>
-                                        </p:attrNameLst>
-                                      </p:cBhvr>
-                                      <p:to>
-                                        <p:strVal val="solid"/>
-                                      </p:to>
-                                    </p:set>
-                                    <p:set>
-                                      <p:cBhvr>
-                                        <p:cTn id="55" dur="500" fill="hold"/>
-                                        <p:tgtEl>
-                                          <p:spTgt spid="7"/>
-                                        </p:tgtEl>
-                                        <p:attrNameLst>
-                                          <p:attrName>fill.on</p:attrName>
-                                        </p:attrNameLst>
-                                      </p:cBhvr>
-                                      <p:to>
-                                        <p:strVal val="true"/>
-                                      </p:to>
-                                    </p:set>
-                                  </p:childTnLst>
-                                </p:cTn>
-                              </p:par>
-                            </p:childTnLst>
-                          </p:cTn>
-                        </p:par>
-                        <p:par>
-                          <p:cTn id="56" fill="hold">
-                            <p:stCondLst>
-                              <p:cond delay="6700"/>
-                            </p:stCondLst>
-                            <p:childTnLst>
-                              <p:par>
-                                <p:cTn id="57" presetID="1" presetClass="entr" presetSubtype="0" fill="hold" nodeType="afterEffect">
-                                  <p:stCondLst>
-                                    <p:cond delay="0"/>
-                                  </p:stCondLst>
-                                  <p:childTnLst>
-                                    <p:set>
-                                      <p:cBhvr>
-                                        <p:cTn id="58" dur="1" fill="hold">
-                                          <p:stCondLst>
-                                            <p:cond delay="0"/>
-                                          </p:stCondLst>
-                                        </p:cTn>
-                                        <p:tgtEl>
-                                          <p:spTgt spid="16"/>
-                                        </p:tgtEl>
-                                        <p:attrNameLst>
-                                          <p:attrName>style.visibility</p:attrName>
-                                        </p:attrNameLst>
-                                      </p:cBhvr>
-                                      <p:to>
-                                        <p:strVal val="visible"/>
-                                      </p:to>
-                                    </p:set>
-                                  </p:childTnLst>
-                                </p:cTn>
-                              </p:par>
-                            </p:childTnLst>
-                          </p:cTn>
-                        </p:par>
-                      </p:childTnLst>
-                    </p:cTn>
-                  </p:par>
-                </p:childTnLst>
-              </p:cTn>
-              <p:prevCondLst>
-                <p:cond evt="onPrev" delay="0">
-                  <p:tgtEl>
-                    <p:sldTgt/>
-                  </p:tgtEl>
-                </p:cond>
-              </p:prevCondLst>
-              <p:nextCondLst>
-                <p:cond evt="onNext" delay="0">
-                  <p:tgtEl>
-                    <p:sldTgt/>
-                  </p:tgtEl>
-                </p:cond>
-              </p:nextCondLst>
-            </p:seq>
-          </p:childTnLst>
-        </p:cTn>
-      </p:par>
-    </p:tnLst>
-    <p:bldLst>
-      <p:bldP spid="7" grpId="0" animBg="1"/>
-      <p:bldP spid="5" grpId="0" animBg="1"/>
-      <p:bldP spid="2" grpId="0"/>
-      <p:bldP spid="4" grpId="0" animBg="1"/>
-      <p:bldP spid="6" grpId="0" animBg="1"/>
-      <p:bldP spid="8" grpId="0" animBg="1"/>
-      <p:bldP spid="17" grpId="0"/>
-      <p:bldP spid="14" grpId="0"/>
-      <p:bldP spid="11" grpId="0"/>
-      <p:bldP spid="9" grpId="0"/>
-      <p:bldP spid="18" grpId="0"/>
-    </p:bldLst>
-  </p:timing>
-</p:sld>
-</file>
-
 <file path=ppt/theme/theme1.xml><?xml version="1.0" encoding="utf-8"?>
 <a:theme xmlns:a="http://schemas.openxmlformats.org/drawingml/2006/main" name="Office Theme">
   <a:themeElements>
